--- a/Presentation.pptx
+++ b/Presentation.pptx
@@ -5,7 +5,7 @@
     <p:sldMasterId id="2147483648" r:id="rId1"/>
   </p:sldMasterIdLst>
   <p:notesMasterIdLst>
-    <p:notesMasterId r:id="rId31"/>
+    <p:notesMasterId r:id="rId46"/>
   </p:notesMasterIdLst>
   <p:sldIdLst>
     <p:sldId id="256" r:id="rId2"/>
@@ -19,24 +19,39 @@
     <p:sldId id="262" r:id="rId10"/>
     <p:sldId id="263" r:id="rId11"/>
     <p:sldId id="264" r:id="rId12"/>
-    <p:sldId id="265" r:id="rId13"/>
-    <p:sldId id="269" r:id="rId14"/>
-    <p:sldId id="267" r:id="rId15"/>
-    <p:sldId id="268" r:id="rId16"/>
-    <p:sldId id="270" r:id="rId17"/>
-    <p:sldId id="271" r:id="rId18"/>
-    <p:sldId id="272" r:id="rId19"/>
-    <p:sldId id="273" r:id="rId20"/>
-    <p:sldId id="274" r:id="rId21"/>
-    <p:sldId id="275" r:id="rId22"/>
-    <p:sldId id="276" r:id="rId23"/>
-    <p:sldId id="277" r:id="rId24"/>
-    <p:sldId id="278" r:id="rId25"/>
-    <p:sldId id="279" r:id="rId26"/>
-    <p:sldId id="280" r:id="rId27"/>
-    <p:sldId id="281" r:id="rId28"/>
-    <p:sldId id="282" r:id="rId29"/>
-    <p:sldId id="284" r:id="rId30"/>
+    <p:sldId id="290" r:id="rId13"/>
+    <p:sldId id="291" r:id="rId14"/>
+    <p:sldId id="289" r:id="rId15"/>
+    <p:sldId id="295" r:id="rId16"/>
+    <p:sldId id="292" r:id="rId17"/>
+    <p:sldId id="296" r:id="rId18"/>
+    <p:sldId id="293" r:id="rId19"/>
+    <p:sldId id="265" r:id="rId20"/>
+    <p:sldId id="304" r:id="rId21"/>
+    <p:sldId id="269" r:id="rId22"/>
+    <p:sldId id="267" r:id="rId23"/>
+    <p:sldId id="268" r:id="rId24"/>
+    <p:sldId id="270" r:id="rId25"/>
+    <p:sldId id="271" r:id="rId26"/>
+    <p:sldId id="298" r:id="rId27"/>
+    <p:sldId id="297" r:id="rId28"/>
+    <p:sldId id="272" r:id="rId29"/>
+    <p:sldId id="273" r:id="rId30"/>
+    <p:sldId id="274" r:id="rId31"/>
+    <p:sldId id="275" r:id="rId32"/>
+    <p:sldId id="276" r:id="rId33"/>
+    <p:sldId id="294" r:id="rId34"/>
+    <p:sldId id="277" r:id="rId35"/>
+    <p:sldId id="278" r:id="rId36"/>
+    <p:sldId id="280" r:id="rId37"/>
+    <p:sldId id="299" r:id="rId38"/>
+    <p:sldId id="300" r:id="rId39"/>
+    <p:sldId id="301" r:id="rId40"/>
+    <p:sldId id="281" r:id="rId41"/>
+    <p:sldId id="282" r:id="rId42"/>
+    <p:sldId id="302" r:id="rId43"/>
+    <p:sldId id="303" r:id="rId44"/>
+    <p:sldId id="306" r:id="rId45"/>
   </p:sldIdLst>
   <p:sldSz cx="12192000" cy="6858000"/>
   <p:notesSz cx="6858000" cy="9144000"/>
@@ -228,7 +243,7 @@
           <a:p>
             <a:fld id="{74AA20A7-D488-4721-BA22-802FD90F4607}" type="datetimeFigureOut">
               <a:rPr lang="en-GB" smtClean="0"/>
-              <a:t>30/01/2024</a:t>
+              <a:t>06/02/2024</a:t>
             </a:fld>
             <a:endParaRPr lang="en-GB"/>
           </a:p>
@@ -624,7 +639,7 @@
           <a:bodyPr/>
           <a:lstStyle/>
           <a:p>
-            <a:endParaRPr lang="en-GB"/>
+            <a:endParaRPr lang="en-GB" dirty="0"/>
           </a:p>
         </p:txBody>
       </p:sp>
@@ -708,7 +723,7 @@
           <a:bodyPr/>
           <a:lstStyle/>
           <a:p>
-            <a:endParaRPr lang="en-GB"/>
+            <a:endParaRPr lang="en-GB" dirty="0"/>
           </a:p>
         </p:txBody>
       </p:sp>
@@ -792,7 +807,7 @@
           <a:bodyPr/>
           <a:lstStyle/>
           <a:p>
-            <a:endParaRPr lang="en-GB"/>
+            <a:endParaRPr lang="en-GB" dirty="0"/>
           </a:p>
         </p:txBody>
       </p:sp>
@@ -822,7 +837,7 @@
     </p:spTree>
     <p:extLst>
       <p:ext uri="{BB962C8B-B14F-4D97-AF65-F5344CB8AC3E}">
-        <p14:creationId xmlns:p14="http://schemas.microsoft.com/office/powerpoint/2010/main" val="1762601876"/>
+        <p14:creationId xmlns:p14="http://schemas.microsoft.com/office/powerpoint/2010/main" val="2762176996"/>
       </p:ext>
     </p:extLst>
   </p:cSld>
@@ -876,7 +891,7 @@
           <a:bodyPr/>
           <a:lstStyle/>
           <a:p>
-            <a:endParaRPr lang="en-GB"/>
+            <a:endParaRPr lang="en-GB" dirty="0"/>
           </a:p>
         </p:txBody>
       </p:sp>
@@ -906,7 +921,7 @@
     </p:spTree>
     <p:extLst>
       <p:ext uri="{BB962C8B-B14F-4D97-AF65-F5344CB8AC3E}">
-        <p14:creationId xmlns:p14="http://schemas.microsoft.com/office/powerpoint/2010/main" val="3073807049"/>
+        <p14:creationId xmlns:p14="http://schemas.microsoft.com/office/powerpoint/2010/main" val="2078257402"/>
       </p:ext>
     </p:extLst>
   </p:cSld>
@@ -990,7 +1005,7 @@
     </p:spTree>
     <p:extLst>
       <p:ext uri="{BB962C8B-B14F-4D97-AF65-F5344CB8AC3E}">
-        <p14:creationId xmlns:p14="http://schemas.microsoft.com/office/powerpoint/2010/main" val="4183859516"/>
+        <p14:creationId xmlns:p14="http://schemas.microsoft.com/office/powerpoint/2010/main" val="1911835097"/>
       </p:ext>
     </p:extLst>
   </p:cSld>
@@ -1005,7 +1020,13 @@
   <p:cSld>
     <p:spTree>
       <p:nvGrpSpPr>
-        <p:cNvPr id="1" name=""/>
+        <p:cNvPr id="1" name="">
+          <a:extLst>
+            <a:ext uri="{FF2B5EF4-FFF2-40B4-BE49-F238E27FC236}">
+              <a16:creationId xmlns:a16="http://schemas.microsoft.com/office/drawing/2014/main" id="{5F0C15B1-5417-C992-8012-70CA436CCD6C}"/>
+            </a:ext>
+          </a:extLst>
+        </p:cNvPr>
         <p:cNvGrpSpPr/>
         <p:nvPr/>
       </p:nvGrpSpPr>
@@ -1019,7 +1040,13 @@
       </p:grpSpPr>
       <p:sp>
         <p:nvSpPr>
-          <p:cNvPr id="2" name="Slide Image Placeholder 1"/>
+          <p:cNvPr id="2" name="Slide Image Placeholder 1">
+            <a:extLst>
+              <a:ext uri="{FF2B5EF4-FFF2-40B4-BE49-F238E27FC236}">
+                <a16:creationId xmlns:a16="http://schemas.microsoft.com/office/drawing/2014/main" id="{541DBE4D-A39B-3E0F-7A52-947E976169AA}"/>
+              </a:ext>
+            </a:extLst>
+          </p:cNvPr>
           <p:cNvSpPr>
             <a:spLocks noGrp="1" noRot="1" noChangeAspect="1"/>
           </p:cNvSpPr>
@@ -1031,7 +1058,13 @@
       </p:sp>
       <p:sp>
         <p:nvSpPr>
-          <p:cNvPr id="3" name="Notes Placeholder 2"/>
+          <p:cNvPr id="3" name="Notes Placeholder 2">
+            <a:extLst>
+              <a:ext uri="{FF2B5EF4-FFF2-40B4-BE49-F238E27FC236}">
+                <a16:creationId xmlns:a16="http://schemas.microsoft.com/office/drawing/2014/main" id="{9802701C-AB4B-8061-4AC6-9AF7DB84E80D}"/>
+              </a:ext>
+            </a:extLst>
+          </p:cNvPr>
           <p:cNvSpPr>
             <a:spLocks noGrp="1"/>
           </p:cNvSpPr>
@@ -1050,7 +1083,13 @@
       </p:sp>
       <p:sp>
         <p:nvSpPr>
-          <p:cNvPr id="4" name="Slide Number Placeholder 3"/>
+          <p:cNvPr id="4" name="Slide Number Placeholder 3">
+            <a:extLst>
+              <a:ext uri="{FF2B5EF4-FFF2-40B4-BE49-F238E27FC236}">
+                <a16:creationId xmlns:a16="http://schemas.microsoft.com/office/drawing/2014/main" id="{1F10FF59-C6FB-8FA6-2A93-E4E8B580116D}"/>
+              </a:ext>
+            </a:extLst>
+          </p:cNvPr>
           <p:cNvSpPr>
             <a:spLocks noGrp="1"/>
           </p:cNvSpPr>
@@ -1074,7 +1113,7 @@
     </p:spTree>
     <p:extLst>
       <p:ext uri="{BB962C8B-B14F-4D97-AF65-F5344CB8AC3E}">
-        <p14:creationId xmlns:p14="http://schemas.microsoft.com/office/powerpoint/2010/main" val="244541766"/>
+        <p14:creationId xmlns:p14="http://schemas.microsoft.com/office/powerpoint/2010/main" val="823326488"/>
       </p:ext>
     </p:extLst>
   </p:cSld>
@@ -1128,7 +1167,7 @@
           <a:bodyPr/>
           <a:lstStyle/>
           <a:p>
-            <a:endParaRPr lang="en-GB"/>
+            <a:endParaRPr lang="en-GB" dirty="0"/>
           </a:p>
         </p:txBody>
       </p:sp>
@@ -1158,7 +1197,7 @@
     </p:spTree>
     <p:extLst>
       <p:ext uri="{BB962C8B-B14F-4D97-AF65-F5344CB8AC3E}">
-        <p14:creationId xmlns:p14="http://schemas.microsoft.com/office/powerpoint/2010/main" val="3682977238"/>
+        <p14:creationId xmlns:p14="http://schemas.microsoft.com/office/powerpoint/2010/main" val="1474376112"/>
       </p:ext>
     </p:extLst>
   </p:cSld>
@@ -1173,7 +1212,13 @@
   <p:cSld>
     <p:spTree>
       <p:nvGrpSpPr>
-        <p:cNvPr id="1" name=""/>
+        <p:cNvPr id="1" name="">
+          <a:extLst>
+            <a:ext uri="{FF2B5EF4-FFF2-40B4-BE49-F238E27FC236}">
+              <a16:creationId xmlns:a16="http://schemas.microsoft.com/office/drawing/2014/main" id="{6B2163BF-C331-81BE-DF4D-FCF2714DEE64}"/>
+            </a:ext>
+          </a:extLst>
+        </p:cNvPr>
         <p:cNvGrpSpPr/>
         <p:nvPr/>
       </p:nvGrpSpPr>
@@ -1187,7 +1232,13 @@
       </p:grpSpPr>
       <p:sp>
         <p:nvSpPr>
-          <p:cNvPr id="2" name="Slide Image Placeholder 1"/>
+          <p:cNvPr id="2" name="Slide Image Placeholder 1">
+            <a:extLst>
+              <a:ext uri="{FF2B5EF4-FFF2-40B4-BE49-F238E27FC236}">
+                <a16:creationId xmlns:a16="http://schemas.microsoft.com/office/drawing/2014/main" id="{AA96F7BA-7CB0-3B24-4330-0FB0A01ECDC1}"/>
+              </a:ext>
+            </a:extLst>
+          </p:cNvPr>
           <p:cNvSpPr>
             <a:spLocks noGrp="1" noRot="1" noChangeAspect="1"/>
           </p:cNvSpPr>
@@ -1199,7 +1250,13 @@
       </p:sp>
       <p:sp>
         <p:nvSpPr>
-          <p:cNvPr id="3" name="Notes Placeholder 2"/>
+          <p:cNvPr id="3" name="Notes Placeholder 2">
+            <a:extLst>
+              <a:ext uri="{FF2B5EF4-FFF2-40B4-BE49-F238E27FC236}">
+                <a16:creationId xmlns:a16="http://schemas.microsoft.com/office/drawing/2014/main" id="{205E60FC-0134-67D3-47E6-FF5B01CA7C1F}"/>
+              </a:ext>
+            </a:extLst>
+          </p:cNvPr>
           <p:cNvSpPr>
             <a:spLocks noGrp="1"/>
           </p:cNvSpPr>
@@ -1212,13 +1269,19 @@
           <a:bodyPr/>
           <a:lstStyle/>
           <a:p>
-            <a:endParaRPr lang="en-GB"/>
-          </a:p>
-        </p:txBody>
-      </p:sp>
-      <p:sp>
-        <p:nvSpPr>
-          <p:cNvPr id="4" name="Slide Number Placeholder 3"/>
+            <a:endParaRPr lang="en-GB" dirty="0"/>
+          </a:p>
+        </p:txBody>
+      </p:sp>
+      <p:sp>
+        <p:nvSpPr>
+          <p:cNvPr id="4" name="Slide Number Placeholder 3">
+            <a:extLst>
+              <a:ext uri="{FF2B5EF4-FFF2-40B4-BE49-F238E27FC236}">
+                <a16:creationId xmlns:a16="http://schemas.microsoft.com/office/drawing/2014/main" id="{064316B3-8DCB-F17A-E6BD-9FE808B8631E}"/>
+              </a:ext>
+            </a:extLst>
+          </p:cNvPr>
           <p:cNvSpPr>
             <a:spLocks noGrp="1"/>
           </p:cNvSpPr>
@@ -1242,7 +1305,7 @@
     </p:spTree>
     <p:extLst>
       <p:ext uri="{BB962C8B-B14F-4D97-AF65-F5344CB8AC3E}">
-        <p14:creationId xmlns:p14="http://schemas.microsoft.com/office/powerpoint/2010/main" val="582450446"/>
+        <p14:creationId xmlns:p14="http://schemas.microsoft.com/office/powerpoint/2010/main" val="3972615054"/>
       </p:ext>
     </p:extLst>
   </p:cSld>
@@ -1326,7 +1389,7 @@
     </p:spTree>
     <p:extLst>
       <p:ext uri="{BB962C8B-B14F-4D97-AF65-F5344CB8AC3E}">
-        <p14:creationId xmlns:p14="http://schemas.microsoft.com/office/powerpoint/2010/main" val="3440019848"/>
+        <p14:creationId xmlns:p14="http://schemas.microsoft.com/office/powerpoint/2010/main" val="1979950562"/>
       </p:ext>
     </p:extLst>
   </p:cSld>
@@ -1410,7 +1473,7 @@
     </p:spTree>
     <p:extLst>
       <p:ext uri="{BB962C8B-B14F-4D97-AF65-F5344CB8AC3E}">
-        <p14:creationId xmlns:p14="http://schemas.microsoft.com/office/powerpoint/2010/main" val="253082268"/>
+        <p14:creationId xmlns:p14="http://schemas.microsoft.com/office/powerpoint/2010/main" val="1762601876"/>
       </p:ext>
     </p:extLst>
   </p:cSld>
@@ -1464,7 +1527,7 @@
           <a:bodyPr/>
           <a:lstStyle/>
           <a:p>
-            <a:endParaRPr lang="en-GB"/>
+            <a:endParaRPr lang="en-GB" dirty="0"/>
           </a:p>
         </p:txBody>
       </p:sp>
@@ -1509,7 +1572,13 @@
   <p:cSld>
     <p:spTree>
       <p:nvGrpSpPr>
-        <p:cNvPr id="1" name=""/>
+        <p:cNvPr id="1" name="">
+          <a:extLst>
+            <a:ext uri="{FF2B5EF4-FFF2-40B4-BE49-F238E27FC236}">
+              <a16:creationId xmlns:a16="http://schemas.microsoft.com/office/drawing/2014/main" id="{B977A3D1-0B9F-BB21-2F39-EB7E0CA4C7E0}"/>
+            </a:ext>
+          </a:extLst>
+        </p:cNvPr>
         <p:cNvGrpSpPr/>
         <p:nvPr/>
       </p:nvGrpSpPr>
@@ -1523,7 +1592,13 @@
       </p:grpSpPr>
       <p:sp>
         <p:nvSpPr>
-          <p:cNvPr id="2" name="Slide Image Placeholder 1"/>
+          <p:cNvPr id="2" name="Slide Image Placeholder 1">
+            <a:extLst>
+              <a:ext uri="{FF2B5EF4-FFF2-40B4-BE49-F238E27FC236}">
+                <a16:creationId xmlns:a16="http://schemas.microsoft.com/office/drawing/2014/main" id="{50FD44D9-F506-DB3A-E267-573DC71FCC12}"/>
+              </a:ext>
+            </a:extLst>
+          </p:cNvPr>
           <p:cNvSpPr>
             <a:spLocks noGrp="1" noRot="1" noChangeAspect="1"/>
           </p:cNvSpPr>
@@ -1535,7 +1610,13 @@
       </p:sp>
       <p:sp>
         <p:nvSpPr>
-          <p:cNvPr id="3" name="Notes Placeholder 2"/>
+          <p:cNvPr id="3" name="Notes Placeholder 2">
+            <a:extLst>
+              <a:ext uri="{FF2B5EF4-FFF2-40B4-BE49-F238E27FC236}">
+                <a16:creationId xmlns:a16="http://schemas.microsoft.com/office/drawing/2014/main" id="{CC06E699-C41A-5473-F270-ACEE36544492}"/>
+              </a:ext>
+            </a:extLst>
+          </p:cNvPr>
           <p:cNvSpPr>
             <a:spLocks noGrp="1"/>
           </p:cNvSpPr>
@@ -1554,7 +1635,13 @@
       </p:sp>
       <p:sp>
         <p:nvSpPr>
-          <p:cNvPr id="4" name="Slide Number Placeholder 3"/>
+          <p:cNvPr id="4" name="Slide Number Placeholder 3">
+            <a:extLst>
+              <a:ext uri="{FF2B5EF4-FFF2-40B4-BE49-F238E27FC236}">
+                <a16:creationId xmlns:a16="http://schemas.microsoft.com/office/drawing/2014/main" id="{C6585017-ED4A-45B2-0DD2-A906F28336BA}"/>
+              </a:ext>
+            </a:extLst>
+          </p:cNvPr>
           <p:cNvSpPr>
             <a:spLocks noGrp="1"/>
           </p:cNvSpPr>
@@ -1578,7 +1665,7 @@
     </p:spTree>
     <p:extLst>
       <p:ext uri="{BB962C8B-B14F-4D97-AF65-F5344CB8AC3E}">
-        <p14:creationId xmlns:p14="http://schemas.microsoft.com/office/powerpoint/2010/main" val="743744884"/>
+        <p14:creationId xmlns:p14="http://schemas.microsoft.com/office/powerpoint/2010/main" val="2191929372"/>
       </p:ext>
     </p:extLst>
   </p:cSld>
@@ -1662,7 +1749,7 @@
     </p:spTree>
     <p:extLst>
       <p:ext uri="{BB962C8B-B14F-4D97-AF65-F5344CB8AC3E}">
-        <p14:creationId xmlns:p14="http://schemas.microsoft.com/office/powerpoint/2010/main" val="1221064013"/>
+        <p14:creationId xmlns:p14="http://schemas.microsoft.com/office/powerpoint/2010/main" val="3073807049"/>
       </p:ext>
     </p:extLst>
   </p:cSld>
@@ -1746,7 +1833,7 @@
     </p:spTree>
     <p:extLst>
       <p:ext uri="{BB962C8B-B14F-4D97-AF65-F5344CB8AC3E}">
-        <p14:creationId xmlns:p14="http://schemas.microsoft.com/office/powerpoint/2010/main" val="1873409605"/>
+        <p14:creationId xmlns:p14="http://schemas.microsoft.com/office/powerpoint/2010/main" val="4183859516"/>
       </p:ext>
     </p:extLst>
   </p:cSld>
@@ -1830,7 +1917,7 @@
     </p:spTree>
     <p:extLst>
       <p:ext uri="{BB962C8B-B14F-4D97-AF65-F5344CB8AC3E}">
-        <p14:creationId xmlns:p14="http://schemas.microsoft.com/office/powerpoint/2010/main" val="2581299457"/>
+        <p14:creationId xmlns:p14="http://schemas.microsoft.com/office/powerpoint/2010/main" val="244541766"/>
       </p:ext>
     </p:extLst>
   </p:cSld>
@@ -1914,7 +2001,7 @@
     </p:spTree>
     <p:extLst>
       <p:ext uri="{BB962C8B-B14F-4D97-AF65-F5344CB8AC3E}">
-        <p14:creationId xmlns:p14="http://schemas.microsoft.com/office/powerpoint/2010/main" val="257034680"/>
+        <p14:creationId xmlns:p14="http://schemas.microsoft.com/office/powerpoint/2010/main" val="3682977238"/>
       </p:ext>
     </p:extLst>
   </p:cSld>
@@ -1998,7 +2085,7 @@
     </p:spTree>
     <p:extLst>
       <p:ext uri="{BB962C8B-B14F-4D97-AF65-F5344CB8AC3E}">
-        <p14:creationId xmlns:p14="http://schemas.microsoft.com/office/powerpoint/2010/main" val="1801193284"/>
+        <p14:creationId xmlns:p14="http://schemas.microsoft.com/office/powerpoint/2010/main" val="582450446"/>
       </p:ext>
     </p:extLst>
   </p:cSld>
@@ -2009,6 +2096,222 @@
 </file>
 
 <file path=ppt/notesSlides/notesSlide26.xml><?xml version="1.0" encoding="utf-8"?>
+<p:notes xmlns:a="http://schemas.openxmlformats.org/drawingml/2006/main" xmlns:r="http://schemas.openxmlformats.org/officeDocument/2006/relationships" xmlns:p="http://schemas.openxmlformats.org/presentationml/2006/main">
+  <p:cSld>
+    <p:spTree>
+      <p:nvGrpSpPr>
+        <p:cNvPr id="1" name="">
+          <a:extLst>
+            <a:ext uri="{FF2B5EF4-FFF2-40B4-BE49-F238E27FC236}">
+              <a16:creationId xmlns:a16="http://schemas.microsoft.com/office/drawing/2014/main" id="{E3ACBBEE-E9A5-F88F-E846-F668F75EEFB8}"/>
+            </a:ext>
+          </a:extLst>
+        </p:cNvPr>
+        <p:cNvGrpSpPr/>
+        <p:nvPr/>
+      </p:nvGrpSpPr>
+      <p:grpSpPr>
+        <a:xfrm>
+          <a:off x="0" y="0"/>
+          <a:ext cx="0" cy="0"/>
+          <a:chOff x="0" y="0"/>
+          <a:chExt cx="0" cy="0"/>
+        </a:xfrm>
+      </p:grpSpPr>
+      <p:sp>
+        <p:nvSpPr>
+          <p:cNvPr id="2" name="Slide Image Placeholder 1">
+            <a:extLst>
+              <a:ext uri="{FF2B5EF4-FFF2-40B4-BE49-F238E27FC236}">
+                <a16:creationId xmlns:a16="http://schemas.microsoft.com/office/drawing/2014/main" id="{2F5CCFB2-D138-FE0C-D89C-4AD778FB7883}"/>
+              </a:ext>
+            </a:extLst>
+          </p:cNvPr>
+          <p:cNvSpPr>
+            <a:spLocks noGrp="1" noRot="1" noChangeAspect="1"/>
+          </p:cNvSpPr>
+          <p:nvPr>
+            <p:ph type="sldImg"/>
+          </p:nvPr>
+        </p:nvSpPr>
+        <p:spPr/>
+      </p:sp>
+      <p:sp>
+        <p:nvSpPr>
+          <p:cNvPr id="3" name="Notes Placeholder 2">
+            <a:extLst>
+              <a:ext uri="{FF2B5EF4-FFF2-40B4-BE49-F238E27FC236}">
+                <a16:creationId xmlns:a16="http://schemas.microsoft.com/office/drawing/2014/main" id="{C360BC9F-243F-B8BA-F428-0C24FC841015}"/>
+              </a:ext>
+            </a:extLst>
+          </p:cNvPr>
+          <p:cNvSpPr>
+            <a:spLocks noGrp="1"/>
+          </p:cNvSpPr>
+          <p:nvPr>
+            <p:ph type="body" idx="1"/>
+          </p:nvPr>
+        </p:nvSpPr>
+        <p:spPr/>
+        <p:txBody>
+          <a:bodyPr/>
+          <a:lstStyle/>
+          <a:p>
+            <a:endParaRPr lang="en-GB"/>
+          </a:p>
+        </p:txBody>
+      </p:sp>
+      <p:sp>
+        <p:nvSpPr>
+          <p:cNvPr id="4" name="Slide Number Placeholder 3">
+            <a:extLst>
+              <a:ext uri="{FF2B5EF4-FFF2-40B4-BE49-F238E27FC236}">
+                <a16:creationId xmlns:a16="http://schemas.microsoft.com/office/drawing/2014/main" id="{6AC64D8A-6FFD-9CC4-62C1-F59039B4BE25}"/>
+              </a:ext>
+            </a:extLst>
+          </p:cNvPr>
+          <p:cNvSpPr>
+            <a:spLocks noGrp="1"/>
+          </p:cNvSpPr>
+          <p:nvPr>
+            <p:ph type="sldNum" sz="quarter" idx="5"/>
+          </p:nvPr>
+        </p:nvSpPr>
+        <p:spPr/>
+        <p:txBody>
+          <a:bodyPr/>
+          <a:lstStyle/>
+          <a:p>
+            <a:fld id="{904FE6D4-D248-4264-95A8-233B5204A703}" type="slidenum">
+              <a:rPr lang="en-GB" smtClean="0"/>
+              <a:t>26</a:t>
+            </a:fld>
+            <a:endParaRPr lang="en-GB"/>
+          </a:p>
+        </p:txBody>
+      </p:sp>
+    </p:spTree>
+    <p:extLst>
+      <p:ext uri="{BB962C8B-B14F-4D97-AF65-F5344CB8AC3E}">
+        <p14:creationId xmlns:p14="http://schemas.microsoft.com/office/powerpoint/2010/main" val="1647756480"/>
+      </p:ext>
+    </p:extLst>
+  </p:cSld>
+  <p:clrMapOvr>
+    <a:masterClrMapping/>
+  </p:clrMapOvr>
+</p:notes>
+</file>
+
+<file path=ppt/notesSlides/notesSlide27.xml><?xml version="1.0" encoding="utf-8"?>
+<p:notes xmlns:a="http://schemas.openxmlformats.org/drawingml/2006/main" xmlns:r="http://schemas.openxmlformats.org/officeDocument/2006/relationships" xmlns:p="http://schemas.openxmlformats.org/presentationml/2006/main">
+  <p:cSld>
+    <p:spTree>
+      <p:nvGrpSpPr>
+        <p:cNvPr id="1" name="">
+          <a:extLst>
+            <a:ext uri="{FF2B5EF4-FFF2-40B4-BE49-F238E27FC236}">
+              <a16:creationId xmlns:a16="http://schemas.microsoft.com/office/drawing/2014/main" id="{3E70ADED-2DB2-30AF-22A8-EFC5C88232A2}"/>
+            </a:ext>
+          </a:extLst>
+        </p:cNvPr>
+        <p:cNvGrpSpPr/>
+        <p:nvPr/>
+      </p:nvGrpSpPr>
+      <p:grpSpPr>
+        <a:xfrm>
+          <a:off x="0" y="0"/>
+          <a:ext cx="0" cy="0"/>
+          <a:chOff x="0" y="0"/>
+          <a:chExt cx="0" cy="0"/>
+        </a:xfrm>
+      </p:grpSpPr>
+      <p:sp>
+        <p:nvSpPr>
+          <p:cNvPr id="2" name="Slide Image Placeholder 1">
+            <a:extLst>
+              <a:ext uri="{FF2B5EF4-FFF2-40B4-BE49-F238E27FC236}">
+                <a16:creationId xmlns:a16="http://schemas.microsoft.com/office/drawing/2014/main" id="{B155CF87-8390-84CD-5F0F-E92B4DE7D031}"/>
+              </a:ext>
+            </a:extLst>
+          </p:cNvPr>
+          <p:cNvSpPr>
+            <a:spLocks noGrp="1" noRot="1" noChangeAspect="1"/>
+          </p:cNvSpPr>
+          <p:nvPr>
+            <p:ph type="sldImg"/>
+          </p:nvPr>
+        </p:nvSpPr>
+        <p:spPr/>
+      </p:sp>
+      <p:sp>
+        <p:nvSpPr>
+          <p:cNvPr id="3" name="Notes Placeholder 2">
+            <a:extLst>
+              <a:ext uri="{FF2B5EF4-FFF2-40B4-BE49-F238E27FC236}">
+                <a16:creationId xmlns:a16="http://schemas.microsoft.com/office/drawing/2014/main" id="{AA395C32-263D-E7DA-1420-0A0C1430FFB1}"/>
+              </a:ext>
+            </a:extLst>
+          </p:cNvPr>
+          <p:cNvSpPr>
+            <a:spLocks noGrp="1"/>
+          </p:cNvSpPr>
+          <p:nvPr>
+            <p:ph type="body" idx="1"/>
+          </p:nvPr>
+        </p:nvSpPr>
+        <p:spPr/>
+        <p:txBody>
+          <a:bodyPr/>
+          <a:lstStyle/>
+          <a:p>
+            <a:endParaRPr lang="en-GB"/>
+          </a:p>
+        </p:txBody>
+      </p:sp>
+      <p:sp>
+        <p:nvSpPr>
+          <p:cNvPr id="4" name="Slide Number Placeholder 3">
+            <a:extLst>
+              <a:ext uri="{FF2B5EF4-FFF2-40B4-BE49-F238E27FC236}">
+                <a16:creationId xmlns:a16="http://schemas.microsoft.com/office/drawing/2014/main" id="{C4C5A590-55E6-B33C-2FC7-F1705C6CDCE5}"/>
+              </a:ext>
+            </a:extLst>
+          </p:cNvPr>
+          <p:cNvSpPr>
+            <a:spLocks noGrp="1"/>
+          </p:cNvSpPr>
+          <p:nvPr>
+            <p:ph type="sldNum" sz="quarter" idx="5"/>
+          </p:nvPr>
+        </p:nvSpPr>
+        <p:spPr/>
+        <p:txBody>
+          <a:bodyPr/>
+          <a:lstStyle/>
+          <a:p>
+            <a:fld id="{904FE6D4-D248-4264-95A8-233B5204A703}" type="slidenum">
+              <a:rPr lang="en-GB" smtClean="0"/>
+              <a:t>27</a:t>
+            </a:fld>
+            <a:endParaRPr lang="en-GB"/>
+          </a:p>
+        </p:txBody>
+      </p:sp>
+    </p:spTree>
+    <p:extLst>
+      <p:ext uri="{BB962C8B-B14F-4D97-AF65-F5344CB8AC3E}">
+        <p14:creationId xmlns:p14="http://schemas.microsoft.com/office/powerpoint/2010/main" val="228397912"/>
+      </p:ext>
+    </p:extLst>
+  </p:cSld>
+  <p:clrMapOvr>
+    <a:masterClrMapping/>
+  </p:clrMapOvr>
+</p:notes>
+</file>
+
+<file path=ppt/notesSlides/notesSlide28.xml><?xml version="1.0" encoding="utf-8"?>
 <p:notes xmlns:a="http://schemas.openxmlformats.org/drawingml/2006/main" xmlns:r="http://schemas.openxmlformats.org/officeDocument/2006/relationships" xmlns:p="http://schemas.openxmlformats.org/presentationml/2006/main">
   <p:cSld>
     <p:spTree>
@@ -2073,7 +2376,7 @@
           <a:p>
             <a:fld id="{904FE6D4-D248-4264-95A8-233B5204A703}" type="slidenum">
               <a:rPr lang="en-GB" smtClean="0"/>
-              <a:t>26</a:t>
+              <a:t>28</a:t>
             </a:fld>
             <a:endParaRPr lang="en-GB"/>
           </a:p>
@@ -2082,7 +2385,7 @@
     </p:spTree>
     <p:extLst>
       <p:ext uri="{BB962C8B-B14F-4D97-AF65-F5344CB8AC3E}">
-        <p14:creationId xmlns:p14="http://schemas.microsoft.com/office/powerpoint/2010/main" val="96163056"/>
+        <p14:creationId xmlns:p14="http://schemas.microsoft.com/office/powerpoint/2010/main" val="3440019848"/>
       </p:ext>
     </p:extLst>
   </p:cSld>
@@ -2092,7 +2395,7 @@
 </p:notes>
 </file>
 
-<file path=ppt/notesSlides/notesSlide27.xml><?xml version="1.0" encoding="utf-8"?>
+<file path=ppt/notesSlides/notesSlide29.xml><?xml version="1.0" encoding="utf-8"?>
 <p:notes xmlns:a="http://schemas.openxmlformats.org/drawingml/2006/main" xmlns:r="http://schemas.openxmlformats.org/officeDocument/2006/relationships" xmlns:p="http://schemas.openxmlformats.org/presentationml/2006/main">
   <p:cSld>
     <p:spTree>
@@ -2157,7 +2460,7 @@
           <a:p>
             <a:fld id="{904FE6D4-D248-4264-95A8-233B5204A703}" type="slidenum">
               <a:rPr lang="en-GB" smtClean="0"/>
-              <a:t>27</a:t>
+              <a:t>29</a:t>
             </a:fld>
             <a:endParaRPr lang="en-GB"/>
           </a:p>
@@ -2166,7 +2469,7 @@
     </p:spTree>
     <p:extLst>
       <p:ext uri="{BB962C8B-B14F-4D97-AF65-F5344CB8AC3E}">
-        <p14:creationId xmlns:p14="http://schemas.microsoft.com/office/powerpoint/2010/main" val="3688659410"/>
+        <p14:creationId xmlns:p14="http://schemas.microsoft.com/office/powerpoint/2010/main" val="253082268"/>
       </p:ext>
     </p:extLst>
   </p:cSld>
@@ -2260,6 +2563,942 @@
 </p:notes>
 </file>
 
+<file path=ppt/notesSlides/notesSlide30.xml><?xml version="1.0" encoding="utf-8"?>
+<p:notes xmlns:a="http://schemas.openxmlformats.org/drawingml/2006/main" xmlns:r="http://schemas.openxmlformats.org/officeDocument/2006/relationships" xmlns:p="http://schemas.openxmlformats.org/presentationml/2006/main">
+  <p:cSld>
+    <p:spTree>
+      <p:nvGrpSpPr>
+        <p:cNvPr id="1" name=""/>
+        <p:cNvGrpSpPr/>
+        <p:nvPr/>
+      </p:nvGrpSpPr>
+      <p:grpSpPr>
+        <a:xfrm>
+          <a:off x="0" y="0"/>
+          <a:ext cx="0" cy="0"/>
+          <a:chOff x="0" y="0"/>
+          <a:chExt cx="0" cy="0"/>
+        </a:xfrm>
+      </p:grpSpPr>
+      <p:sp>
+        <p:nvSpPr>
+          <p:cNvPr id="2" name="Slide Image Placeholder 1"/>
+          <p:cNvSpPr>
+            <a:spLocks noGrp="1" noRot="1" noChangeAspect="1"/>
+          </p:cNvSpPr>
+          <p:nvPr>
+            <p:ph type="sldImg"/>
+          </p:nvPr>
+        </p:nvSpPr>
+        <p:spPr/>
+      </p:sp>
+      <p:sp>
+        <p:nvSpPr>
+          <p:cNvPr id="3" name="Notes Placeholder 2"/>
+          <p:cNvSpPr>
+            <a:spLocks noGrp="1"/>
+          </p:cNvSpPr>
+          <p:nvPr>
+            <p:ph type="body" idx="1"/>
+          </p:nvPr>
+        </p:nvSpPr>
+        <p:spPr/>
+        <p:txBody>
+          <a:bodyPr/>
+          <a:lstStyle/>
+          <a:p>
+            <a:endParaRPr lang="en-GB"/>
+          </a:p>
+        </p:txBody>
+      </p:sp>
+      <p:sp>
+        <p:nvSpPr>
+          <p:cNvPr id="4" name="Slide Number Placeholder 3"/>
+          <p:cNvSpPr>
+            <a:spLocks noGrp="1"/>
+          </p:cNvSpPr>
+          <p:nvPr>
+            <p:ph type="sldNum" sz="quarter" idx="5"/>
+          </p:nvPr>
+        </p:nvSpPr>
+        <p:spPr/>
+        <p:txBody>
+          <a:bodyPr/>
+          <a:lstStyle/>
+          <a:p>
+            <a:fld id="{904FE6D4-D248-4264-95A8-233B5204A703}" type="slidenum">
+              <a:rPr lang="en-GB" smtClean="0"/>
+              <a:t>30</a:t>
+            </a:fld>
+            <a:endParaRPr lang="en-GB"/>
+          </a:p>
+        </p:txBody>
+      </p:sp>
+    </p:spTree>
+    <p:extLst>
+      <p:ext uri="{BB962C8B-B14F-4D97-AF65-F5344CB8AC3E}">
+        <p14:creationId xmlns:p14="http://schemas.microsoft.com/office/powerpoint/2010/main" val="743744884"/>
+      </p:ext>
+    </p:extLst>
+  </p:cSld>
+  <p:clrMapOvr>
+    <a:masterClrMapping/>
+  </p:clrMapOvr>
+</p:notes>
+</file>
+
+<file path=ppt/notesSlides/notesSlide31.xml><?xml version="1.0" encoding="utf-8"?>
+<p:notes xmlns:a="http://schemas.openxmlformats.org/drawingml/2006/main" xmlns:r="http://schemas.openxmlformats.org/officeDocument/2006/relationships" xmlns:p="http://schemas.openxmlformats.org/presentationml/2006/main">
+  <p:cSld>
+    <p:spTree>
+      <p:nvGrpSpPr>
+        <p:cNvPr id="1" name=""/>
+        <p:cNvGrpSpPr/>
+        <p:nvPr/>
+      </p:nvGrpSpPr>
+      <p:grpSpPr>
+        <a:xfrm>
+          <a:off x="0" y="0"/>
+          <a:ext cx="0" cy="0"/>
+          <a:chOff x="0" y="0"/>
+          <a:chExt cx="0" cy="0"/>
+        </a:xfrm>
+      </p:grpSpPr>
+      <p:sp>
+        <p:nvSpPr>
+          <p:cNvPr id="2" name="Slide Image Placeholder 1"/>
+          <p:cNvSpPr>
+            <a:spLocks noGrp="1" noRot="1" noChangeAspect="1"/>
+          </p:cNvSpPr>
+          <p:nvPr>
+            <p:ph type="sldImg"/>
+          </p:nvPr>
+        </p:nvSpPr>
+        <p:spPr/>
+      </p:sp>
+      <p:sp>
+        <p:nvSpPr>
+          <p:cNvPr id="3" name="Notes Placeholder 2"/>
+          <p:cNvSpPr>
+            <a:spLocks noGrp="1"/>
+          </p:cNvSpPr>
+          <p:nvPr>
+            <p:ph type="body" idx="1"/>
+          </p:nvPr>
+        </p:nvSpPr>
+        <p:spPr/>
+        <p:txBody>
+          <a:bodyPr/>
+          <a:lstStyle/>
+          <a:p>
+            <a:endParaRPr lang="en-GB"/>
+          </a:p>
+        </p:txBody>
+      </p:sp>
+      <p:sp>
+        <p:nvSpPr>
+          <p:cNvPr id="4" name="Slide Number Placeholder 3"/>
+          <p:cNvSpPr>
+            <a:spLocks noGrp="1"/>
+          </p:cNvSpPr>
+          <p:nvPr>
+            <p:ph type="sldNum" sz="quarter" idx="5"/>
+          </p:nvPr>
+        </p:nvSpPr>
+        <p:spPr/>
+        <p:txBody>
+          <a:bodyPr/>
+          <a:lstStyle/>
+          <a:p>
+            <a:fld id="{904FE6D4-D248-4264-95A8-233B5204A703}" type="slidenum">
+              <a:rPr lang="en-GB" smtClean="0"/>
+              <a:t>31</a:t>
+            </a:fld>
+            <a:endParaRPr lang="en-GB"/>
+          </a:p>
+        </p:txBody>
+      </p:sp>
+    </p:spTree>
+    <p:extLst>
+      <p:ext uri="{BB962C8B-B14F-4D97-AF65-F5344CB8AC3E}">
+        <p14:creationId xmlns:p14="http://schemas.microsoft.com/office/powerpoint/2010/main" val="1221064013"/>
+      </p:ext>
+    </p:extLst>
+  </p:cSld>
+  <p:clrMapOvr>
+    <a:masterClrMapping/>
+  </p:clrMapOvr>
+</p:notes>
+</file>
+
+<file path=ppt/notesSlides/notesSlide32.xml><?xml version="1.0" encoding="utf-8"?>
+<p:notes xmlns:a="http://schemas.openxmlformats.org/drawingml/2006/main" xmlns:r="http://schemas.openxmlformats.org/officeDocument/2006/relationships" xmlns:p="http://schemas.openxmlformats.org/presentationml/2006/main">
+  <p:cSld>
+    <p:spTree>
+      <p:nvGrpSpPr>
+        <p:cNvPr id="1" name=""/>
+        <p:cNvGrpSpPr/>
+        <p:nvPr/>
+      </p:nvGrpSpPr>
+      <p:grpSpPr>
+        <a:xfrm>
+          <a:off x="0" y="0"/>
+          <a:ext cx="0" cy="0"/>
+          <a:chOff x="0" y="0"/>
+          <a:chExt cx="0" cy="0"/>
+        </a:xfrm>
+      </p:grpSpPr>
+      <p:sp>
+        <p:nvSpPr>
+          <p:cNvPr id="2" name="Slide Image Placeholder 1"/>
+          <p:cNvSpPr>
+            <a:spLocks noGrp="1" noRot="1" noChangeAspect="1"/>
+          </p:cNvSpPr>
+          <p:nvPr>
+            <p:ph type="sldImg"/>
+          </p:nvPr>
+        </p:nvSpPr>
+        <p:spPr/>
+      </p:sp>
+      <p:sp>
+        <p:nvSpPr>
+          <p:cNvPr id="3" name="Notes Placeholder 2"/>
+          <p:cNvSpPr>
+            <a:spLocks noGrp="1"/>
+          </p:cNvSpPr>
+          <p:nvPr>
+            <p:ph type="body" idx="1"/>
+          </p:nvPr>
+        </p:nvSpPr>
+        <p:spPr/>
+        <p:txBody>
+          <a:bodyPr/>
+          <a:lstStyle/>
+          <a:p>
+            <a:endParaRPr lang="en-GB"/>
+          </a:p>
+        </p:txBody>
+      </p:sp>
+      <p:sp>
+        <p:nvSpPr>
+          <p:cNvPr id="4" name="Slide Number Placeholder 3"/>
+          <p:cNvSpPr>
+            <a:spLocks noGrp="1"/>
+          </p:cNvSpPr>
+          <p:nvPr>
+            <p:ph type="sldNum" sz="quarter" idx="5"/>
+          </p:nvPr>
+        </p:nvSpPr>
+        <p:spPr/>
+        <p:txBody>
+          <a:bodyPr/>
+          <a:lstStyle/>
+          <a:p>
+            <a:fld id="{904FE6D4-D248-4264-95A8-233B5204A703}" type="slidenum">
+              <a:rPr lang="en-GB" smtClean="0"/>
+              <a:t>32</a:t>
+            </a:fld>
+            <a:endParaRPr lang="en-GB"/>
+          </a:p>
+        </p:txBody>
+      </p:sp>
+    </p:spTree>
+    <p:extLst>
+      <p:ext uri="{BB962C8B-B14F-4D97-AF65-F5344CB8AC3E}">
+        <p14:creationId xmlns:p14="http://schemas.microsoft.com/office/powerpoint/2010/main" val="1873409605"/>
+      </p:ext>
+    </p:extLst>
+  </p:cSld>
+  <p:clrMapOvr>
+    <a:masterClrMapping/>
+  </p:clrMapOvr>
+</p:notes>
+</file>
+
+<file path=ppt/notesSlides/notesSlide33.xml><?xml version="1.0" encoding="utf-8"?>
+<p:notes xmlns:a="http://schemas.openxmlformats.org/drawingml/2006/main" xmlns:r="http://schemas.openxmlformats.org/officeDocument/2006/relationships" xmlns:p="http://schemas.openxmlformats.org/presentationml/2006/main">
+  <p:cSld>
+    <p:spTree>
+      <p:nvGrpSpPr>
+        <p:cNvPr id="1" name="">
+          <a:extLst>
+            <a:ext uri="{FF2B5EF4-FFF2-40B4-BE49-F238E27FC236}">
+              <a16:creationId xmlns:a16="http://schemas.microsoft.com/office/drawing/2014/main" id="{68EDFF23-34A9-1F26-ED14-3D966F1389EF}"/>
+            </a:ext>
+          </a:extLst>
+        </p:cNvPr>
+        <p:cNvGrpSpPr/>
+        <p:nvPr/>
+      </p:nvGrpSpPr>
+      <p:grpSpPr>
+        <a:xfrm>
+          <a:off x="0" y="0"/>
+          <a:ext cx="0" cy="0"/>
+          <a:chOff x="0" y="0"/>
+          <a:chExt cx="0" cy="0"/>
+        </a:xfrm>
+      </p:grpSpPr>
+      <p:sp>
+        <p:nvSpPr>
+          <p:cNvPr id="2" name="Slide Image Placeholder 1">
+            <a:extLst>
+              <a:ext uri="{FF2B5EF4-FFF2-40B4-BE49-F238E27FC236}">
+                <a16:creationId xmlns:a16="http://schemas.microsoft.com/office/drawing/2014/main" id="{05E2D35A-2D72-70AD-2E09-DFC324BAA34A}"/>
+              </a:ext>
+            </a:extLst>
+          </p:cNvPr>
+          <p:cNvSpPr>
+            <a:spLocks noGrp="1" noRot="1" noChangeAspect="1"/>
+          </p:cNvSpPr>
+          <p:nvPr>
+            <p:ph type="sldImg"/>
+          </p:nvPr>
+        </p:nvSpPr>
+        <p:spPr/>
+      </p:sp>
+      <p:sp>
+        <p:nvSpPr>
+          <p:cNvPr id="3" name="Notes Placeholder 2">
+            <a:extLst>
+              <a:ext uri="{FF2B5EF4-FFF2-40B4-BE49-F238E27FC236}">
+                <a16:creationId xmlns:a16="http://schemas.microsoft.com/office/drawing/2014/main" id="{79AF0891-6ABD-FEB2-7553-DFBBBD17C5BC}"/>
+              </a:ext>
+            </a:extLst>
+          </p:cNvPr>
+          <p:cNvSpPr>
+            <a:spLocks noGrp="1"/>
+          </p:cNvSpPr>
+          <p:nvPr>
+            <p:ph type="body" idx="1"/>
+          </p:nvPr>
+        </p:nvSpPr>
+        <p:spPr/>
+        <p:txBody>
+          <a:bodyPr/>
+          <a:lstStyle/>
+          <a:p>
+            <a:endParaRPr lang="en-GB"/>
+          </a:p>
+        </p:txBody>
+      </p:sp>
+      <p:sp>
+        <p:nvSpPr>
+          <p:cNvPr id="4" name="Slide Number Placeholder 3">
+            <a:extLst>
+              <a:ext uri="{FF2B5EF4-FFF2-40B4-BE49-F238E27FC236}">
+                <a16:creationId xmlns:a16="http://schemas.microsoft.com/office/drawing/2014/main" id="{6771B5DE-0C6B-8528-F3CF-5CD1488F8C5A}"/>
+              </a:ext>
+            </a:extLst>
+          </p:cNvPr>
+          <p:cNvSpPr>
+            <a:spLocks noGrp="1"/>
+          </p:cNvSpPr>
+          <p:nvPr>
+            <p:ph type="sldNum" sz="quarter" idx="5"/>
+          </p:nvPr>
+        </p:nvSpPr>
+        <p:spPr/>
+        <p:txBody>
+          <a:bodyPr/>
+          <a:lstStyle/>
+          <a:p>
+            <a:fld id="{904FE6D4-D248-4264-95A8-233B5204A703}" type="slidenum">
+              <a:rPr lang="en-GB" smtClean="0"/>
+              <a:t>33</a:t>
+            </a:fld>
+            <a:endParaRPr lang="en-GB"/>
+          </a:p>
+        </p:txBody>
+      </p:sp>
+    </p:spTree>
+    <p:extLst>
+      <p:ext uri="{BB962C8B-B14F-4D97-AF65-F5344CB8AC3E}">
+        <p14:creationId xmlns:p14="http://schemas.microsoft.com/office/powerpoint/2010/main" val="1550177674"/>
+      </p:ext>
+    </p:extLst>
+  </p:cSld>
+  <p:clrMapOvr>
+    <a:masterClrMapping/>
+  </p:clrMapOvr>
+</p:notes>
+</file>
+
+<file path=ppt/notesSlides/notesSlide34.xml><?xml version="1.0" encoding="utf-8"?>
+<p:notes xmlns:a="http://schemas.openxmlformats.org/drawingml/2006/main" xmlns:r="http://schemas.openxmlformats.org/officeDocument/2006/relationships" xmlns:p="http://schemas.openxmlformats.org/presentationml/2006/main">
+  <p:cSld>
+    <p:spTree>
+      <p:nvGrpSpPr>
+        <p:cNvPr id="1" name=""/>
+        <p:cNvGrpSpPr/>
+        <p:nvPr/>
+      </p:nvGrpSpPr>
+      <p:grpSpPr>
+        <a:xfrm>
+          <a:off x="0" y="0"/>
+          <a:ext cx="0" cy="0"/>
+          <a:chOff x="0" y="0"/>
+          <a:chExt cx="0" cy="0"/>
+        </a:xfrm>
+      </p:grpSpPr>
+      <p:sp>
+        <p:nvSpPr>
+          <p:cNvPr id="2" name="Slide Image Placeholder 1"/>
+          <p:cNvSpPr>
+            <a:spLocks noGrp="1" noRot="1" noChangeAspect="1"/>
+          </p:cNvSpPr>
+          <p:nvPr>
+            <p:ph type="sldImg"/>
+          </p:nvPr>
+        </p:nvSpPr>
+        <p:spPr/>
+      </p:sp>
+      <p:sp>
+        <p:nvSpPr>
+          <p:cNvPr id="3" name="Notes Placeholder 2"/>
+          <p:cNvSpPr>
+            <a:spLocks noGrp="1"/>
+          </p:cNvSpPr>
+          <p:nvPr>
+            <p:ph type="body" idx="1"/>
+          </p:nvPr>
+        </p:nvSpPr>
+        <p:spPr/>
+        <p:txBody>
+          <a:bodyPr/>
+          <a:lstStyle/>
+          <a:p>
+            <a:endParaRPr lang="en-GB"/>
+          </a:p>
+        </p:txBody>
+      </p:sp>
+      <p:sp>
+        <p:nvSpPr>
+          <p:cNvPr id="4" name="Slide Number Placeholder 3"/>
+          <p:cNvSpPr>
+            <a:spLocks noGrp="1"/>
+          </p:cNvSpPr>
+          <p:nvPr>
+            <p:ph type="sldNum" sz="quarter" idx="5"/>
+          </p:nvPr>
+        </p:nvSpPr>
+        <p:spPr/>
+        <p:txBody>
+          <a:bodyPr/>
+          <a:lstStyle/>
+          <a:p>
+            <a:fld id="{904FE6D4-D248-4264-95A8-233B5204A703}" type="slidenum">
+              <a:rPr lang="en-GB" smtClean="0"/>
+              <a:t>34</a:t>
+            </a:fld>
+            <a:endParaRPr lang="en-GB"/>
+          </a:p>
+        </p:txBody>
+      </p:sp>
+    </p:spTree>
+    <p:extLst>
+      <p:ext uri="{BB962C8B-B14F-4D97-AF65-F5344CB8AC3E}">
+        <p14:creationId xmlns:p14="http://schemas.microsoft.com/office/powerpoint/2010/main" val="2581299457"/>
+      </p:ext>
+    </p:extLst>
+  </p:cSld>
+  <p:clrMapOvr>
+    <a:masterClrMapping/>
+  </p:clrMapOvr>
+</p:notes>
+</file>
+
+<file path=ppt/notesSlides/notesSlide35.xml><?xml version="1.0" encoding="utf-8"?>
+<p:notes xmlns:a="http://schemas.openxmlformats.org/drawingml/2006/main" xmlns:r="http://schemas.openxmlformats.org/officeDocument/2006/relationships" xmlns:p="http://schemas.openxmlformats.org/presentationml/2006/main">
+  <p:cSld>
+    <p:spTree>
+      <p:nvGrpSpPr>
+        <p:cNvPr id="1" name=""/>
+        <p:cNvGrpSpPr/>
+        <p:nvPr/>
+      </p:nvGrpSpPr>
+      <p:grpSpPr>
+        <a:xfrm>
+          <a:off x="0" y="0"/>
+          <a:ext cx="0" cy="0"/>
+          <a:chOff x="0" y="0"/>
+          <a:chExt cx="0" cy="0"/>
+        </a:xfrm>
+      </p:grpSpPr>
+      <p:sp>
+        <p:nvSpPr>
+          <p:cNvPr id="2" name="Slide Image Placeholder 1"/>
+          <p:cNvSpPr>
+            <a:spLocks noGrp="1" noRot="1" noChangeAspect="1"/>
+          </p:cNvSpPr>
+          <p:nvPr>
+            <p:ph type="sldImg"/>
+          </p:nvPr>
+        </p:nvSpPr>
+        <p:spPr/>
+      </p:sp>
+      <p:sp>
+        <p:nvSpPr>
+          <p:cNvPr id="3" name="Notes Placeholder 2"/>
+          <p:cNvSpPr>
+            <a:spLocks noGrp="1"/>
+          </p:cNvSpPr>
+          <p:nvPr>
+            <p:ph type="body" idx="1"/>
+          </p:nvPr>
+        </p:nvSpPr>
+        <p:spPr/>
+        <p:txBody>
+          <a:bodyPr/>
+          <a:lstStyle/>
+          <a:p>
+            <a:endParaRPr lang="en-GB"/>
+          </a:p>
+        </p:txBody>
+      </p:sp>
+      <p:sp>
+        <p:nvSpPr>
+          <p:cNvPr id="4" name="Slide Number Placeholder 3"/>
+          <p:cNvSpPr>
+            <a:spLocks noGrp="1"/>
+          </p:cNvSpPr>
+          <p:nvPr>
+            <p:ph type="sldNum" sz="quarter" idx="5"/>
+          </p:nvPr>
+        </p:nvSpPr>
+        <p:spPr/>
+        <p:txBody>
+          <a:bodyPr/>
+          <a:lstStyle/>
+          <a:p>
+            <a:fld id="{904FE6D4-D248-4264-95A8-233B5204A703}" type="slidenum">
+              <a:rPr lang="en-GB" smtClean="0"/>
+              <a:t>35</a:t>
+            </a:fld>
+            <a:endParaRPr lang="en-GB"/>
+          </a:p>
+        </p:txBody>
+      </p:sp>
+    </p:spTree>
+    <p:extLst>
+      <p:ext uri="{BB962C8B-B14F-4D97-AF65-F5344CB8AC3E}">
+        <p14:creationId xmlns:p14="http://schemas.microsoft.com/office/powerpoint/2010/main" val="257034680"/>
+      </p:ext>
+    </p:extLst>
+  </p:cSld>
+  <p:clrMapOvr>
+    <a:masterClrMapping/>
+  </p:clrMapOvr>
+</p:notes>
+</file>
+
+<file path=ppt/notesSlides/notesSlide36.xml><?xml version="1.0" encoding="utf-8"?>
+<p:notes xmlns:a="http://schemas.openxmlformats.org/drawingml/2006/main" xmlns:r="http://schemas.openxmlformats.org/officeDocument/2006/relationships" xmlns:p="http://schemas.openxmlformats.org/presentationml/2006/main">
+  <p:cSld>
+    <p:spTree>
+      <p:nvGrpSpPr>
+        <p:cNvPr id="1" name=""/>
+        <p:cNvGrpSpPr/>
+        <p:nvPr/>
+      </p:nvGrpSpPr>
+      <p:grpSpPr>
+        <a:xfrm>
+          <a:off x="0" y="0"/>
+          <a:ext cx="0" cy="0"/>
+          <a:chOff x="0" y="0"/>
+          <a:chExt cx="0" cy="0"/>
+        </a:xfrm>
+      </p:grpSpPr>
+      <p:sp>
+        <p:nvSpPr>
+          <p:cNvPr id="2" name="Slide Image Placeholder 1"/>
+          <p:cNvSpPr>
+            <a:spLocks noGrp="1" noRot="1" noChangeAspect="1"/>
+          </p:cNvSpPr>
+          <p:nvPr>
+            <p:ph type="sldImg"/>
+          </p:nvPr>
+        </p:nvSpPr>
+        <p:spPr/>
+      </p:sp>
+      <p:sp>
+        <p:nvSpPr>
+          <p:cNvPr id="3" name="Notes Placeholder 2"/>
+          <p:cNvSpPr>
+            <a:spLocks noGrp="1"/>
+          </p:cNvSpPr>
+          <p:nvPr>
+            <p:ph type="body" idx="1"/>
+          </p:nvPr>
+        </p:nvSpPr>
+        <p:spPr/>
+        <p:txBody>
+          <a:bodyPr/>
+          <a:lstStyle/>
+          <a:p>
+            <a:endParaRPr lang="en-GB"/>
+          </a:p>
+        </p:txBody>
+      </p:sp>
+      <p:sp>
+        <p:nvSpPr>
+          <p:cNvPr id="4" name="Slide Number Placeholder 3"/>
+          <p:cNvSpPr>
+            <a:spLocks noGrp="1"/>
+          </p:cNvSpPr>
+          <p:nvPr>
+            <p:ph type="sldNum" sz="quarter" idx="5"/>
+          </p:nvPr>
+        </p:nvSpPr>
+        <p:spPr/>
+        <p:txBody>
+          <a:bodyPr/>
+          <a:lstStyle/>
+          <a:p>
+            <a:fld id="{904FE6D4-D248-4264-95A8-233B5204A703}" type="slidenum">
+              <a:rPr lang="en-GB" smtClean="0"/>
+              <a:t>36</a:t>
+            </a:fld>
+            <a:endParaRPr lang="en-GB"/>
+          </a:p>
+        </p:txBody>
+      </p:sp>
+    </p:spTree>
+    <p:extLst>
+      <p:ext uri="{BB962C8B-B14F-4D97-AF65-F5344CB8AC3E}">
+        <p14:creationId xmlns:p14="http://schemas.microsoft.com/office/powerpoint/2010/main" val="96163056"/>
+      </p:ext>
+    </p:extLst>
+  </p:cSld>
+  <p:clrMapOvr>
+    <a:masterClrMapping/>
+  </p:clrMapOvr>
+</p:notes>
+</file>
+
+<file path=ppt/notesSlides/notesSlide37.xml><?xml version="1.0" encoding="utf-8"?>
+<p:notes xmlns:a="http://schemas.openxmlformats.org/drawingml/2006/main" xmlns:r="http://schemas.openxmlformats.org/officeDocument/2006/relationships" xmlns:p="http://schemas.openxmlformats.org/presentationml/2006/main">
+  <p:cSld>
+    <p:spTree>
+      <p:nvGrpSpPr>
+        <p:cNvPr id="1" name="">
+          <a:extLst>
+            <a:ext uri="{FF2B5EF4-FFF2-40B4-BE49-F238E27FC236}">
+              <a16:creationId xmlns:a16="http://schemas.microsoft.com/office/drawing/2014/main" id="{C5D6B3DF-7FB2-8435-BA5C-0B0BA45CAB9C}"/>
+            </a:ext>
+          </a:extLst>
+        </p:cNvPr>
+        <p:cNvGrpSpPr/>
+        <p:nvPr/>
+      </p:nvGrpSpPr>
+      <p:grpSpPr>
+        <a:xfrm>
+          <a:off x="0" y="0"/>
+          <a:ext cx="0" cy="0"/>
+          <a:chOff x="0" y="0"/>
+          <a:chExt cx="0" cy="0"/>
+        </a:xfrm>
+      </p:grpSpPr>
+      <p:sp>
+        <p:nvSpPr>
+          <p:cNvPr id="2" name="Slide Image Placeholder 1">
+            <a:extLst>
+              <a:ext uri="{FF2B5EF4-FFF2-40B4-BE49-F238E27FC236}">
+                <a16:creationId xmlns:a16="http://schemas.microsoft.com/office/drawing/2014/main" id="{1F7BE2F6-AB87-FAC5-C8AD-95C659F7442D}"/>
+              </a:ext>
+            </a:extLst>
+          </p:cNvPr>
+          <p:cNvSpPr>
+            <a:spLocks noGrp="1" noRot="1" noChangeAspect="1"/>
+          </p:cNvSpPr>
+          <p:nvPr>
+            <p:ph type="sldImg"/>
+          </p:nvPr>
+        </p:nvSpPr>
+        <p:spPr/>
+      </p:sp>
+      <p:sp>
+        <p:nvSpPr>
+          <p:cNvPr id="3" name="Notes Placeholder 2">
+            <a:extLst>
+              <a:ext uri="{FF2B5EF4-FFF2-40B4-BE49-F238E27FC236}">
+                <a16:creationId xmlns:a16="http://schemas.microsoft.com/office/drawing/2014/main" id="{EC5D93F2-AE71-7054-03D1-037959997CC2}"/>
+              </a:ext>
+            </a:extLst>
+          </p:cNvPr>
+          <p:cNvSpPr>
+            <a:spLocks noGrp="1"/>
+          </p:cNvSpPr>
+          <p:nvPr>
+            <p:ph type="body" idx="1"/>
+          </p:nvPr>
+        </p:nvSpPr>
+        <p:spPr/>
+        <p:txBody>
+          <a:bodyPr/>
+          <a:lstStyle/>
+          <a:p>
+            <a:endParaRPr lang="en-GB"/>
+          </a:p>
+        </p:txBody>
+      </p:sp>
+      <p:sp>
+        <p:nvSpPr>
+          <p:cNvPr id="4" name="Slide Number Placeholder 3">
+            <a:extLst>
+              <a:ext uri="{FF2B5EF4-FFF2-40B4-BE49-F238E27FC236}">
+                <a16:creationId xmlns:a16="http://schemas.microsoft.com/office/drawing/2014/main" id="{1BE3E573-D7CE-E5DD-2B5B-1D8241945CE9}"/>
+              </a:ext>
+            </a:extLst>
+          </p:cNvPr>
+          <p:cNvSpPr>
+            <a:spLocks noGrp="1"/>
+          </p:cNvSpPr>
+          <p:nvPr>
+            <p:ph type="sldNum" sz="quarter" idx="5"/>
+          </p:nvPr>
+        </p:nvSpPr>
+        <p:spPr/>
+        <p:txBody>
+          <a:bodyPr/>
+          <a:lstStyle/>
+          <a:p>
+            <a:fld id="{904FE6D4-D248-4264-95A8-233B5204A703}" type="slidenum">
+              <a:rPr lang="en-GB" smtClean="0"/>
+              <a:t>37</a:t>
+            </a:fld>
+            <a:endParaRPr lang="en-GB"/>
+          </a:p>
+        </p:txBody>
+      </p:sp>
+    </p:spTree>
+    <p:extLst>
+      <p:ext uri="{BB962C8B-B14F-4D97-AF65-F5344CB8AC3E}">
+        <p14:creationId xmlns:p14="http://schemas.microsoft.com/office/powerpoint/2010/main" val="2411065088"/>
+      </p:ext>
+    </p:extLst>
+  </p:cSld>
+  <p:clrMapOvr>
+    <a:masterClrMapping/>
+  </p:clrMapOvr>
+</p:notes>
+</file>
+
+<file path=ppt/notesSlides/notesSlide38.xml><?xml version="1.0" encoding="utf-8"?>
+<p:notes xmlns:a="http://schemas.openxmlformats.org/drawingml/2006/main" xmlns:r="http://schemas.openxmlformats.org/officeDocument/2006/relationships" xmlns:p="http://schemas.openxmlformats.org/presentationml/2006/main">
+  <p:cSld>
+    <p:spTree>
+      <p:nvGrpSpPr>
+        <p:cNvPr id="1" name="">
+          <a:extLst>
+            <a:ext uri="{FF2B5EF4-FFF2-40B4-BE49-F238E27FC236}">
+              <a16:creationId xmlns:a16="http://schemas.microsoft.com/office/drawing/2014/main" id="{4E166DB6-66DF-BC10-9682-7C6191176A03}"/>
+            </a:ext>
+          </a:extLst>
+        </p:cNvPr>
+        <p:cNvGrpSpPr/>
+        <p:nvPr/>
+      </p:nvGrpSpPr>
+      <p:grpSpPr>
+        <a:xfrm>
+          <a:off x="0" y="0"/>
+          <a:ext cx="0" cy="0"/>
+          <a:chOff x="0" y="0"/>
+          <a:chExt cx="0" cy="0"/>
+        </a:xfrm>
+      </p:grpSpPr>
+      <p:sp>
+        <p:nvSpPr>
+          <p:cNvPr id="2" name="Slide Image Placeholder 1">
+            <a:extLst>
+              <a:ext uri="{FF2B5EF4-FFF2-40B4-BE49-F238E27FC236}">
+                <a16:creationId xmlns:a16="http://schemas.microsoft.com/office/drawing/2014/main" id="{152D8785-E6FA-7928-8112-472241CFCEEF}"/>
+              </a:ext>
+            </a:extLst>
+          </p:cNvPr>
+          <p:cNvSpPr>
+            <a:spLocks noGrp="1" noRot="1" noChangeAspect="1"/>
+          </p:cNvSpPr>
+          <p:nvPr>
+            <p:ph type="sldImg"/>
+          </p:nvPr>
+        </p:nvSpPr>
+        <p:spPr/>
+      </p:sp>
+      <p:sp>
+        <p:nvSpPr>
+          <p:cNvPr id="3" name="Notes Placeholder 2">
+            <a:extLst>
+              <a:ext uri="{FF2B5EF4-FFF2-40B4-BE49-F238E27FC236}">
+                <a16:creationId xmlns:a16="http://schemas.microsoft.com/office/drawing/2014/main" id="{AD377D61-0C2A-7D17-78C7-E8DE66955181}"/>
+              </a:ext>
+            </a:extLst>
+          </p:cNvPr>
+          <p:cNvSpPr>
+            <a:spLocks noGrp="1"/>
+          </p:cNvSpPr>
+          <p:nvPr>
+            <p:ph type="body" idx="1"/>
+          </p:nvPr>
+        </p:nvSpPr>
+        <p:spPr/>
+        <p:txBody>
+          <a:bodyPr/>
+          <a:lstStyle/>
+          <a:p>
+            <a:endParaRPr lang="en-GB"/>
+          </a:p>
+        </p:txBody>
+      </p:sp>
+      <p:sp>
+        <p:nvSpPr>
+          <p:cNvPr id="4" name="Slide Number Placeholder 3">
+            <a:extLst>
+              <a:ext uri="{FF2B5EF4-FFF2-40B4-BE49-F238E27FC236}">
+                <a16:creationId xmlns:a16="http://schemas.microsoft.com/office/drawing/2014/main" id="{0ABE3D22-B772-FDF6-65AA-990D257620AF}"/>
+              </a:ext>
+            </a:extLst>
+          </p:cNvPr>
+          <p:cNvSpPr>
+            <a:spLocks noGrp="1"/>
+          </p:cNvSpPr>
+          <p:nvPr>
+            <p:ph type="sldNum" sz="quarter" idx="5"/>
+          </p:nvPr>
+        </p:nvSpPr>
+        <p:spPr/>
+        <p:txBody>
+          <a:bodyPr/>
+          <a:lstStyle/>
+          <a:p>
+            <a:fld id="{904FE6D4-D248-4264-95A8-233B5204A703}" type="slidenum">
+              <a:rPr lang="en-GB" smtClean="0"/>
+              <a:t>38</a:t>
+            </a:fld>
+            <a:endParaRPr lang="en-GB"/>
+          </a:p>
+        </p:txBody>
+      </p:sp>
+    </p:spTree>
+    <p:extLst>
+      <p:ext uri="{BB962C8B-B14F-4D97-AF65-F5344CB8AC3E}">
+        <p14:creationId xmlns:p14="http://schemas.microsoft.com/office/powerpoint/2010/main" val="4122325723"/>
+      </p:ext>
+    </p:extLst>
+  </p:cSld>
+  <p:clrMapOvr>
+    <a:masterClrMapping/>
+  </p:clrMapOvr>
+</p:notes>
+</file>
+
+<file path=ppt/notesSlides/notesSlide39.xml><?xml version="1.0" encoding="utf-8"?>
+<p:notes xmlns:a="http://schemas.openxmlformats.org/drawingml/2006/main" xmlns:r="http://schemas.openxmlformats.org/officeDocument/2006/relationships" xmlns:p="http://schemas.openxmlformats.org/presentationml/2006/main">
+  <p:cSld>
+    <p:spTree>
+      <p:nvGrpSpPr>
+        <p:cNvPr id="1" name="">
+          <a:extLst>
+            <a:ext uri="{FF2B5EF4-FFF2-40B4-BE49-F238E27FC236}">
+              <a16:creationId xmlns:a16="http://schemas.microsoft.com/office/drawing/2014/main" id="{3F77053C-3235-C2DB-F6EA-80EA10FE52D9}"/>
+            </a:ext>
+          </a:extLst>
+        </p:cNvPr>
+        <p:cNvGrpSpPr/>
+        <p:nvPr/>
+      </p:nvGrpSpPr>
+      <p:grpSpPr>
+        <a:xfrm>
+          <a:off x="0" y="0"/>
+          <a:ext cx="0" cy="0"/>
+          <a:chOff x="0" y="0"/>
+          <a:chExt cx="0" cy="0"/>
+        </a:xfrm>
+      </p:grpSpPr>
+      <p:sp>
+        <p:nvSpPr>
+          <p:cNvPr id="2" name="Slide Image Placeholder 1">
+            <a:extLst>
+              <a:ext uri="{FF2B5EF4-FFF2-40B4-BE49-F238E27FC236}">
+                <a16:creationId xmlns:a16="http://schemas.microsoft.com/office/drawing/2014/main" id="{4108C404-D950-9E9F-4128-81A633B4F1A2}"/>
+              </a:ext>
+            </a:extLst>
+          </p:cNvPr>
+          <p:cNvSpPr>
+            <a:spLocks noGrp="1" noRot="1" noChangeAspect="1"/>
+          </p:cNvSpPr>
+          <p:nvPr>
+            <p:ph type="sldImg"/>
+          </p:nvPr>
+        </p:nvSpPr>
+        <p:spPr/>
+      </p:sp>
+      <p:sp>
+        <p:nvSpPr>
+          <p:cNvPr id="3" name="Notes Placeholder 2">
+            <a:extLst>
+              <a:ext uri="{FF2B5EF4-FFF2-40B4-BE49-F238E27FC236}">
+                <a16:creationId xmlns:a16="http://schemas.microsoft.com/office/drawing/2014/main" id="{83C6B894-B80F-A2C3-D325-DA9F8BD40574}"/>
+              </a:ext>
+            </a:extLst>
+          </p:cNvPr>
+          <p:cNvSpPr>
+            <a:spLocks noGrp="1"/>
+          </p:cNvSpPr>
+          <p:nvPr>
+            <p:ph type="body" idx="1"/>
+          </p:nvPr>
+        </p:nvSpPr>
+        <p:spPr/>
+        <p:txBody>
+          <a:bodyPr/>
+          <a:lstStyle/>
+          <a:p>
+            <a:endParaRPr lang="en-GB"/>
+          </a:p>
+        </p:txBody>
+      </p:sp>
+      <p:sp>
+        <p:nvSpPr>
+          <p:cNvPr id="4" name="Slide Number Placeholder 3">
+            <a:extLst>
+              <a:ext uri="{FF2B5EF4-FFF2-40B4-BE49-F238E27FC236}">
+                <a16:creationId xmlns:a16="http://schemas.microsoft.com/office/drawing/2014/main" id="{DFDC590A-BA9F-CAF7-5A81-690C475EA6CB}"/>
+              </a:ext>
+            </a:extLst>
+          </p:cNvPr>
+          <p:cNvSpPr>
+            <a:spLocks noGrp="1"/>
+          </p:cNvSpPr>
+          <p:nvPr>
+            <p:ph type="sldNum" sz="quarter" idx="5"/>
+          </p:nvPr>
+        </p:nvSpPr>
+        <p:spPr/>
+        <p:txBody>
+          <a:bodyPr/>
+          <a:lstStyle/>
+          <a:p>
+            <a:fld id="{904FE6D4-D248-4264-95A8-233B5204A703}" type="slidenum">
+              <a:rPr lang="en-GB" smtClean="0"/>
+              <a:t>39</a:t>
+            </a:fld>
+            <a:endParaRPr lang="en-GB"/>
+          </a:p>
+        </p:txBody>
+      </p:sp>
+    </p:spTree>
+    <p:extLst>
+      <p:ext uri="{BB962C8B-B14F-4D97-AF65-F5344CB8AC3E}">
+        <p14:creationId xmlns:p14="http://schemas.microsoft.com/office/powerpoint/2010/main" val="3125915599"/>
+      </p:ext>
+    </p:extLst>
+  </p:cSld>
+  <p:clrMapOvr>
+    <a:masterClrMapping/>
+  </p:clrMapOvr>
+</p:notes>
+</file>
+
 <file path=ppt/notesSlides/notesSlide4.xml><?xml version="1.0" encoding="utf-8"?>
 <p:notes xmlns:a="http://schemas.openxmlformats.org/drawingml/2006/main" xmlns:r="http://schemas.openxmlformats.org/officeDocument/2006/relationships" xmlns:p="http://schemas.openxmlformats.org/presentationml/2006/main">
   <p:cSld>
@@ -2335,6 +3574,198 @@
     <p:extLst>
       <p:ext uri="{BB962C8B-B14F-4D97-AF65-F5344CB8AC3E}">
         <p14:creationId xmlns:p14="http://schemas.microsoft.com/office/powerpoint/2010/main" val="4188961534"/>
+      </p:ext>
+    </p:extLst>
+  </p:cSld>
+  <p:clrMapOvr>
+    <a:masterClrMapping/>
+  </p:clrMapOvr>
+</p:notes>
+</file>
+
+<file path=ppt/notesSlides/notesSlide40.xml><?xml version="1.0" encoding="utf-8"?>
+<p:notes xmlns:a="http://schemas.openxmlformats.org/drawingml/2006/main" xmlns:r="http://schemas.openxmlformats.org/officeDocument/2006/relationships" xmlns:p="http://schemas.openxmlformats.org/presentationml/2006/main">
+  <p:cSld>
+    <p:spTree>
+      <p:nvGrpSpPr>
+        <p:cNvPr id="1" name=""/>
+        <p:cNvGrpSpPr/>
+        <p:nvPr/>
+      </p:nvGrpSpPr>
+      <p:grpSpPr>
+        <a:xfrm>
+          <a:off x="0" y="0"/>
+          <a:ext cx="0" cy="0"/>
+          <a:chOff x="0" y="0"/>
+          <a:chExt cx="0" cy="0"/>
+        </a:xfrm>
+      </p:grpSpPr>
+      <p:sp>
+        <p:nvSpPr>
+          <p:cNvPr id="2" name="Slide Image Placeholder 1"/>
+          <p:cNvSpPr>
+            <a:spLocks noGrp="1" noRot="1" noChangeAspect="1"/>
+          </p:cNvSpPr>
+          <p:nvPr>
+            <p:ph type="sldImg"/>
+          </p:nvPr>
+        </p:nvSpPr>
+        <p:spPr/>
+      </p:sp>
+      <p:sp>
+        <p:nvSpPr>
+          <p:cNvPr id="3" name="Notes Placeholder 2"/>
+          <p:cNvSpPr>
+            <a:spLocks noGrp="1"/>
+          </p:cNvSpPr>
+          <p:nvPr>
+            <p:ph type="body" idx="1"/>
+          </p:nvPr>
+        </p:nvSpPr>
+        <p:spPr/>
+        <p:txBody>
+          <a:bodyPr/>
+          <a:lstStyle/>
+          <a:p>
+            <a:endParaRPr lang="en-GB"/>
+          </a:p>
+        </p:txBody>
+      </p:sp>
+      <p:sp>
+        <p:nvSpPr>
+          <p:cNvPr id="4" name="Slide Number Placeholder 3"/>
+          <p:cNvSpPr>
+            <a:spLocks noGrp="1"/>
+          </p:cNvSpPr>
+          <p:nvPr>
+            <p:ph type="sldNum" sz="quarter" idx="5"/>
+          </p:nvPr>
+        </p:nvSpPr>
+        <p:spPr/>
+        <p:txBody>
+          <a:bodyPr/>
+          <a:lstStyle/>
+          <a:p>
+            <a:fld id="{904FE6D4-D248-4264-95A8-233B5204A703}" type="slidenum">
+              <a:rPr lang="en-GB" smtClean="0"/>
+              <a:t>40</a:t>
+            </a:fld>
+            <a:endParaRPr lang="en-GB"/>
+          </a:p>
+        </p:txBody>
+      </p:sp>
+    </p:spTree>
+    <p:extLst>
+      <p:ext uri="{BB962C8B-B14F-4D97-AF65-F5344CB8AC3E}">
+        <p14:creationId xmlns:p14="http://schemas.microsoft.com/office/powerpoint/2010/main" val="3688659410"/>
+      </p:ext>
+    </p:extLst>
+  </p:cSld>
+  <p:clrMapOvr>
+    <a:masterClrMapping/>
+  </p:clrMapOvr>
+</p:notes>
+</file>
+
+<file path=ppt/notesSlides/notesSlide41.xml><?xml version="1.0" encoding="utf-8"?>
+<p:notes xmlns:a="http://schemas.openxmlformats.org/drawingml/2006/main" xmlns:r="http://schemas.openxmlformats.org/officeDocument/2006/relationships" xmlns:p="http://schemas.openxmlformats.org/presentationml/2006/main">
+  <p:cSld>
+    <p:spTree>
+      <p:nvGrpSpPr>
+        <p:cNvPr id="1" name="">
+          <a:extLst>
+            <a:ext uri="{FF2B5EF4-FFF2-40B4-BE49-F238E27FC236}">
+              <a16:creationId xmlns:a16="http://schemas.microsoft.com/office/drawing/2014/main" id="{4794417B-6703-E94C-DA5A-22FABFF5BDF6}"/>
+            </a:ext>
+          </a:extLst>
+        </p:cNvPr>
+        <p:cNvGrpSpPr/>
+        <p:nvPr/>
+      </p:nvGrpSpPr>
+      <p:grpSpPr>
+        <a:xfrm>
+          <a:off x="0" y="0"/>
+          <a:ext cx="0" cy="0"/>
+          <a:chOff x="0" y="0"/>
+          <a:chExt cx="0" cy="0"/>
+        </a:xfrm>
+      </p:grpSpPr>
+      <p:sp>
+        <p:nvSpPr>
+          <p:cNvPr id="2" name="Slide Image Placeholder 1">
+            <a:extLst>
+              <a:ext uri="{FF2B5EF4-FFF2-40B4-BE49-F238E27FC236}">
+                <a16:creationId xmlns:a16="http://schemas.microsoft.com/office/drawing/2014/main" id="{3F92A6BC-F81C-D994-29C0-E36F05AC8D8B}"/>
+              </a:ext>
+            </a:extLst>
+          </p:cNvPr>
+          <p:cNvSpPr>
+            <a:spLocks noGrp="1" noRot="1" noChangeAspect="1"/>
+          </p:cNvSpPr>
+          <p:nvPr>
+            <p:ph type="sldImg"/>
+          </p:nvPr>
+        </p:nvSpPr>
+        <p:spPr/>
+      </p:sp>
+      <p:sp>
+        <p:nvSpPr>
+          <p:cNvPr id="3" name="Notes Placeholder 2">
+            <a:extLst>
+              <a:ext uri="{FF2B5EF4-FFF2-40B4-BE49-F238E27FC236}">
+                <a16:creationId xmlns:a16="http://schemas.microsoft.com/office/drawing/2014/main" id="{3339870A-1478-5312-1FE6-E0C592F1C7B1}"/>
+              </a:ext>
+            </a:extLst>
+          </p:cNvPr>
+          <p:cNvSpPr>
+            <a:spLocks noGrp="1"/>
+          </p:cNvSpPr>
+          <p:nvPr>
+            <p:ph type="body" idx="1"/>
+          </p:nvPr>
+        </p:nvSpPr>
+        <p:spPr/>
+        <p:txBody>
+          <a:bodyPr/>
+          <a:lstStyle/>
+          <a:p>
+            <a:endParaRPr lang="en-GB"/>
+          </a:p>
+        </p:txBody>
+      </p:sp>
+      <p:sp>
+        <p:nvSpPr>
+          <p:cNvPr id="4" name="Slide Number Placeholder 3">
+            <a:extLst>
+              <a:ext uri="{FF2B5EF4-FFF2-40B4-BE49-F238E27FC236}">
+                <a16:creationId xmlns:a16="http://schemas.microsoft.com/office/drawing/2014/main" id="{D9D07B02-C374-FC59-7BF2-6D181A75794F}"/>
+              </a:ext>
+            </a:extLst>
+          </p:cNvPr>
+          <p:cNvSpPr>
+            <a:spLocks noGrp="1"/>
+          </p:cNvSpPr>
+          <p:nvPr>
+            <p:ph type="sldNum" sz="quarter" idx="5"/>
+          </p:nvPr>
+        </p:nvSpPr>
+        <p:spPr/>
+        <p:txBody>
+          <a:bodyPr/>
+          <a:lstStyle/>
+          <a:p>
+            <a:fld id="{904FE6D4-D248-4264-95A8-233B5204A703}" type="slidenum">
+              <a:rPr lang="en-GB" smtClean="0"/>
+              <a:t>44</a:t>
+            </a:fld>
+            <a:endParaRPr lang="en-GB"/>
+          </a:p>
+        </p:txBody>
+      </p:sp>
+    </p:spTree>
+    <p:extLst>
+      <p:ext uri="{BB962C8B-B14F-4D97-AF65-F5344CB8AC3E}">
+        <p14:creationId xmlns:p14="http://schemas.microsoft.com/office/powerpoint/2010/main" val="4226654080"/>
       </p:ext>
     </p:extLst>
   </p:cSld>
@@ -2930,7 +4361,7 @@
             <a:fld id="{915677AB-648C-46A2-803A-DB6966629A5A}" type="datetimeFigureOut">
               <a:rPr lang="en-GB" smtClean="0"/>
               <a:pPr/>
-              <a:t>30/01/2024</a:t>
+              <a:t>06/02/2024</a:t>
             </a:fld>
             <a:endParaRPr lang="en-GB" dirty="0"/>
           </a:p>
@@ -3147,7 +4578,7 @@
           <a:p>
             <a:fld id="{915677AB-648C-46A2-803A-DB6966629A5A}" type="datetimeFigureOut">
               <a:rPr lang="en-GB" smtClean="0"/>
-              <a:t>30/01/2024</a:t>
+              <a:t>06/02/2024</a:t>
             </a:fld>
             <a:endParaRPr lang="en-GB"/>
           </a:p>
@@ -3357,7 +4788,7 @@
           <a:p>
             <a:fld id="{915677AB-648C-46A2-803A-DB6966629A5A}" type="datetimeFigureOut">
               <a:rPr lang="en-GB" smtClean="0"/>
-              <a:t>30/01/2024</a:t>
+              <a:t>06/02/2024</a:t>
             </a:fld>
             <a:endParaRPr lang="en-GB"/>
           </a:p>
@@ -3498,43 +4929,43 @@
         </p:nvSpPr>
         <p:spPr/>
         <p:txBody>
-          <a:bodyPr/>
+          <a:bodyPr anchor="ctr"/>
           <a:lstStyle/>
           <a:p>
             <a:pPr lvl="0"/>
             <a:r>
-              <a:rPr lang="en-US"/>
+              <a:rPr lang="en-US" dirty="0"/>
               <a:t>Click to edit Master text styles</a:t>
             </a:r>
           </a:p>
           <a:p>
             <a:pPr lvl="1"/>
             <a:r>
-              <a:rPr lang="en-US"/>
+              <a:rPr lang="en-US" dirty="0"/>
               <a:t>Second level</a:t>
             </a:r>
           </a:p>
           <a:p>
             <a:pPr lvl="2"/>
             <a:r>
-              <a:rPr lang="en-US"/>
+              <a:rPr lang="en-US" dirty="0"/>
               <a:t>Third level</a:t>
             </a:r>
           </a:p>
           <a:p>
             <a:pPr lvl="3"/>
             <a:r>
-              <a:rPr lang="en-US"/>
+              <a:rPr lang="en-US" dirty="0"/>
               <a:t>Fourth level</a:t>
             </a:r>
           </a:p>
           <a:p>
             <a:pPr lvl="4"/>
             <a:r>
-              <a:rPr lang="en-US"/>
+              <a:rPr lang="en-US" dirty="0"/>
               <a:t>Fifth level</a:t>
             </a:r>
-            <a:endParaRPr lang="en-GB"/>
+            <a:endParaRPr lang="en-GB" dirty="0"/>
           </a:p>
         </p:txBody>
       </p:sp>
@@ -3561,7 +4992,7 @@
           <a:p>
             <a:fld id="{915677AB-648C-46A2-803A-DB6966629A5A}" type="datetimeFigureOut">
               <a:rPr lang="en-GB" smtClean="0"/>
-              <a:t>30/01/2024</a:t>
+              <a:t>06/02/2024</a:t>
             </a:fld>
             <a:endParaRPr lang="en-GB"/>
           </a:p>
@@ -3837,7 +5268,7 @@
           <a:p>
             <a:fld id="{915677AB-648C-46A2-803A-DB6966629A5A}" type="datetimeFigureOut">
               <a:rPr lang="en-GB" smtClean="0"/>
-              <a:t>30/01/2024</a:t>
+              <a:t>06/02/2024</a:t>
             </a:fld>
             <a:endParaRPr lang="en-GB"/>
           </a:p>
@@ -4105,7 +5536,7 @@
           <a:p>
             <a:fld id="{915677AB-648C-46A2-803A-DB6966629A5A}" type="datetimeFigureOut">
               <a:rPr lang="en-GB" smtClean="0"/>
-              <a:t>30/01/2024</a:t>
+              <a:t>06/02/2024</a:t>
             </a:fld>
             <a:endParaRPr lang="en-GB"/>
           </a:p>
@@ -4520,7 +5951,7 @@
           <a:p>
             <a:fld id="{915677AB-648C-46A2-803A-DB6966629A5A}" type="datetimeFigureOut">
               <a:rPr lang="en-GB" smtClean="0"/>
-              <a:t>30/01/2024</a:t>
+              <a:t>06/02/2024</a:t>
             </a:fld>
             <a:endParaRPr lang="en-GB"/>
           </a:p>
@@ -4662,7 +6093,7 @@
           <a:p>
             <a:fld id="{915677AB-648C-46A2-803A-DB6966629A5A}" type="datetimeFigureOut">
               <a:rPr lang="en-GB" smtClean="0"/>
-              <a:t>30/01/2024</a:t>
+              <a:t>06/02/2024</a:t>
             </a:fld>
             <a:endParaRPr lang="en-GB"/>
           </a:p>
@@ -4775,7 +6206,7 @@
           <a:p>
             <a:fld id="{915677AB-648C-46A2-803A-DB6966629A5A}" type="datetimeFigureOut">
               <a:rPr lang="en-GB" smtClean="0"/>
-              <a:t>30/01/2024</a:t>
+              <a:t>06/02/2024</a:t>
             </a:fld>
             <a:endParaRPr lang="en-GB"/>
           </a:p>
@@ -5088,7 +6519,7 @@
           <a:p>
             <a:fld id="{915677AB-648C-46A2-803A-DB6966629A5A}" type="datetimeFigureOut">
               <a:rPr lang="en-GB" smtClean="0"/>
-              <a:t>30/01/2024</a:t>
+              <a:t>06/02/2024</a:t>
             </a:fld>
             <a:endParaRPr lang="en-GB"/>
           </a:p>
@@ -5377,7 +6808,7 @@
           <a:p>
             <a:fld id="{915677AB-648C-46A2-803A-DB6966629A5A}" type="datetimeFigureOut">
               <a:rPr lang="en-GB" smtClean="0"/>
-              <a:t>30/01/2024</a:t>
+              <a:t>06/02/2024</a:t>
             </a:fld>
             <a:endParaRPr lang="en-GB"/>
           </a:p>
@@ -5537,7 +6968,7 @@
           </a:prstGeom>
         </p:spPr>
         <p:txBody>
-          <a:bodyPr vert="horz" lIns="91440" tIns="45720" rIns="91440" bIns="45720" rtlCol="0">
+          <a:bodyPr vert="horz" lIns="91440" tIns="45720" rIns="91440" bIns="45720" rtlCol="0" anchor="ctr">
             <a:normAutofit/>
           </a:bodyPr>
           <a:lstStyle/>
@@ -5620,7 +7051,7 @@
           <a:p>
             <a:fld id="{915677AB-648C-46A2-803A-DB6966629A5A}" type="datetimeFigureOut">
               <a:rPr lang="en-GB" smtClean="0"/>
-              <a:t>30/01/2024</a:t>
+              <a:t>06/02/2024</a:t>
             </a:fld>
             <a:endParaRPr lang="en-GB" dirty="0"/>
           </a:p>
@@ -6161,7 +7592,70 @@
           <a:bodyPr/>
           <a:lstStyle/>
           <a:p>
-            <a:endParaRPr lang="en-GB"/>
+            <a:r>
+              <a:rPr lang="en-IN" dirty="0"/>
+              <a:t>A limited form of computation</a:t>
+            </a:r>
+          </a:p>
+          <a:p>
+            <a:r>
+              <a:rPr lang="en-IN" dirty="0"/>
+              <a:t>Models computation that takes </a:t>
+            </a:r>
+            <a:r>
+              <a:rPr lang="en-IN" i="1" dirty="0"/>
+              <a:t>constant</a:t>
+            </a:r>
+            <a:r>
+              <a:rPr lang="en-IN" dirty="0"/>
+              <a:t> memory</a:t>
+            </a:r>
+          </a:p>
+          <a:p>
+            <a:r>
+              <a:rPr lang="en-IN" dirty="0"/>
+              <a:t>States</a:t>
+            </a:r>
+          </a:p>
+          <a:p>
+            <a:pPr lvl="1"/>
+            <a:r>
+              <a:rPr lang="en-IN" dirty="0"/>
+              <a:t>Initial state</a:t>
+            </a:r>
+          </a:p>
+          <a:p>
+            <a:pPr lvl="1"/>
+            <a:r>
+              <a:rPr lang="en-IN" dirty="0"/>
+              <a:t>Final state(s)</a:t>
+            </a:r>
+          </a:p>
+          <a:p>
+            <a:r>
+              <a:rPr lang="en-IN" dirty="0"/>
+              <a:t>Alphabet</a:t>
+            </a:r>
+          </a:p>
+          <a:p>
+            <a:r>
+              <a:rPr lang="en-IN" dirty="0"/>
+              <a:t>Transitions</a:t>
+            </a:r>
+          </a:p>
+          <a:p>
+            <a:r>
+              <a:rPr lang="en-IN" dirty="0"/>
+              <a:t>What does it mean for a </a:t>
+            </a:r>
+            <a:r>
+              <a:rPr lang="en-IN" i="1" dirty="0"/>
+              <a:t>finite automaton</a:t>
+            </a:r>
+            <a:r>
+              <a:rPr lang="en-IN" dirty="0"/>
+              <a:t> to compute?</a:t>
+            </a:r>
           </a:p>
         </p:txBody>
       </p:sp>
@@ -6218,37 +7712,83 @@
           <a:p>
             <a:r>
               <a:rPr lang="en-IN" dirty="0"/>
-              <a:t>Example: Even Number</a:t>
+              <a:t>Intuitive Definition</a:t>
             </a:r>
             <a:endParaRPr lang="en-GB" dirty="0"/>
           </a:p>
         </p:txBody>
       </p:sp>
-      <p:sp>
-        <p:nvSpPr>
-          <p:cNvPr id="3" name="Content Placeholder 2">
-            <a:extLst>
-              <a:ext uri="{FF2B5EF4-FFF2-40B4-BE49-F238E27FC236}">
-                <a16:creationId xmlns:a16="http://schemas.microsoft.com/office/drawing/2014/main" id="{CB36E37A-BB9F-1DF5-1143-297DB37E58E5}"/>
-              </a:ext>
-            </a:extLst>
-          </p:cNvPr>
-          <p:cNvSpPr>
-            <a:spLocks noGrp="1"/>
-          </p:cNvSpPr>
+      <p:pic>
+        <p:nvPicPr>
+          <p:cNvPr id="17" name="Content Placeholder 16" descr="A diagram of a change&#10;&#10;Description automatically generated">
+            <a:extLst>
+              <a:ext uri="{FF2B5EF4-FFF2-40B4-BE49-F238E27FC236}">
+                <a16:creationId xmlns:a16="http://schemas.microsoft.com/office/drawing/2014/main" id="{2AC8B5FB-2BF2-551C-0245-C4A72BEBE0D2}"/>
+              </a:ext>
+            </a:extLst>
+          </p:cNvPr>
+          <p:cNvPicPr>
+            <a:picLocks noGrp="1" noChangeAspect="1"/>
+          </p:cNvPicPr>
           <p:nvPr>
             <p:ph idx="1"/>
           </p:nvPr>
-        </p:nvSpPr>
-        <p:spPr/>
-        <p:txBody>
-          <a:bodyPr/>
-          <a:lstStyle/>
-          <a:p>
-            <a:endParaRPr lang="en-GB"/>
-          </a:p>
-        </p:txBody>
-      </p:sp>
+        </p:nvPicPr>
+        <p:blipFill>
+          <a:blip r:embed="rId3">
+            <a:extLst>
+              <a:ext uri="{28A0092B-C50C-407E-A947-70E740481C1C}">
+                <a14:useLocalDpi xmlns:a14="http://schemas.microsoft.com/office/drawing/2010/main" val="0"/>
+              </a:ext>
+            </a:extLst>
+          </a:blip>
+          <a:stretch>
+            <a:fillRect/>
+          </a:stretch>
+        </p:blipFill>
+        <p:spPr>
+          <a:xfrm>
+            <a:off x="294216" y="1825625"/>
+            <a:ext cx="5801784" cy="4351338"/>
+          </a:xfrm>
+        </p:spPr>
+      </p:pic>
+      <p:pic>
+        <p:nvPicPr>
+          <p:cNvPr id="19" name="Picture 18" descr="A red and silver gumball machine&#10;&#10;Description automatically generated">
+            <a:extLst>
+              <a:ext uri="{FF2B5EF4-FFF2-40B4-BE49-F238E27FC236}">
+                <a16:creationId xmlns:a16="http://schemas.microsoft.com/office/drawing/2014/main" id="{36AB38D0-BAFC-4F7C-3898-C4ABC356800A}"/>
+              </a:ext>
+            </a:extLst>
+          </p:cNvPr>
+          <p:cNvPicPr>
+            <a:picLocks noChangeAspect="1"/>
+          </p:cNvPicPr>
+          <p:nvPr/>
+        </p:nvPicPr>
+        <p:blipFill>
+          <a:blip r:embed="rId4">
+            <a:extLst>
+              <a:ext uri="{28A0092B-C50C-407E-A947-70E740481C1C}">
+                <a14:useLocalDpi xmlns:a14="http://schemas.microsoft.com/office/drawing/2010/main" val="0"/>
+              </a:ext>
+            </a:extLst>
+          </a:blip>
+          <a:stretch>
+            <a:fillRect/>
+          </a:stretch>
+        </p:blipFill>
+        <p:spPr>
+          <a:xfrm>
+            <a:off x="7033684" y="1569244"/>
+            <a:ext cx="4864100" cy="4864100"/>
+          </a:xfrm>
+          <a:prstGeom prst="rect">
+            <a:avLst/>
+          </a:prstGeom>
+        </p:spPr>
+      </p:pic>
     </p:spTree>
     <p:extLst>
       <p:ext uri="{BB962C8B-B14F-4D97-AF65-F5344CB8AC3E}">
@@ -6302,41 +7842,915 @@
           <a:p>
             <a:r>
               <a:rPr lang="en-IN" dirty="0"/>
-              <a:t>Regular Languages</a:t>
+              <a:t>Formal Definition</a:t>
             </a:r>
             <a:endParaRPr lang="en-GB" dirty="0"/>
           </a:p>
         </p:txBody>
       </p:sp>
-      <p:sp>
-        <p:nvSpPr>
-          <p:cNvPr id="3" name="Content Placeholder 2">
-            <a:extLst>
-              <a:ext uri="{FF2B5EF4-FFF2-40B4-BE49-F238E27FC236}">
-                <a16:creationId xmlns:a16="http://schemas.microsoft.com/office/drawing/2014/main" id="{CB36E37A-BB9F-1DF5-1143-297DB37E58E5}"/>
-              </a:ext>
-            </a:extLst>
-          </p:cNvPr>
-          <p:cNvSpPr>
-            <a:spLocks noGrp="1"/>
-          </p:cNvSpPr>
-          <p:nvPr>
-            <p:ph idx="1"/>
-          </p:nvPr>
-        </p:nvSpPr>
-        <p:spPr/>
-        <p:txBody>
-          <a:bodyPr/>
-          <a:lstStyle/>
-          <a:p>
-            <a:endParaRPr lang="en-GB"/>
-          </a:p>
-        </p:txBody>
-      </p:sp>
+      <mc:AlternateContent xmlns:mc="http://schemas.openxmlformats.org/markup-compatibility/2006" xmlns:a14="http://schemas.microsoft.com/office/drawing/2010/main">
+        <mc:Choice Requires="a14">
+          <p:sp>
+            <p:nvSpPr>
+              <p:cNvPr id="3" name="Content Placeholder 2">
+                <a:extLst>
+                  <a:ext uri="{FF2B5EF4-FFF2-40B4-BE49-F238E27FC236}">
+                    <a16:creationId xmlns:a16="http://schemas.microsoft.com/office/drawing/2014/main" id="{CB36E37A-BB9F-1DF5-1143-297DB37E58E5}"/>
+                  </a:ext>
+                </a:extLst>
+              </p:cNvPr>
+              <p:cNvSpPr>
+                <a:spLocks noGrp="1"/>
+              </p:cNvSpPr>
+              <p:nvPr>
+                <p:ph idx="1"/>
+              </p:nvPr>
+            </p:nvSpPr>
+            <p:spPr>
+              <a:xfrm>
+                <a:off x="838200" y="1602658"/>
+                <a:ext cx="10515600" cy="4817807"/>
+              </a:xfrm>
+            </p:spPr>
+            <p:txBody>
+              <a:bodyPr>
+                <a:normAutofit fontScale="92500"/>
+              </a:bodyPr>
+              <a:lstStyle/>
+              <a:p>
+                <a14:m>
+                  <m:oMath xmlns:m="http://schemas.openxmlformats.org/officeDocument/2006/math">
+                    <m:r>
+                      <a:rPr lang="en-IN" b="0" i="1" smtClean="0">
+                        <a:latin typeface="Cambria Math" panose="02040503050406030204" pitchFamily="18" charset="0"/>
+                      </a:rPr>
+                      <m:t>𝑀</m:t>
+                    </m:r>
+                  </m:oMath>
+                </a14:m>
+                <a:r>
+                  <a:rPr lang="en-IN" dirty="0"/>
+                  <a:t>=</a:t>
+                </a:r>
+                <a14:m>
+                  <m:oMath xmlns:m="http://schemas.openxmlformats.org/officeDocument/2006/math">
+                    <m:r>
+                      <a:rPr lang="en-IN" b="0" i="1" dirty="0" smtClean="0">
+                        <a:latin typeface="Cambria Math" panose="02040503050406030204" pitchFamily="18" charset="0"/>
+                      </a:rPr>
+                      <m:t>(</m:t>
+                    </m:r>
+                    <m:r>
+                      <m:rPr>
+                        <m:sty m:val="p"/>
+                      </m:rPr>
+                      <a:rPr lang="en-IN" b="0" i="0" dirty="0" smtClean="0">
+                        <a:latin typeface="Cambria Math" panose="02040503050406030204" pitchFamily="18" charset="0"/>
+                      </a:rPr>
+                      <m:t>Σ</m:t>
+                    </m:r>
+                    <m:r>
+                      <a:rPr lang="en-IN" b="0" i="1" dirty="0" smtClean="0">
+                        <a:latin typeface="Cambria Math" panose="02040503050406030204" pitchFamily="18" charset="0"/>
+                      </a:rPr>
+                      <m:t>, </m:t>
+                    </m:r>
+                    <m:r>
+                      <a:rPr lang="en-IN" b="0" i="1" dirty="0" smtClean="0">
+                        <a:latin typeface="Cambria Math" panose="02040503050406030204" pitchFamily="18" charset="0"/>
+                      </a:rPr>
+                      <m:t>𝑄</m:t>
+                    </m:r>
+                    <m:r>
+                      <a:rPr lang="en-IN" b="0" i="1" dirty="0" smtClean="0">
+                        <a:latin typeface="Cambria Math" panose="02040503050406030204" pitchFamily="18" charset="0"/>
+                      </a:rPr>
+                      <m:t>, </m:t>
+                    </m:r>
+                    <m:sSub>
+                      <m:sSubPr>
+                        <m:ctrlPr>
+                          <a:rPr lang="en-IN" b="0" i="1" dirty="0" smtClean="0">
+                            <a:latin typeface="Cambria Math" panose="02040503050406030204" pitchFamily="18" charset="0"/>
+                          </a:rPr>
+                        </m:ctrlPr>
+                      </m:sSubPr>
+                      <m:e>
+                        <m:r>
+                          <a:rPr lang="en-IN" b="0" i="1" dirty="0" smtClean="0">
+                            <a:latin typeface="Cambria Math" panose="02040503050406030204" pitchFamily="18" charset="0"/>
+                          </a:rPr>
+                          <m:t>𝑞</m:t>
+                        </m:r>
+                      </m:e>
+                      <m:sub>
+                        <m:r>
+                          <a:rPr lang="en-IN" b="0" i="1" dirty="0" smtClean="0">
+                            <a:latin typeface="Cambria Math" panose="02040503050406030204" pitchFamily="18" charset="0"/>
+                          </a:rPr>
+                          <m:t>0</m:t>
+                        </m:r>
+                      </m:sub>
+                    </m:sSub>
+                    <m:r>
+                      <a:rPr lang="en-IN" b="0" i="1" dirty="0" smtClean="0">
+                        <a:latin typeface="Cambria Math" panose="02040503050406030204" pitchFamily="18" charset="0"/>
+                      </a:rPr>
+                      <m:t>, </m:t>
+                    </m:r>
+                    <m:r>
+                      <a:rPr lang="en-IN" b="0" i="1" dirty="0" smtClean="0">
+                        <a:latin typeface="Cambria Math" panose="02040503050406030204" pitchFamily="18" charset="0"/>
+                      </a:rPr>
+                      <m:t>𝐹</m:t>
+                    </m:r>
+                    <m:r>
+                      <a:rPr lang="en-IN" b="0" i="1" dirty="0" smtClean="0">
+                        <a:latin typeface="Cambria Math" panose="02040503050406030204" pitchFamily="18" charset="0"/>
+                      </a:rPr>
+                      <m:t>, </m:t>
+                    </m:r>
+                    <m:r>
+                      <a:rPr lang="en-IN" b="0" i="1" dirty="0" smtClean="0">
+                        <a:latin typeface="Cambria Math" panose="02040503050406030204" pitchFamily="18" charset="0"/>
+                      </a:rPr>
+                      <m:t>𝛿</m:t>
+                    </m:r>
+                    <m:r>
+                      <a:rPr lang="en-IN" b="0" i="1" dirty="0" smtClean="0">
+                        <a:latin typeface="Cambria Math" panose="02040503050406030204" pitchFamily="18" charset="0"/>
+                      </a:rPr>
+                      <m:t>)</m:t>
+                    </m:r>
+                  </m:oMath>
+                </a14:m>
+                <a:r>
+                  <a:rPr lang="en-GB" dirty="0"/>
+                  <a:t>, a </a:t>
+                </a:r>
+                <a:r>
+                  <a:rPr lang="en-GB" u="sng" dirty="0"/>
+                  <a:t>finite</a:t>
+                </a:r>
+                <a:r>
+                  <a:rPr lang="en-GB" dirty="0"/>
+                  <a:t> state automaton</a:t>
+                </a:r>
+              </a:p>
+              <a:p>
+                <a:pPr lvl="1"/>
+                <a14:m>
+                  <m:oMath xmlns:m="http://schemas.openxmlformats.org/officeDocument/2006/math">
+                    <m:r>
+                      <m:rPr>
+                        <m:sty m:val="p"/>
+                      </m:rPr>
+                      <a:rPr lang="en-IN" b="0" i="0" smtClean="0">
+                        <a:latin typeface="Cambria Math" panose="02040503050406030204" pitchFamily="18" charset="0"/>
+                      </a:rPr>
+                      <m:t>Σ</m:t>
+                    </m:r>
+                  </m:oMath>
+                </a14:m>
+                <a:r>
+                  <a:rPr lang="en-GB" dirty="0"/>
+                  <a:t> – Alphabet / set of symbols</a:t>
+                </a:r>
+              </a:p>
+              <a:p>
+                <a:pPr lvl="1"/>
+                <a14:m>
+                  <m:oMath xmlns:m="http://schemas.openxmlformats.org/officeDocument/2006/math">
+                    <m:r>
+                      <a:rPr lang="en-IN" b="0" i="1" smtClean="0">
+                        <a:latin typeface="Cambria Math" panose="02040503050406030204" pitchFamily="18" charset="0"/>
+                      </a:rPr>
+                      <m:t>𝑄</m:t>
+                    </m:r>
+                  </m:oMath>
+                </a14:m>
+                <a:r>
+                  <a:rPr lang="en-GB" dirty="0"/>
+                  <a:t> – (non-empty , </a:t>
+                </a:r>
+                <a:r>
+                  <a:rPr lang="en-GB" u="sng" dirty="0"/>
+                  <a:t>finite</a:t>
+                </a:r>
+                <a:r>
+                  <a:rPr lang="en-GB" dirty="0"/>
+                  <a:t>) set of states</a:t>
+                </a:r>
+              </a:p>
+              <a:p>
+                <a:pPr lvl="1"/>
+                <a14:m>
+                  <m:oMath xmlns:m="http://schemas.openxmlformats.org/officeDocument/2006/math">
+                    <m:sSub>
+                      <m:sSubPr>
+                        <m:ctrlPr>
+                          <a:rPr lang="en-IN" b="0" i="1" smtClean="0">
+                            <a:latin typeface="Cambria Math" panose="02040503050406030204" pitchFamily="18" charset="0"/>
+                          </a:rPr>
+                        </m:ctrlPr>
+                      </m:sSubPr>
+                      <m:e>
+                        <m:r>
+                          <a:rPr lang="en-IN" b="0" i="1" smtClean="0">
+                            <a:latin typeface="Cambria Math" panose="02040503050406030204" pitchFamily="18" charset="0"/>
+                          </a:rPr>
+                          <m:t>𝑞</m:t>
+                        </m:r>
+                      </m:e>
+                      <m:sub>
+                        <m:r>
+                          <a:rPr lang="en-IN" b="0" i="1" smtClean="0">
+                            <a:latin typeface="Cambria Math" panose="02040503050406030204" pitchFamily="18" charset="0"/>
+                          </a:rPr>
+                          <m:t>0</m:t>
+                        </m:r>
+                      </m:sub>
+                    </m:sSub>
+                  </m:oMath>
+                </a14:m>
+                <a:r>
+                  <a:rPr lang="en-GB" dirty="0"/>
+                  <a:t> - start state</a:t>
+                </a:r>
+              </a:p>
+              <a:p>
+                <a:pPr lvl="1"/>
+                <a14:m>
+                  <m:oMath xmlns:m="http://schemas.openxmlformats.org/officeDocument/2006/math">
+                    <m:r>
+                      <a:rPr lang="en-IN" b="0" i="1" smtClean="0">
+                        <a:latin typeface="Cambria Math" panose="02040503050406030204" pitchFamily="18" charset="0"/>
+                      </a:rPr>
+                      <m:t>𝐹</m:t>
+                    </m:r>
+                  </m:oMath>
+                </a14:m>
+                <a:r>
+                  <a:rPr lang="en-GB" dirty="0"/>
+                  <a:t> – set of accepting states</a:t>
+                </a:r>
+              </a:p>
+              <a:p>
+                <a:pPr lvl="1"/>
+                <a14:m>
+                  <m:oMath xmlns:m="http://schemas.openxmlformats.org/officeDocument/2006/math">
+                    <m:r>
+                      <a:rPr lang="en-IN" b="0" i="1" smtClean="0">
+                        <a:latin typeface="Cambria Math" panose="02040503050406030204" pitchFamily="18" charset="0"/>
+                      </a:rPr>
+                      <m:t>𝛿</m:t>
+                    </m:r>
+                    <m:r>
+                      <a:rPr lang="en-IN" b="0" i="1" smtClean="0">
+                        <a:latin typeface="Cambria Math" panose="02040503050406030204" pitchFamily="18" charset="0"/>
+                      </a:rPr>
+                      <m:t> :</m:t>
+                    </m:r>
+                    <m:r>
+                      <m:rPr>
+                        <m:sty m:val="p"/>
+                      </m:rPr>
+                      <a:rPr lang="en-IN" b="0" i="0" smtClean="0">
+                        <a:latin typeface="Cambria Math" panose="02040503050406030204" pitchFamily="18" charset="0"/>
+                      </a:rPr>
+                      <m:t>Σ</m:t>
+                    </m:r>
+                    <m:r>
+                      <a:rPr lang="en-IN" b="0" i="1" smtClean="0">
+                        <a:latin typeface="Cambria Math" panose="02040503050406030204" pitchFamily="18" charset="0"/>
+                      </a:rPr>
+                      <m:t> </m:t>
+                    </m:r>
+                    <m:r>
+                      <a:rPr lang="en-IN" b="0" i="1" smtClean="0">
+                        <a:latin typeface="Cambria Math" panose="02040503050406030204" pitchFamily="18" charset="0"/>
+                        <a:ea typeface="Cambria Math" panose="02040503050406030204" pitchFamily="18" charset="0"/>
+                      </a:rPr>
+                      <m:t>×</m:t>
+                    </m:r>
+                    <m:r>
+                      <a:rPr lang="en-IN" b="0" i="1" smtClean="0">
+                        <a:latin typeface="Cambria Math" panose="02040503050406030204" pitchFamily="18" charset="0"/>
+                        <a:ea typeface="Cambria Math" panose="02040503050406030204" pitchFamily="18" charset="0"/>
+                      </a:rPr>
+                      <m:t>𝑄</m:t>
+                    </m:r>
+                    <m:r>
+                      <a:rPr lang="en-IN" b="0" i="1" smtClean="0">
+                        <a:latin typeface="Cambria Math" panose="02040503050406030204" pitchFamily="18" charset="0"/>
+                        <a:ea typeface="Cambria Math" panose="02040503050406030204" pitchFamily="18" charset="0"/>
+                      </a:rPr>
+                      <m:t> →</m:t>
+                    </m:r>
+                    <m:r>
+                      <a:rPr lang="en-IN" b="0" i="1" smtClean="0">
+                        <a:latin typeface="Cambria Math" panose="02040503050406030204" pitchFamily="18" charset="0"/>
+                        <a:ea typeface="Cambria Math" panose="02040503050406030204" pitchFamily="18" charset="0"/>
+                      </a:rPr>
+                      <m:t>𝑄</m:t>
+                    </m:r>
+                  </m:oMath>
+                </a14:m>
+                <a:r>
+                  <a:rPr lang="en-GB" dirty="0"/>
+                  <a:t> – transition function</a:t>
+                </a:r>
+              </a:p>
+              <a:p>
+                <a:r>
+                  <a:rPr lang="en-GB" dirty="0"/>
+                  <a:t>Computation is defined in terms of strings that a machine </a:t>
+                </a:r>
+                <a:r>
+                  <a:rPr lang="en-GB" u="sng" dirty="0"/>
+                  <a:t>accepts</a:t>
+                </a:r>
+                <a:r>
+                  <a:rPr lang="en-GB" dirty="0"/>
+                  <a:t>. </a:t>
+                </a:r>
+                <a14:m>
+                  <m:oMath xmlns:m="http://schemas.openxmlformats.org/officeDocument/2006/math">
+                    <m:r>
+                      <a:rPr lang="en-IN" b="0" i="1" smtClean="0">
+                        <a:latin typeface="Cambria Math" panose="02040503050406030204" pitchFamily="18" charset="0"/>
+                      </a:rPr>
+                      <m:t>𝑀</m:t>
+                    </m:r>
+                  </m:oMath>
+                </a14:m>
+                <a:r>
+                  <a:rPr lang="en-GB" dirty="0"/>
+                  <a:t> </a:t>
+                </a:r>
+                <a:r>
+                  <a:rPr lang="en-GB" u="sng" dirty="0"/>
+                  <a:t>accepts</a:t>
+                </a:r>
+                <a:r>
+                  <a:rPr lang="en-GB" dirty="0"/>
+                  <a:t> a string </a:t>
+                </a:r>
+                <a14:m>
+                  <m:oMath xmlns:m="http://schemas.openxmlformats.org/officeDocument/2006/math">
+                    <m:sSub>
+                      <m:sSubPr>
+                        <m:ctrlPr>
+                          <a:rPr lang="en-IN" b="0" i="1" smtClean="0">
+                            <a:latin typeface="Cambria Math" panose="02040503050406030204" pitchFamily="18" charset="0"/>
+                          </a:rPr>
+                        </m:ctrlPr>
+                      </m:sSubPr>
+                      <m:e>
+                        <m:r>
+                          <a:rPr lang="en-IN" b="0" i="1" smtClean="0">
+                            <a:latin typeface="Cambria Math" panose="02040503050406030204" pitchFamily="18" charset="0"/>
+                          </a:rPr>
+                          <m:t>𝑤</m:t>
+                        </m:r>
+                      </m:e>
+                      <m:sub>
+                        <m:r>
+                          <a:rPr lang="en-IN" b="0" i="1" smtClean="0">
+                            <a:latin typeface="Cambria Math" panose="02040503050406030204" pitchFamily="18" charset="0"/>
+                          </a:rPr>
+                          <m:t>1</m:t>
+                        </m:r>
+                      </m:sub>
+                    </m:sSub>
+                    <m:sSub>
+                      <m:sSubPr>
+                        <m:ctrlPr>
+                          <a:rPr lang="en-IN" b="0" i="1" smtClean="0">
+                            <a:latin typeface="Cambria Math" panose="02040503050406030204" pitchFamily="18" charset="0"/>
+                          </a:rPr>
+                        </m:ctrlPr>
+                      </m:sSubPr>
+                      <m:e>
+                        <m:r>
+                          <a:rPr lang="en-IN" b="0" i="1" smtClean="0">
+                            <a:latin typeface="Cambria Math" panose="02040503050406030204" pitchFamily="18" charset="0"/>
+                          </a:rPr>
+                          <m:t>𝑤</m:t>
+                        </m:r>
+                      </m:e>
+                      <m:sub>
+                        <m:r>
+                          <a:rPr lang="en-IN" b="0" i="1" smtClean="0">
+                            <a:latin typeface="Cambria Math" panose="02040503050406030204" pitchFamily="18" charset="0"/>
+                          </a:rPr>
+                          <m:t>2</m:t>
+                        </m:r>
+                      </m:sub>
+                    </m:sSub>
+                    <m:r>
+                      <a:rPr lang="en-IN" b="0" i="1" smtClean="0">
+                        <a:latin typeface="Cambria Math" panose="02040503050406030204" pitchFamily="18" charset="0"/>
+                      </a:rPr>
+                      <m:t>…</m:t>
+                    </m:r>
+                    <m:sSub>
+                      <m:sSubPr>
+                        <m:ctrlPr>
+                          <a:rPr lang="en-IN" b="0" i="1" smtClean="0">
+                            <a:latin typeface="Cambria Math" panose="02040503050406030204" pitchFamily="18" charset="0"/>
+                          </a:rPr>
+                        </m:ctrlPr>
+                      </m:sSubPr>
+                      <m:e>
+                        <m:r>
+                          <a:rPr lang="en-IN" b="0" i="1" smtClean="0">
+                            <a:latin typeface="Cambria Math" panose="02040503050406030204" pitchFamily="18" charset="0"/>
+                          </a:rPr>
+                          <m:t>𝑤</m:t>
+                        </m:r>
+                      </m:e>
+                      <m:sub>
+                        <m:r>
+                          <a:rPr lang="en-IN" b="0" i="1" smtClean="0">
+                            <a:latin typeface="Cambria Math" panose="02040503050406030204" pitchFamily="18" charset="0"/>
+                          </a:rPr>
+                          <m:t>𝑛</m:t>
+                        </m:r>
+                      </m:sub>
+                    </m:sSub>
+                  </m:oMath>
+                </a14:m>
+                <a:r>
+                  <a:rPr lang="en-GB" dirty="0"/>
+                  <a:t>if a sequence of states </a:t>
+                </a:r>
+                <a14:m>
+                  <m:oMath xmlns:m="http://schemas.openxmlformats.org/officeDocument/2006/math">
+                    <m:sSub>
+                      <m:sSubPr>
+                        <m:ctrlPr>
+                          <a:rPr lang="en-IN" b="0" i="1" smtClean="0">
+                            <a:latin typeface="Cambria Math" panose="02040503050406030204" pitchFamily="18" charset="0"/>
+                          </a:rPr>
+                        </m:ctrlPr>
+                      </m:sSubPr>
+                      <m:e>
+                        <m:r>
+                          <a:rPr lang="en-IN" b="0" i="1" smtClean="0">
+                            <a:latin typeface="Cambria Math" panose="02040503050406030204" pitchFamily="18" charset="0"/>
+                          </a:rPr>
+                          <m:t>𝑟</m:t>
+                        </m:r>
+                      </m:e>
+                      <m:sub>
+                        <m:r>
+                          <a:rPr lang="en-IN" b="0" i="1" smtClean="0">
+                            <a:latin typeface="Cambria Math" panose="02040503050406030204" pitchFamily="18" charset="0"/>
+                          </a:rPr>
+                          <m:t>0</m:t>
+                        </m:r>
+                      </m:sub>
+                    </m:sSub>
+                    <m:sSub>
+                      <m:sSubPr>
+                        <m:ctrlPr>
+                          <a:rPr lang="en-IN" b="0" i="1" smtClean="0">
+                            <a:latin typeface="Cambria Math" panose="02040503050406030204" pitchFamily="18" charset="0"/>
+                          </a:rPr>
+                        </m:ctrlPr>
+                      </m:sSubPr>
+                      <m:e>
+                        <m:r>
+                          <a:rPr lang="en-IN" b="0" i="1" smtClean="0">
+                            <a:latin typeface="Cambria Math" panose="02040503050406030204" pitchFamily="18" charset="0"/>
+                          </a:rPr>
+                          <m:t>𝑟</m:t>
+                        </m:r>
+                      </m:e>
+                      <m:sub>
+                        <m:r>
+                          <a:rPr lang="en-IN" b="0" i="1" smtClean="0">
+                            <a:latin typeface="Cambria Math" panose="02040503050406030204" pitchFamily="18" charset="0"/>
+                          </a:rPr>
+                          <m:t>1</m:t>
+                        </m:r>
+                      </m:sub>
+                    </m:sSub>
+                    <m:r>
+                      <a:rPr lang="en-IN" b="0" i="1" smtClean="0">
+                        <a:latin typeface="Cambria Math" panose="02040503050406030204" pitchFamily="18" charset="0"/>
+                      </a:rPr>
+                      <m:t>…</m:t>
+                    </m:r>
+                    <m:sSub>
+                      <m:sSubPr>
+                        <m:ctrlPr>
+                          <a:rPr lang="en-IN" b="0" i="1" smtClean="0">
+                            <a:latin typeface="Cambria Math" panose="02040503050406030204" pitchFamily="18" charset="0"/>
+                          </a:rPr>
+                        </m:ctrlPr>
+                      </m:sSubPr>
+                      <m:e>
+                        <m:r>
+                          <a:rPr lang="en-IN" b="0" i="1" smtClean="0">
+                            <a:latin typeface="Cambria Math" panose="02040503050406030204" pitchFamily="18" charset="0"/>
+                          </a:rPr>
+                          <m:t>𝑟</m:t>
+                        </m:r>
+                      </m:e>
+                      <m:sub>
+                        <m:r>
+                          <a:rPr lang="en-IN" b="0" i="1" smtClean="0">
+                            <a:latin typeface="Cambria Math" panose="02040503050406030204" pitchFamily="18" charset="0"/>
+                          </a:rPr>
+                          <m:t>𝑛</m:t>
+                        </m:r>
+                      </m:sub>
+                    </m:sSub>
+                  </m:oMath>
+                </a14:m>
+                <a:r>
+                  <a:rPr lang="en-GB" dirty="0"/>
+                  <a:t>exists in </a:t>
+                </a:r>
+                <a14:m>
+                  <m:oMath xmlns:m="http://schemas.openxmlformats.org/officeDocument/2006/math">
+                    <m:r>
+                      <a:rPr lang="en-IN" b="0" i="1" smtClean="0">
+                        <a:latin typeface="Cambria Math" panose="02040503050406030204" pitchFamily="18" charset="0"/>
+                      </a:rPr>
+                      <m:t>𝑄</m:t>
+                    </m:r>
+                  </m:oMath>
+                </a14:m>
+                <a:r>
+                  <a:rPr lang="en-GB" dirty="0"/>
+                  <a:t> such that</a:t>
+                </a:r>
+              </a:p>
+              <a:p>
+                <a:pPr lvl="1"/>
+                <a14:m>
+                  <m:oMath xmlns:m="http://schemas.openxmlformats.org/officeDocument/2006/math">
+                    <m:sSub>
+                      <m:sSubPr>
+                        <m:ctrlPr>
+                          <a:rPr lang="en-IN" b="0" i="1" smtClean="0">
+                            <a:latin typeface="Cambria Math" panose="02040503050406030204" pitchFamily="18" charset="0"/>
+                          </a:rPr>
+                        </m:ctrlPr>
+                      </m:sSubPr>
+                      <m:e>
+                        <m:r>
+                          <a:rPr lang="en-IN" b="0" i="1" smtClean="0">
+                            <a:latin typeface="Cambria Math" panose="02040503050406030204" pitchFamily="18" charset="0"/>
+                          </a:rPr>
+                          <m:t>𝑟</m:t>
+                        </m:r>
+                      </m:e>
+                      <m:sub>
+                        <m:r>
+                          <a:rPr lang="en-IN" b="0" i="1" smtClean="0">
+                            <a:latin typeface="Cambria Math" panose="02040503050406030204" pitchFamily="18" charset="0"/>
+                          </a:rPr>
+                          <m:t>0</m:t>
+                        </m:r>
+                      </m:sub>
+                    </m:sSub>
+                    <m:r>
+                      <a:rPr lang="en-IN" b="0" i="1" smtClean="0">
+                        <a:latin typeface="Cambria Math" panose="02040503050406030204" pitchFamily="18" charset="0"/>
+                      </a:rPr>
+                      <m:t>=</m:t>
+                    </m:r>
+                    <m:sSub>
+                      <m:sSubPr>
+                        <m:ctrlPr>
+                          <a:rPr lang="en-IN" b="0" i="1" smtClean="0">
+                            <a:latin typeface="Cambria Math" panose="02040503050406030204" pitchFamily="18" charset="0"/>
+                          </a:rPr>
+                        </m:ctrlPr>
+                      </m:sSubPr>
+                      <m:e>
+                        <m:r>
+                          <a:rPr lang="en-IN" b="0" i="1" smtClean="0">
+                            <a:latin typeface="Cambria Math" panose="02040503050406030204" pitchFamily="18" charset="0"/>
+                          </a:rPr>
+                          <m:t>𝑞</m:t>
+                        </m:r>
+                      </m:e>
+                      <m:sub>
+                        <m:r>
+                          <a:rPr lang="en-IN" b="0" i="1" smtClean="0">
+                            <a:latin typeface="Cambria Math" panose="02040503050406030204" pitchFamily="18" charset="0"/>
+                          </a:rPr>
+                          <m:t>0</m:t>
+                        </m:r>
+                      </m:sub>
+                    </m:sSub>
+                  </m:oMath>
+                </a14:m>
+                <a:endParaRPr lang="en-GB" dirty="0"/>
+              </a:p>
+              <a:p>
+                <a:pPr lvl="1"/>
+                <a14:m>
+                  <m:oMath xmlns:m="http://schemas.openxmlformats.org/officeDocument/2006/math">
+                    <m:r>
+                      <a:rPr lang="en-IN" b="0" i="1" smtClean="0">
+                        <a:latin typeface="Cambria Math" panose="02040503050406030204" pitchFamily="18" charset="0"/>
+                      </a:rPr>
+                      <m:t>𝛿</m:t>
+                    </m:r>
+                    <m:d>
+                      <m:dPr>
+                        <m:ctrlPr>
+                          <a:rPr lang="en-IN" b="0" i="1" smtClean="0">
+                            <a:latin typeface="Cambria Math" panose="02040503050406030204" pitchFamily="18" charset="0"/>
+                          </a:rPr>
+                        </m:ctrlPr>
+                      </m:dPr>
+                      <m:e>
+                        <m:sSub>
+                          <m:sSubPr>
+                            <m:ctrlPr>
+                              <a:rPr lang="en-IN" b="0" i="1" smtClean="0">
+                                <a:latin typeface="Cambria Math" panose="02040503050406030204" pitchFamily="18" charset="0"/>
+                              </a:rPr>
+                            </m:ctrlPr>
+                          </m:sSubPr>
+                          <m:e>
+                            <m:r>
+                              <a:rPr lang="en-IN" b="0" i="1" smtClean="0">
+                                <a:latin typeface="Cambria Math" panose="02040503050406030204" pitchFamily="18" charset="0"/>
+                              </a:rPr>
+                              <m:t>𝑟</m:t>
+                            </m:r>
+                          </m:e>
+                          <m:sub>
+                            <m:r>
+                              <a:rPr lang="en-IN" b="0" i="1" smtClean="0">
+                                <a:latin typeface="Cambria Math" panose="02040503050406030204" pitchFamily="18" charset="0"/>
+                              </a:rPr>
+                              <m:t>𝑖</m:t>
+                            </m:r>
+                          </m:sub>
+                        </m:sSub>
+                        <m:r>
+                          <a:rPr lang="en-IN" b="0" i="1" smtClean="0">
+                            <a:latin typeface="Cambria Math" panose="02040503050406030204" pitchFamily="18" charset="0"/>
+                          </a:rPr>
+                          <m:t>,</m:t>
+                        </m:r>
+                        <m:sSub>
+                          <m:sSubPr>
+                            <m:ctrlPr>
+                              <a:rPr lang="en-IN" b="0" i="1" smtClean="0">
+                                <a:latin typeface="Cambria Math" panose="02040503050406030204" pitchFamily="18" charset="0"/>
+                              </a:rPr>
+                            </m:ctrlPr>
+                          </m:sSubPr>
+                          <m:e>
+                            <m:r>
+                              <a:rPr lang="en-IN" b="0" i="1" smtClean="0">
+                                <a:latin typeface="Cambria Math" panose="02040503050406030204" pitchFamily="18" charset="0"/>
+                              </a:rPr>
+                              <m:t>𝑤</m:t>
+                            </m:r>
+                          </m:e>
+                          <m:sub>
+                            <m:r>
+                              <a:rPr lang="en-IN" b="0" i="1" smtClean="0">
+                                <a:latin typeface="Cambria Math" panose="02040503050406030204" pitchFamily="18" charset="0"/>
+                              </a:rPr>
+                              <m:t>𝑖</m:t>
+                            </m:r>
+                            <m:r>
+                              <a:rPr lang="en-IN" b="0" i="1" smtClean="0">
+                                <a:latin typeface="Cambria Math" panose="02040503050406030204" pitchFamily="18" charset="0"/>
+                              </a:rPr>
+                              <m:t>+1</m:t>
+                            </m:r>
+                          </m:sub>
+                        </m:sSub>
+                      </m:e>
+                    </m:d>
+                    <m:r>
+                      <a:rPr lang="en-IN" b="0" i="1" smtClean="0">
+                        <a:latin typeface="Cambria Math" panose="02040503050406030204" pitchFamily="18" charset="0"/>
+                      </a:rPr>
+                      <m:t>=</m:t>
+                    </m:r>
+                    <m:sSub>
+                      <m:sSubPr>
+                        <m:ctrlPr>
+                          <a:rPr lang="en-IN" b="0" i="1" smtClean="0">
+                            <a:latin typeface="Cambria Math" panose="02040503050406030204" pitchFamily="18" charset="0"/>
+                          </a:rPr>
+                        </m:ctrlPr>
+                      </m:sSubPr>
+                      <m:e>
+                        <m:r>
+                          <a:rPr lang="en-IN" b="0" i="1" smtClean="0">
+                            <a:latin typeface="Cambria Math" panose="02040503050406030204" pitchFamily="18" charset="0"/>
+                          </a:rPr>
+                          <m:t>𝑟</m:t>
+                        </m:r>
+                      </m:e>
+                      <m:sub>
+                        <m:r>
+                          <a:rPr lang="en-IN" b="0" i="1" smtClean="0">
+                            <a:latin typeface="Cambria Math" panose="02040503050406030204" pitchFamily="18" charset="0"/>
+                          </a:rPr>
+                          <m:t>𝑖</m:t>
+                        </m:r>
+                        <m:r>
+                          <a:rPr lang="en-IN" b="0" i="1" smtClean="0">
+                            <a:latin typeface="Cambria Math" panose="02040503050406030204" pitchFamily="18" charset="0"/>
+                          </a:rPr>
+                          <m:t>+1</m:t>
+                        </m:r>
+                      </m:sub>
+                    </m:sSub>
+                  </m:oMath>
+                </a14:m>
+                <a:r>
+                  <a:rPr lang="en-GB" dirty="0"/>
+                  <a:t> for </a:t>
+                </a:r>
+                <a14:m>
+                  <m:oMath xmlns:m="http://schemas.openxmlformats.org/officeDocument/2006/math">
+                    <m:r>
+                      <a:rPr lang="en-IN" b="0" i="1" smtClean="0">
+                        <a:latin typeface="Cambria Math" panose="02040503050406030204" pitchFamily="18" charset="0"/>
+                      </a:rPr>
+                      <m:t>𝑖</m:t>
+                    </m:r>
+                    <m:r>
+                      <a:rPr lang="en-IN" b="0" i="1" smtClean="0">
+                        <a:latin typeface="Cambria Math" panose="02040503050406030204" pitchFamily="18" charset="0"/>
+                      </a:rPr>
+                      <m:t>=1,2,…</m:t>
+                    </m:r>
+                    <m:r>
+                      <a:rPr lang="en-IN" b="0" i="1" smtClean="0">
+                        <a:latin typeface="Cambria Math" panose="02040503050406030204" pitchFamily="18" charset="0"/>
+                      </a:rPr>
+                      <m:t>𝑛</m:t>
+                    </m:r>
+                    <m:r>
+                      <a:rPr lang="en-IN" b="0" i="1" smtClean="0">
+                        <a:latin typeface="Cambria Math" panose="02040503050406030204" pitchFamily="18" charset="0"/>
+                      </a:rPr>
+                      <m:t>−1</m:t>
+                    </m:r>
+                  </m:oMath>
+                </a14:m>
+                <a:r>
+                  <a:rPr lang="en-GB" dirty="0"/>
+                  <a:t> and</a:t>
+                </a:r>
+              </a:p>
+              <a:p>
+                <a:pPr lvl="1"/>
+                <a14:m>
+                  <m:oMath xmlns:m="http://schemas.openxmlformats.org/officeDocument/2006/math">
+                    <m:sSub>
+                      <m:sSubPr>
+                        <m:ctrlPr>
+                          <a:rPr lang="en-IN" b="0" i="1" smtClean="0">
+                            <a:latin typeface="Cambria Math" panose="02040503050406030204" pitchFamily="18" charset="0"/>
+                          </a:rPr>
+                        </m:ctrlPr>
+                      </m:sSubPr>
+                      <m:e>
+                        <m:r>
+                          <a:rPr lang="en-IN" b="0" i="1" smtClean="0">
+                            <a:latin typeface="Cambria Math" panose="02040503050406030204" pitchFamily="18" charset="0"/>
+                          </a:rPr>
+                          <m:t>𝑟</m:t>
+                        </m:r>
+                      </m:e>
+                      <m:sub>
+                        <m:r>
+                          <a:rPr lang="en-IN" b="0" i="1" smtClean="0">
+                            <a:latin typeface="Cambria Math" panose="02040503050406030204" pitchFamily="18" charset="0"/>
+                          </a:rPr>
+                          <m:t>𝑛</m:t>
+                        </m:r>
+                      </m:sub>
+                    </m:sSub>
+                    <m:r>
+                      <a:rPr lang="en-IN" b="0" i="1" smtClean="0">
+                        <a:latin typeface="Cambria Math" panose="02040503050406030204" pitchFamily="18" charset="0"/>
+                        <a:ea typeface="Cambria Math" panose="02040503050406030204" pitchFamily="18" charset="0"/>
+                      </a:rPr>
+                      <m:t>∈</m:t>
+                    </m:r>
+                    <m:r>
+                      <a:rPr lang="en-IN" b="0" i="1" smtClean="0">
+                        <a:latin typeface="Cambria Math" panose="02040503050406030204" pitchFamily="18" charset="0"/>
+                        <a:ea typeface="Cambria Math" panose="02040503050406030204" pitchFamily="18" charset="0"/>
+                      </a:rPr>
+                      <m:t>𝐹</m:t>
+                    </m:r>
+                  </m:oMath>
+                </a14:m>
+                <a:endParaRPr lang="en-GB" dirty="0"/>
+              </a:p>
+              <a:p>
+                <a14:m>
+                  <m:oMath xmlns:m="http://schemas.openxmlformats.org/officeDocument/2006/math">
+                    <m:r>
+                      <a:rPr lang="en-IN" b="0" i="1" smtClean="0">
+                        <a:latin typeface="Cambria Math" panose="02040503050406030204" pitchFamily="18" charset="0"/>
+                      </a:rPr>
+                      <m:t>𝑀</m:t>
+                    </m:r>
+                  </m:oMath>
+                </a14:m>
+                <a:r>
+                  <a:rPr lang="en-GB" dirty="0"/>
+                  <a:t> is said to accept a language </a:t>
+                </a:r>
+                <a14:m>
+                  <m:oMath xmlns:m="http://schemas.openxmlformats.org/officeDocument/2006/math">
+                    <m:r>
+                      <a:rPr lang="en-IN" b="0" i="1" smtClean="0">
+                        <a:latin typeface="Cambria Math" panose="02040503050406030204" pitchFamily="18" charset="0"/>
+                      </a:rPr>
+                      <m:t>𝐿</m:t>
+                    </m:r>
+                  </m:oMath>
+                </a14:m>
+                <a:r>
+                  <a:rPr lang="en-GB" dirty="0"/>
+                  <a:t> if it accepts all strings in </a:t>
+                </a:r>
+                <a14:m>
+                  <m:oMath xmlns:m="http://schemas.openxmlformats.org/officeDocument/2006/math">
+                    <m:r>
+                      <a:rPr lang="en-IN" b="0" i="1" smtClean="0">
+                        <a:latin typeface="Cambria Math" panose="02040503050406030204" pitchFamily="18" charset="0"/>
+                      </a:rPr>
+                      <m:t>𝐿</m:t>
+                    </m:r>
+                  </m:oMath>
+                </a14:m>
+                <a:endParaRPr lang="en-GB" dirty="0"/>
+              </a:p>
+            </p:txBody>
+          </p:sp>
+        </mc:Choice>
+        <mc:Fallback xmlns="">
+          <p:sp>
+            <p:nvSpPr>
+              <p:cNvPr id="3" name="Content Placeholder 2">
+                <a:extLst>
+                  <a:ext uri="{FF2B5EF4-FFF2-40B4-BE49-F238E27FC236}">
+                    <a16:creationId xmlns:a16="http://schemas.microsoft.com/office/drawing/2014/main" id="{CB36E37A-BB9F-1DF5-1143-297DB37E58E5}"/>
+                  </a:ext>
+                </a:extLst>
+              </p:cNvPr>
+              <p:cNvSpPr>
+                <a:spLocks noGrp="1" noRot="1" noChangeAspect="1" noMove="1" noResize="1" noEditPoints="1" noAdjustHandles="1" noChangeArrowheads="1" noChangeShapeType="1" noTextEdit="1"/>
+              </p:cNvSpPr>
+              <p:nvPr>
+                <p:ph idx="1"/>
+              </p:nvPr>
+            </p:nvSpPr>
+            <p:spPr>
+              <a:xfrm>
+                <a:off x="838200" y="1602658"/>
+                <a:ext cx="10515600" cy="4817807"/>
+              </a:xfrm>
+              <a:blipFill>
+                <a:blip r:embed="rId3"/>
+                <a:stretch>
+                  <a:fillRect l="-928" t="-633" b="-2025"/>
+                </a:stretch>
+              </a:blipFill>
+            </p:spPr>
+            <p:txBody>
+              <a:bodyPr/>
+              <a:lstStyle/>
+              <a:p>
+                <a:r>
+                  <a:rPr lang="en-GB">
+                    <a:noFill/>
+                  </a:rPr>
+                  <a:t> </a:t>
+                </a:r>
+              </a:p>
+            </p:txBody>
+          </p:sp>
+        </mc:Fallback>
+      </mc:AlternateContent>
     </p:spTree>
     <p:extLst>
       <p:ext uri="{BB962C8B-B14F-4D97-AF65-F5344CB8AC3E}">
-        <p14:creationId xmlns:p14="http://schemas.microsoft.com/office/powerpoint/2010/main" val="3304414771"/>
+        <p14:creationId xmlns:p14="http://schemas.microsoft.com/office/powerpoint/2010/main" val="381865073"/>
       </p:ext>
     </p:extLst>
   </p:cSld>
@@ -6368,31 +8782,109 @@
           <p:cNvPr id="2" name="Title 1">
             <a:extLst>
               <a:ext uri="{FF2B5EF4-FFF2-40B4-BE49-F238E27FC236}">
-                <a16:creationId xmlns:a16="http://schemas.microsoft.com/office/drawing/2014/main" id="{14130E6E-682F-EA6D-3D0A-685BB25C4E88}"/>
-              </a:ext>
-            </a:extLst>
-          </p:cNvPr>
-          <p:cNvSpPr>
-            <a:spLocks noGrp="1"/>
-          </p:cNvSpPr>
-          <p:nvPr>
-            <p:ph type="ctrTitle"/>
-          </p:nvPr>
-        </p:nvSpPr>
-        <p:spPr>
-          <a:xfrm>
-            <a:off x="1524000" y="2235200"/>
-            <a:ext cx="9144000" cy="2387600"/>
-          </a:xfrm>
-        </p:spPr>
-        <p:txBody>
-          <a:bodyPr anchor="ctr"/>
-          <a:lstStyle/>
-          <a:p>
-            <a:r>
-              <a:rPr lang="en-IN" dirty="0" err="1"/>
-              <a:t>RegEx</a:t>
-            </a:r>
+                <a16:creationId xmlns:a16="http://schemas.microsoft.com/office/drawing/2014/main" id="{53AB34FE-2A84-272A-F5C8-CC8F34A4FEFE}"/>
+              </a:ext>
+            </a:extLst>
+          </p:cNvPr>
+          <p:cNvSpPr>
+            <a:spLocks noGrp="1"/>
+          </p:cNvSpPr>
+          <p:nvPr>
+            <p:ph type="title"/>
+          </p:nvPr>
+        </p:nvSpPr>
+        <p:spPr/>
+        <p:txBody>
+          <a:bodyPr/>
+          <a:lstStyle/>
+          <a:p>
+            <a:r>
+              <a:rPr lang="en-IN" dirty="0"/>
+              <a:t>What makes an FSA </a:t>
+            </a:r>
+            <a:r>
+              <a:rPr lang="en-IN" i="1" dirty="0"/>
+              <a:t>finite</a:t>
+            </a:r>
+            <a:endParaRPr lang="en-GB" i="1" dirty="0"/>
+          </a:p>
+        </p:txBody>
+      </p:sp>
+      <p:sp>
+        <p:nvSpPr>
+          <p:cNvPr id="3" name="Content Placeholder 2">
+            <a:extLst>
+              <a:ext uri="{FF2B5EF4-FFF2-40B4-BE49-F238E27FC236}">
+                <a16:creationId xmlns:a16="http://schemas.microsoft.com/office/drawing/2014/main" id="{CB36E37A-BB9F-1DF5-1143-297DB37E58E5}"/>
+              </a:ext>
+            </a:extLst>
+          </p:cNvPr>
+          <p:cNvSpPr>
+            <a:spLocks noGrp="1"/>
+          </p:cNvSpPr>
+          <p:nvPr>
+            <p:ph idx="1"/>
+          </p:nvPr>
+        </p:nvSpPr>
+        <p:spPr/>
+        <p:txBody>
+          <a:bodyPr/>
+          <a:lstStyle/>
+          <a:p>
+            <a:r>
+              <a:rPr lang="en-US" dirty="0"/>
+              <a:t>What can a finite automata do?</a:t>
+            </a:r>
+          </a:p>
+          <a:p>
+            <a:pPr lvl="1"/>
+            <a:r>
+              <a:rPr lang="en-US" dirty="0"/>
+              <a:t>Where am I? (current state)</a:t>
+            </a:r>
+          </a:p>
+          <a:p>
+            <a:pPr lvl="1"/>
+            <a:r>
+              <a:rPr lang="en-US" dirty="0"/>
+              <a:t>What just happened? (input)</a:t>
+            </a:r>
+          </a:p>
+          <a:p>
+            <a:r>
+              <a:rPr lang="en-US" dirty="0"/>
+              <a:t>Specifically, it cannot —</a:t>
+            </a:r>
+          </a:p>
+          <a:p>
+            <a:pPr lvl="1"/>
+            <a:r>
+              <a:rPr lang="en-US" dirty="0"/>
+              <a:t>Choose inconsistently</a:t>
+            </a:r>
+          </a:p>
+          <a:p>
+            <a:pPr lvl="1"/>
+            <a:r>
+              <a:rPr lang="en-US" dirty="0"/>
+              <a:t>Decide "at runtime" where to transition</a:t>
+            </a:r>
+          </a:p>
+          <a:p>
+            <a:pPr lvl="1"/>
+            <a:r>
+              <a:rPr lang="en-US" dirty="0"/>
+              <a:t>"Remember" previous input</a:t>
+            </a:r>
+          </a:p>
+          <a:p>
+            <a:pPr lvl="1"/>
+            <a:r>
+              <a:rPr lang="en-US" dirty="0"/>
+              <a:t>Know if/when the end of the input is coming</a:t>
+            </a:r>
+          </a:p>
+          <a:p>
             <a:endParaRPr lang="en-GB" dirty="0"/>
           </a:p>
         </p:txBody>
@@ -6400,7 +8892,7 @@
     </p:spTree>
     <p:extLst>
       <p:ext uri="{BB962C8B-B14F-4D97-AF65-F5344CB8AC3E}">
-        <p14:creationId xmlns:p14="http://schemas.microsoft.com/office/powerpoint/2010/main" val="2324592577"/>
+        <p14:creationId xmlns:p14="http://schemas.microsoft.com/office/powerpoint/2010/main" val="296913273"/>
       </p:ext>
     </p:extLst>
   </p:cSld>
@@ -6432,7 +8924,7 @@
           <p:cNvPr id="2" name="Title 1">
             <a:extLst>
               <a:ext uri="{FF2B5EF4-FFF2-40B4-BE49-F238E27FC236}">
-                <a16:creationId xmlns:a16="http://schemas.microsoft.com/office/drawing/2014/main" id="{C8FEB748-008B-781D-3512-4EDD2767E14D}"/>
+                <a16:creationId xmlns:a16="http://schemas.microsoft.com/office/drawing/2014/main" id="{53AB34FE-2A84-272A-F5C8-CC8F34A4FEFE}"/>
               </a:ext>
             </a:extLst>
           </p:cNvPr>
@@ -6450,11 +8942,7 @@
           <a:p>
             <a:r>
               <a:rPr lang="en-IN" dirty="0"/>
-              <a:t>What is a </a:t>
-            </a:r>
-            <a:r>
-              <a:rPr lang="en-IN" dirty="0" err="1"/>
-              <a:t>RegEx</a:t>
+              <a:t>Example: Even Number</a:t>
             </a:r>
             <a:endParaRPr lang="en-GB" dirty="0"/>
           </a:p>
@@ -6465,7 +8953,7 @@
           <p:cNvPr id="3" name="Content Placeholder 2">
             <a:extLst>
               <a:ext uri="{FF2B5EF4-FFF2-40B4-BE49-F238E27FC236}">
-                <a16:creationId xmlns:a16="http://schemas.microsoft.com/office/drawing/2014/main" id="{52ACDE86-DCE4-3487-E6AA-F9F4BED6E955}"/>
+                <a16:creationId xmlns:a16="http://schemas.microsoft.com/office/drawing/2014/main" id="{CB36E37A-BB9F-1DF5-1143-297DB37E58E5}"/>
               </a:ext>
             </a:extLst>
           </p:cNvPr>
@@ -6476,19 +8964,30 @@
             <p:ph idx="1"/>
           </p:nvPr>
         </p:nvSpPr>
-        <p:spPr/>
-        <p:txBody>
-          <a:bodyPr/>
-          <a:lstStyle/>
-          <a:p>
-            <a:endParaRPr lang="en-GB"/>
+        <p:spPr>
+          <a:xfrm>
+            <a:off x="838200" y="1495425"/>
+            <a:ext cx="10515600" cy="1031875"/>
+          </a:xfrm>
+        </p:spPr>
+        <p:txBody>
+          <a:bodyPr>
+            <a:normAutofit/>
+          </a:bodyPr>
+          <a:lstStyle/>
+          <a:p>
+            <a:r>
+              <a:rPr lang="en-IN" dirty="0"/>
+              <a:t>A state machine that recognizes when a binary string represents an even number</a:t>
+            </a:r>
+            <a:endParaRPr lang="en-GB" dirty="0"/>
           </a:p>
         </p:txBody>
       </p:sp>
     </p:spTree>
     <p:extLst>
       <p:ext uri="{BB962C8B-B14F-4D97-AF65-F5344CB8AC3E}">
-        <p14:creationId xmlns:p14="http://schemas.microsoft.com/office/powerpoint/2010/main" val="534085924"/>
+        <p14:creationId xmlns:p14="http://schemas.microsoft.com/office/powerpoint/2010/main" val="4063788275"/>
       </p:ext>
     </p:extLst>
   </p:cSld>
@@ -6503,7 +9002,13 @@
   <p:cSld>
     <p:spTree>
       <p:nvGrpSpPr>
-        <p:cNvPr id="1" name=""/>
+        <p:cNvPr id="1" name="">
+          <a:extLst>
+            <a:ext uri="{FF2B5EF4-FFF2-40B4-BE49-F238E27FC236}">
+              <a16:creationId xmlns:a16="http://schemas.microsoft.com/office/drawing/2014/main" id="{F26A0955-489B-18BA-8CAD-F14907059FE6}"/>
+            </a:ext>
+          </a:extLst>
+        </p:cNvPr>
         <p:cNvGrpSpPr/>
         <p:nvPr/>
       </p:nvGrpSpPr>
@@ -6520,7 +9025,7 @@
           <p:cNvPr id="2" name="Title 1">
             <a:extLst>
               <a:ext uri="{FF2B5EF4-FFF2-40B4-BE49-F238E27FC236}">
-                <a16:creationId xmlns:a16="http://schemas.microsoft.com/office/drawing/2014/main" id="{B6EF56E7-1361-BB4E-F4D2-E28021C76A99}"/>
+                <a16:creationId xmlns:a16="http://schemas.microsoft.com/office/drawing/2014/main" id="{075F7CB8-258E-7A00-F596-2649D92E12B0}"/>
               </a:ext>
             </a:extLst>
           </p:cNvPr>
@@ -6537,46 +9042,253 @@
           <a:lstStyle/>
           <a:p>
             <a:r>
-              <a:rPr lang="en-IN" dirty="0" err="1"/>
-              <a:t>RegEx</a:t>
-            </a:r>
-            <a:r>
               <a:rPr lang="en-IN" dirty="0"/>
-              <a:t> Blitz</a:t>
+              <a:t>Example: Even Number</a:t>
             </a:r>
             <a:endParaRPr lang="en-GB" dirty="0"/>
           </a:p>
         </p:txBody>
       </p:sp>
-      <p:sp>
-        <p:nvSpPr>
-          <p:cNvPr id="3" name="Content Placeholder 2">
-            <a:extLst>
-              <a:ext uri="{FF2B5EF4-FFF2-40B4-BE49-F238E27FC236}">
-                <a16:creationId xmlns:a16="http://schemas.microsoft.com/office/drawing/2014/main" id="{E33D70A1-221B-F82D-1BAB-599911A77732}"/>
-              </a:ext>
-            </a:extLst>
-          </p:cNvPr>
-          <p:cNvSpPr>
-            <a:spLocks noGrp="1"/>
-          </p:cNvSpPr>
-          <p:nvPr>
-            <p:ph idx="1"/>
-          </p:nvPr>
-        </p:nvSpPr>
-        <p:spPr/>
-        <p:txBody>
-          <a:bodyPr/>
-          <a:lstStyle/>
-          <a:p>
-            <a:endParaRPr lang="en-GB"/>
+      <p:pic>
+        <p:nvPicPr>
+          <p:cNvPr id="9" name="Picture 8" descr="A diagram of a diagram&#10;&#10;Description automatically generated">
+            <a:extLst>
+              <a:ext uri="{FF2B5EF4-FFF2-40B4-BE49-F238E27FC236}">
+                <a16:creationId xmlns:a16="http://schemas.microsoft.com/office/drawing/2014/main" id="{3159299E-6A89-8913-068A-F08BEC292621}"/>
+              </a:ext>
+            </a:extLst>
+          </p:cNvPr>
+          <p:cNvPicPr>
+            <a:picLocks noChangeAspect="1"/>
+          </p:cNvPicPr>
+          <p:nvPr/>
+        </p:nvPicPr>
+        <p:blipFill>
+          <a:blip r:embed="rId3">
+            <a:extLst>
+              <a:ext uri="{28A0092B-C50C-407E-A947-70E740481C1C}">
+                <a14:useLocalDpi xmlns:a14="http://schemas.microsoft.com/office/drawing/2010/main" val="0"/>
+              </a:ext>
+            </a:extLst>
+          </a:blip>
+          <a:stretch>
+            <a:fillRect/>
+          </a:stretch>
+        </p:blipFill>
+        <p:spPr>
+          <a:xfrm>
+            <a:off x="2957512" y="2133600"/>
+            <a:ext cx="6276975" cy="4305300"/>
+          </a:xfrm>
+          <a:prstGeom prst="rect">
+            <a:avLst/>
+          </a:prstGeom>
+        </p:spPr>
+      </p:pic>
+      <p:sp>
+        <p:nvSpPr>
+          <p:cNvPr id="13" name="Content Placeholder 2">
+            <a:extLst>
+              <a:ext uri="{FF2B5EF4-FFF2-40B4-BE49-F238E27FC236}">
+                <a16:creationId xmlns:a16="http://schemas.microsoft.com/office/drawing/2014/main" id="{964CE5F2-6C1C-52F2-C983-23790639BD51}"/>
+              </a:ext>
+            </a:extLst>
+          </p:cNvPr>
+          <p:cNvSpPr txBox="1">
+            <a:spLocks/>
+          </p:cNvSpPr>
+          <p:nvPr/>
+        </p:nvSpPr>
+        <p:spPr>
+          <a:xfrm>
+            <a:off x="838200" y="1495425"/>
+            <a:ext cx="10515600" cy="1031875"/>
+          </a:xfrm>
+          <a:prstGeom prst="rect">
+            <a:avLst/>
+          </a:prstGeom>
+        </p:spPr>
+        <p:txBody>
+          <a:bodyPr vert="horz" lIns="91440" tIns="45720" rIns="91440" bIns="45720" rtlCol="0" anchor="ctr">
+            <a:normAutofit/>
+          </a:bodyPr>
+          <a:lstStyle>
+            <a:lvl1pPr marL="228600" indent="-228600" algn="l" defTabSz="914400" rtl="0" eaLnBrk="1" latinLnBrk="0" hangingPunct="1">
+              <a:lnSpc>
+                <a:spcPct val="90000"/>
+              </a:lnSpc>
+              <a:spcBef>
+                <a:spcPts val="1000"/>
+              </a:spcBef>
+              <a:buFont typeface="Arial" panose="020B0604020202020204" pitchFamily="34" charset="0"/>
+              <a:buChar char="•"/>
+              <a:defRPr sz="2800" kern="1200">
+                <a:solidFill>
+                  <a:schemeClr val="tx1"/>
+                </a:solidFill>
+                <a:latin typeface="EB Garamond" pitchFamily="2" charset="0"/>
+                <a:ea typeface="EB Garamond" pitchFamily="2" charset="0"/>
+                <a:cs typeface="EB Garamond" pitchFamily="2" charset="0"/>
+              </a:defRPr>
+            </a:lvl1pPr>
+            <a:lvl2pPr marL="685800" indent="-228600" algn="l" defTabSz="914400" rtl="0" eaLnBrk="1" latinLnBrk="0" hangingPunct="1">
+              <a:lnSpc>
+                <a:spcPct val="90000"/>
+              </a:lnSpc>
+              <a:spcBef>
+                <a:spcPts val="500"/>
+              </a:spcBef>
+              <a:buFont typeface="Arial" panose="020B0604020202020204" pitchFamily="34" charset="0"/>
+              <a:buChar char="•"/>
+              <a:defRPr sz="2400" kern="1200">
+                <a:solidFill>
+                  <a:schemeClr val="tx1"/>
+                </a:solidFill>
+                <a:latin typeface="EB Garamond" pitchFamily="2" charset="0"/>
+                <a:ea typeface="EB Garamond" pitchFamily="2" charset="0"/>
+                <a:cs typeface="EB Garamond" pitchFamily="2" charset="0"/>
+              </a:defRPr>
+            </a:lvl2pPr>
+            <a:lvl3pPr marL="1143000" indent="-228600" algn="l" defTabSz="914400" rtl="0" eaLnBrk="1" latinLnBrk="0" hangingPunct="1">
+              <a:lnSpc>
+                <a:spcPct val="90000"/>
+              </a:lnSpc>
+              <a:spcBef>
+                <a:spcPts val="500"/>
+              </a:spcBef>
+              <a:buFont typeface="Arial" panose="020B0604020202020204" pitchFamily="34" charset="0"/>
+              <a:buChar char="•"/>
+              <a:defRPr sz="2000" kern="1200">
+                <a:solidFill>
+                  <a:schemeClr val="tx1"/>
+                </a:solidFill>
+                <a:latin typeface="EB Garamond" pitchFamily="2" charset="0"/>
+                <a:ea typeface="EB Garamond" pitchFamily="2" charset="0"/>
+                <a:cs typeface="EB Garamond" pitchFamily="2" charset="0"/>
+              </a:defRPr>
+            </a:lvl3pPr>
+            <a:lvl4pPr marL="1600200" indent="-228600" algn="l" defTabSz="914400" rtl="0" eaLnBrk="1" latinLnBrk="0" hangingPunct="1">
+              <a:lnSpc>
+                <a:spcPct val="90000"/>
+              </a:lnSpc>
+              <a:spcBef>
+                <a:spcPts val="500"/>
+              </a:spcBef>
+              <a:buFont typeface="Arial" panose="020B0604020202020204" pitchFamily="34" charset="0"/>
+              <a:buChar char="•"/>
+              <a:defRPr sz="1800" kern="1200">
+                <a:solidFill>
+                  <a:schemeClr val="tx1"/>
+                </a:solidFill>
+                <a:latin typeface="EB Garamond" pitchFamily="2" charset="0"/>
+                <a:ea typeface="EB Garamond" pitchFamily="2" charset="0"/>
+                <a:cs typeface="EB Garamond" pitchFamily="2" charset="0"/>
+              </a:defRPr>
+            </a:lvl4pPr>
+            <a:lvl5pPr marL="2057400" indent="-228600" algn="l" defTabSz="914400" rtl="0" eaLnBrk="1" latinLnBrk="0" hangingPunct="1">
+              <a:lnSpc>
+                <a:spcPct val="90000"/>
+              </a:lnSpc>
+              <a:spcBef>
+                <a:spcPts val="500"/>
+              </a:spcBef>
+              <a:buFont typeface="Arial" panose="020B0604020202020204" pitchFamily="34" charset="0"/>
+              <a:buChar char="•"/>
+              <a:defRPr sz="1800" kern="1200">
+                <a:solidFill>
+                  <a:schemeClr val="tx1"/>
+                </a:solidFill>
+                <a:latin typeface="EB Garamond" pitchFamily="2" charset="0"/>
+                <a:ea typeface="EB Garamond" pitchFamily="2" charset="0"/>
+                <a:cs typeface="EB Garamond" pitchFamily="2" charset="0"/>
+              </a:defRPr>
+            </a:lvl5pPr>
+            <a:lvl6pPr marL="2514600" indent="-228600" algn="l" defTabSz="914400" rtl="0" eaLnBrk="1" latinLnBrk="0" hangingPunct="1">
+              <a:lnSpc>
+                <a:spcPct val="90000"/>
+              </a:lnSpc>
+              <a:spcBef>
+                <a:spcPts val="500"/>
+              </a:spcBef>
+              <a:buFont typeface="Arial" panose="020B0604020202020204" pitchFamily="34" charset="0"/>
+              <a:buChar char="•"/>
+              <a:defRPr sz="1800" kern="1200">
+                <a:solidFill>
+                  <a:schemeClr val="tx1"/>
+                </a:solidFill>
+                <a:latin typeface="+mn-lt"/>
+                <a:ea typeface="+mn-ea"/>
+                <a:cs typeface="+mn-cs"/>
+              </a:defRPr>
+            </a:lvl6pPr>
+            <a:lvl7pPr marL="2971800" indent="-228600" algn="l" defTabSz="914400" rtl="0" eaLnBrk="1" latinLnBrk="0" hangingPunct="1">
+              <a:lnSpc>
+                <a:spcPct val="90000"/>
+              </a:lnSpc>
+              <a:spcBef>
+                <a:spcPts val="500"/>
+              </a:spcBef>
+              <a:buFont typeface="Arial" panose="020B0604020202020204" pitchFamily="34" charset="0"/>
+              <a:buChar char="•"/>
+              <a:defRPr sz="1800" kern="1200">
+                <a:solidFill>
+                  <a:schemeClr val="tx1"/>
+                </a:solidFill>
+                <a:latin typeface="+mn-lt"/>
+                <a:ea typeface="+mn-ea"/>
+                <a:cs typeface="+mn-cs"/>
+              </a:defRPr>
+            </a:lvl7pPr>
+            <a:lvl8pPr marL="3429000" indent="-228600" algn="l" defTabSz="914400" rtl="0" eaLnBrk="1" latinLnBrk="0" hangingPunct="1">
+              <a:lnSpc>
+                <a:spcPct val="90000"/>
+              </a:lnSpc>
+              <a:spcBef>
+                <a:spcPts val="500"/>
+              </a:spcBef>
+              <a:buFont typeface="Arial" panose="020B0604020202020204" pitchFamily="34" charset="0"/>
+              <a:buChar char="•"/>
+              <a:defRPr sz="1800" kern="1200">
+                <a:solidFill>
+                  <a:schemeClr val="tx1"/>
+                </a:solidFill>
+                <a:latin typeface="+mn-lt"/>
+                <a:ea typeface="+mn-ea"/>
+                <a:cs typeface="+mn-cs"/>
+              </a:defRPr>
+            </a:lvl8pPr>
+            <a:lvl9pPr marL="3886200" indent="-228600" algn="l" defTabSz="914400" rtl="0" eaLnBrk="1" latinLnBrk="0" hangingPunct="1">
+              <a:lnSpc>
+                <a:spcPct val="90000"/>
+              </a:lnSpc>
+              <a:spcBef>
+                <a:spcPts val="500"/>
+              </a:spcBef>
+              <a:buFont typeface="Arial" panose="020B0604020202020204" pitchFamily="34" charset="0"/>
+              <a:buChar char="•"/>
+              <a:defRPr sz="1800" kern="1200">
+                <a:solidFill>
+                  <a:schemeClr val="tx1"/>
+                </a:solidFill>
+                <a:latin typeface="+mn-lt"/>
+                <a:ea typeface="+mn-ea"/>
+                <a:cs typeface="+mn-cs"/>
+              </a:defRPr>
+            </a:lvl9pPr>
+          </a:lstStyle>
+          <a:p>
+            <a:r>
+              <a:rPr lang="en-IN"/>
+              <a:t>A state machine that recognizes when a binary string represents an even number</a:t>
+            </a:r>
+            <a:endParaRPr lang="en-GB" dirty="0"/>
           </a:p>
         </p:txBody>
       </p:sp>
     </p:spTree>
     <p:extLst>
       <p:ext uri="{BB962C8B-B14F-4D97-AF65-F5344CB8AC3E}">
-        <p14:creationId xmlns:p14="http://schemas.microsoft.com/office/powerpoint/2010/main" val="4145818577"/>
+        <p14:creationId xmlns:p14="http://schemas.microsoft.com/office/powerpoint/2010/main" val="423495661"/>
       </p:ext>
     </p:extLst>
   </p:cSld>
@@ -6608,30 +9320,80 @@
           <p:cNvPr id="2" name="Title 1">
             <a:extLst>
               <a:ext uri="{FF2B5EF4-FFF2-40B4-BE49-F238E27FC236}">
-                <a16:creationId xmlns:a16="http://schemas.microsoft.com/office/drawing/2014/main" id="{14130E6E-682F-EA6D-3D0A-685BB25C4E88}"/>
-              </a:ext>
-            </a:extLst>
-          </p:cNvPr>
-          <p:cNvSpPr>
-            <a:spLocks noGrp="1"/>
-          </p:cNvSpPr>
-          <p:nvPr>
-            <p:ph type="ctrTitle"/>
-          </p:nvPr>
-        </p:nvSpPr>
-        <p:spPr>
-          <a:xfrm>
-            <a:off x="1524000" y="2235200"/>
-            <a:ext cx="9144000" cy="2387600"/>
-          </a:xfrm>
-        </p:spPr>
-        <p:txBody>
-          <a:bodyPr anchor="ctr"/>
+                <a16:creationId xmlns:a16="http://schemas.microsoft.com/office/drawing/2014/main" id="{53AB34FE-2A84-272A-F5C8-CC8F34A4FEFE}"/>
+              </a:ext>
+            </a:extLst>
+          </p:cNvPr>
+          <p:cNvSpPr>
+            <a:spLocks noGrp="1"/>
+          </p:cNvSpPr>
+          <p:nvPr>
+            <p:ph type="title"/>
+          </p:nvPr>
+        </p:nvSpPr>
+        <p:spPr/>
+        <p:txBody>
+          <a:bodyPr/>
           <a:lstStyle/>
           <a:p>
             <a:r>
               <a:rPr lang="en-IN" dirty="0"/>
-              <a:t>Finite State Transducers</a:t>
+              <a:t>Remember</a:t>
+            </a:r>
+            <a:endParaRPr lang="en-GB" dirty="0"/>
+          </a:p>
+        </p:txBody>
+      </p:sp>
+      <p:sp>
+        <p:nvSpPr>
+          <p:cNvPr id="3" name="Content Placeholder 2">
+            <a:extLst>
+              <a:ext uri="{FF2B5EF4-FFF2-40B4-BE49-F238E27FC236}">
+                <a16:creationId xmlns:a16="http://schemas.microsoft.com/office/drawing/2014/main" id="{CB36E37A-BB9F-1DF5-1143-297DB37E58E5}"/>
+              </a:ext>
+            </a:extLst>
+          </p:cNvPr>
+          <p:cNvSpPr>
+            <a:spLocks noGrp="1"/>
+          </p:cNvSpPr>
+          <p:nvPr>
+            <p:ph idx="1"/>
+          </p:nvPr>
+        </p:nvSpPr>
+        <p:spPr/>
+        <p:txBody>
+          <a:bodyPr/>
+          <a:lstStyle/>
+          <a:p>
+            <a:r>
+              <a:rPr lang="en-IN" dirty="0"/>
+              <a:t>There </a:t>
+            </a:r>
+            <a:r>
+              <a:rPr lang="en-IN" i="1" dirty="0"/>
+              <a:t>must</a:t>
+            </a:r>
+            <a:r>
+              <a:rPr lang="en-IN" dirty="0"/>
+              <a:t> be start state</a:t>
+            </a:r>
+          </a:p>
+          <a:p>
+            <a:r>
+              <a:rPr lang="en-IN" dirty="0"/>
+              <a:t>Each state must have an arrow going out of it for each symbol in the alphabet</a:t>
+            </a:r>
+          </a:p>
+          <a:p>
+            <a:r>
+              <a:rPr lang="en-IN" dirty="0"/>
+              <a:t>There may or may not be an accept state (although, not having one is not very useful)</a:t>
+            </a:r>
+          </a:p>
+          <a:p>
+            <a:r>
+              <a:rPr lang="en-IN" dirty="0"/>
+              <a:t>Each state can have at most one outgoing arrow for each symbol in the alphabet</a:t>
             </a:r>
             <a:endParaRPr lang="en-GB" dirty="0"/>
           </a:p>
@@ -6640,7 +9402,7 @@
     </p:spTree>
     <p:extLst>
       <p:ext uri="{BB962C8B-B14F-4D97-AF65-F5344CB8AC3E}">
-        <p14:creationId xmlns:p14="http://schemas.microsoft.com/office/powerpoint/2010/main" val="2495390313"/>
+        <p14:creationId xmlns:p14="http://schemas.microsoft.com/office/powerpoint/2010/main" val="1934257378"/>
       </p:ext>
     </p:extLst>
   </p:cSld>
@@ -6655,7 +9417,13 @@
   <p:cSld>
     <p:spTree>
       <p:nvGrpSpPr>
-        <p:cNvPr id="1" name=""/>
+        <p:cNvPr id="1" name="">
+          <a:extLst>
+            <a:ext uri="{FF2B5EF4-FFF2-40B4-BE49-F238E27FC236}">
+              <a16:creationId xmlns:a16="http://schemas.microsoft.com/office/drawing/2014/main" id="{41B3D960-E8E3-DB36-5710-36728E8F2463}"/>
+            </a:ext>
+          </a:extLst>
+        </p:cNvPr>
         <p:cNvGrpSpPr/>
         <p:nvPr/>
       </p:nvGrpSpPr>
@@ -6672,7 +9440,7 @@
           <p:cNvPr id="2" name="Title 1">
             <a:extLst>
               <a:ext uri="{FF2B5EF4-FFF2-40B4-BE49-F238E27FC236}">
-                <a16:creationId xmlns:a16="http://schemas.microsoft.com/office/drawing/2014/main" id="{B6EF56E7-1361-BB4E-F4D2-E28021C76A99}"/>
+                <a16:creationId xmlns:a16="http://schemas.microsoft.com/office/drawing/2014/main" id="{DD0E0D85-F9A0-3747-E171-599A2E208DF8}"/>
               </a:ext>
             </a:extLst>
           </p:cNvPr>
@@ -6690,41 +9458,143 @@
           <a:p>
             <a:r>
               <a:rPr lang="en-IN" dirty="0"/>
-              <a:t>Finite State Transducers</a:t>
+              <a:t>Exercise: Even Binary</a:t>
             </a:r>
             <a:endParaRPr lang="en-GB" dirty="0"/>
           </a:p>
         </p:txBody>
       </p:sp>
-      <p:sp>
-        <p:nvSpPr>
-          <p:cNvPr id="3" name="Content Placeholder 2">
-            <a:extLst>
-              <a:ext uri="{FF2B5EF4-FFF2-40B4-BE49-F238E27FC236}">
-                <a16:creationId xmlns:a16="http://schemas.microsoft.com/office/drawing/2014/main" id="{E33D70A1-221B-F82D-1BAB-599911A77732}"/>
-              </a:ext>
-            </a:extLst>
-          </p:cNvPr>
-          <p:cNvSpPr>
-            <a:spLocks noGrp="1"/>
-          </p:cNvSpPr>
-          <p:nvPr>
-            <p:ph idx="1"/>
-          </p:nvPr>
-        </p:nvSpPr>
-        <p:spPr/>
-        <p:txBody>
-          <a:bodyPr/>
-          <a:lstStyle/>
-          <a:p>
-            <a:endParaRPr lang="en-GB"/>
-          </a:p>
-        </p:txBody>
-      </p:sp>
+      <mc:AlternateContent xmlns:mc="http://schemas.openxmlformats.org/markup-compatibility/2006" xmlns:a14="http://schemas.microsoft.com/office/drawing/2010/main">
+        <mc:Choice Requires="a14">
+          <p:sp>
+            <p:nvSpPr>
+              <p:cNvPr id="3" name="Content Placeholder 2">
+                <a:extLst>
+                  <a:ext uri="{FF2B5EF4-FFF2-40B4-BE49-F238E27FC236}">
+                    <a16:creationId xmlns:a16="http://schemas.microsoft.com/office/drawing/2014/main" id="{7F8694CE-9F05-E1A4-3CBD-A26F62C44254}"/>
+                  </a:ext>
+                </a:extLst>
+              </p:cNvPr>
+              <p:cNvSpPr>
+                <a:spLocks noGrp="1"/>
+              </p:cNvSpPr>
+              <p:nvPr>
+                <p:ph idx="1"/>
+              </p:nvPr>
+            </p:nvSpPr>
+            <p:spPr/>
+            <p:txBody>
+              <a:bodyPr/>
+              <a:lstStyle/>
+              <a:p>
+                <a:r>
+                  <a:rPr lang="en-IN" dirty="0"/>
+                  <a:t>Design a state machine that checks if a binary number has an even number of ones. </a:t>
+                </a:r>
+                <a14:m>
+                  <m:oMath xmlns:m="http://schemas.openxmlformats.org/officeDocument/2006/math">
+                    <m:r>
+                      <m:rPr>
+                        <m:sty m:val="p"/>
+                      </m:rPr>
+                      <a:rPr lang="en-IN" b="0" i="0" smtClean="0">
+                        <a:latin typeface="Cambria Math" panose="02040503050406030204" pitchFamily="18" charset="0"/>
+                      </a:rPr>
+                      <m:t>Σ</m:t>
+                    </m:r>
+                  </m:oMath>
+                </a14:m>
+                <a:r>
+                  <a:rPr lang="en-GB" dirty="0"/>
+                  <a:t> </a:t>
+                </a:r>
+                <a14:m>
+                  <m:oMath xmlns:m="http://schemas.openxmlformats.org/officeDocument/2006/math">
+                    <m:r>
+                      <a:rPr lang="en-IN" b="0" i="1" dirty="0" smtClean="0">
+                        <a:latin typeface="Cambria Math" panose="02040503050406030204" pitchFamily="18" charset="0"/>
+                      </a:rPr>
+                      <m:t>=</m:t>
+                    </m:r>
+                  </m:oMath>
+                </a14:m>
+                <a:r>
+                  <a:rPr lang="en-GB" dirty="0"/>
+                  <a:t> </a:t>
+                </a:r>
+                <a14:m>
+                  <m:oMath xmlns:m="http://schemas.openxmlformats.org/officeDocument/2006/math">
+                    <m:r>
+                      <a:rPr lang="en-IN" b="0" i="1" smtClean="0">
+                        <a:latin typeface="Cambria Math" panose="02040503050406030204" pitchFamily="18" charset="0"/>
+                      </a:rPr>
+                      <m:t>{0,1}</m:t>
+                    </m:r>
+                  </m:oMath>
+                </a14:m>
+                <a:endParaRPr lang="en-GB" dirty="0"/>
+              </a:p>
+              <a:p>
+                <a:r>
+                  <a:rPr lang="en-GB" dirty="0"/>
+                  <a:t>Hint: You do not need the machine to </a:t>
+                </a:r>
+                <a:r>
+                  <a:rPr lang="en-GB" i="1" dirty="0"/>
+                  <a:t>count</a:t>
+                </a:r>
+                <a:r>
+                  <a:rPr lang="en-GB" dirty="0"/>
+                  <a:t> how many ones there are in the string, just whether or not it has an even number of ones</a:t>
+                </a:r>
+              </a:p>
+            </p:txBody>
+          </p:sp>
+        </mc:Choice>
+        <mc:Fallback xmlns="">
+          <p:sp>
+            <p:nvSpPr>
+              <p:cNvPr id="3" name="Content Placeholder 2">
+                <a:extLst>
+                  <a:ext uri="{FF2B5EF4-FFF2-40B4-BE49-F238E27FC236}">
+                    <a16:creationId xmlns:a16="http://schemas.microsoft.com/office/drawing/2014/main" id="{7F8694CE-9F05-E1A4-3CBD-A26F62C44254}"/>
+                  </a:ext>
+                </a:extLst>
+              </p:cNvPr>
+              <p:cNvSpPr>
+                <a:spLocks noGrp="1" noRot="1" noChangeAspect="1" noMove="1" noResize="1" noEditPoints="1" noAdjustHandles="1" noChangeArrowheads="1" noChangeShapeType="1" noTextEdit="1"/>
+              </p:cNvSpPr>
+              <p:nvPr>
+                <p:ph idx="1"/>
+              </p:nvPr>
+            </p:nvSpPr>
+            <p:spPr>
+              <a:blipFill>
+                <a:blip r:embed="rId3"/>
+                <a:stretch>
+                  <a:fillRect l="-1043" r="-986"/>
+                </a:stretch>
+              </a:blipFill>
+            </p:spPr>
+            <p:txBody>
+              <a:bodyPr/>
+              <a:lstStyle/>
+              <a:p>
+                <a:r>
+                  <a:rPr lang="en-GB">
+                    <a:noFill/>
+                  </a:rPr>
+                  <a:t> </a:t>
+                </a:r>
+              </a:p>
+            </p:txBody>
+          </p:sp>
+        </mc:Fallback>
+      </mc:AlternateContent>
     </p:spTree>
     <p:extLst>
       <p:ext uri="{BB962C8B-B14F-4D97-AF65-F5344CB8AC3E}">
-        <p14:creationId xmlns:p14="http://schemas.microsoft.com/office/powerpoint/2010/main" val="937855468"/>
+        <p14:creationId xmlns:p14="http://schemas.microsoft.com/office/powerpoint/2010/main" val="1076194658"/>
       </p:ext>
     </p:extLst>
   </p:cSld>
@@ -6756,7 +9626,7 @@
           <p:cNvPr id="2" name="Title 1">
             <a:extLst>
               <a:ext uri="{FF2B5EF4-FFF2-40B4-BE49-F238E27FC236}">
-                <a16:creationId xmlns:a16="http://schemas.microsoft.com/office/drawing/2014/main" id="{B6EF56E7-1361-BB4E-F4D2-E28021C76A99}"/>
+                <a16:creationId xmlns:a16="http://schemas.microsoft.com/office/drawing/2014/main" id="{53AB34FE-2A84-272A-F5C8-CC8F34A4FEFE}"/>
               </a:ext>
             </a:extLst>
           </p:cNvPr>
@@ -6774,7 +9644,7 @@
           <a:p>
             <a:r>
               <a:rPr lang="en-IN" dirty="0"/>
-              <a:t>Example: Video Game NPC</a:t>
+              <a:t>Regular Languages</a:t>
             </a:r>
             <a:endParaRPr lang="en-GB" dirty="0"/>
           </a:p>
@@ -6785,7 +9655,7 @@
           <p:cNvPr id="3" name="Content Placeholder 2">
             <a:extLst>
               <a:ext uri="{FF2B5EF4-FFF2-40B4-BE49-F238E27FC236}">
-                <a16:creationId xmlns:a16="http://schemas.microsoft.com/office/drawing/2014/main" id="{E33D70A1-221B-F82D-1BAB-599911A77732}"/>
+                <a16:creationId xmlns:a16="http://schemas.microsoft.com/office/drawing/2014/main" id="{CB36E37A-BB9F-1DF5-1143-297DB37E58E5}"/>
               </a:ext>
             </a:extLst>
           </p:cNvPr>
@@ -6801,14 +9671,65 @@
           <a:bodyPr/>
           <a:lstStyle/>
           <a:p>
-            <a:endParaRPr lang="en-GB"/>
+            <a:r>
+              <a:rPr lang="en-IN" dirty="0"/>
+              <a:t>Languages recognized by a finite automaton</a:t>
+            </a:r>
+          </a:p>
+          <a:p>
+            <a:r>
+              <a:rPr lang="en-IN" dirty="0"/>
+              <a:t>What does it mean for a language to be recognized by an automaton</a:t>
+            </a:r>
+          </a:p>
+          <a:p>
+            <a:r>
+              <a:rPr lang="en-IN" i="1" dirty="0"/>
+              <a:t>Equivalent</a:t>
+            </a:r>
+            <a:r>
+              <a:rPr lang="en-IN" dirty="0"/>
+              <a:t> to finite automata</a:t>
+            </a:r>
+          </a:p>
+          <a:p>
+            <a:pPr lvl="1"/>
+            <a:r>
+              <a:rPr lang="en-GB" dirty="0"/>
+              <a:t>One-to-one correspondence</a:t>
+            </a:r>
+          </a:p>
+          <a:p>
+            <a:r>
+              <a:rPr lang="en-GB" dirty="0"/>
+              <a:t>What makes a regular language </a:t>
+            </a:r>
+            <a:r>
+              <a:rPr lang="en-GB" i="1" dirty="0"/>
+              <a:t>regular</a:t>
+            </a:r>
+            <a:r>
+              <a:rPr lang="en-GB" dirty="0"/>
+              <a:t>?</a:t>
+            </a:r>
+          </a:p>
+          <a:p>
+            <a:pPr lvl="1"/>
+            <a:r>
+              <a:rPr lang="en-GB" dirty="0"/>
+              <a:t>Exactly what makes a finite automaton </a:t>
+            </a:r>
+            <a:r>
+              <a:rPr lang="en-GB" i="1" dirty="0"/>
+              <a:t>finite</a:t>
+            </a:r>
           </a:p>
         </p:txBody>
       </p:sp>
     </p:spTree>
     <p:extLst>
       <p:ext uri="{BB962C8B-B14F-4D97-AF65-F5344CB8AC3E}">
-        <p14:creationId xmlns:p14="http://schemas.microsoft.com/office/powerpoint/2010/main" val="4129788088"/>
+        <p14:creationId xmlns:p14="http://schemas.microsoft.com/office/powerpoint/2010/main" val="1529756771"/>
       </p:ext>
     </p:extLst>
   </p:cSld>
@@ -6840,7 +9761,7 @@
           <p:cNvPr id="2" name="Title 1">
             <a:extLst>
               <a:ext uri="{FF2B5EF4-FFF2-40B4-BE49-F238E27FC236}">
-                <a16:creationId xmlns:a16="http://schemas.microsoft.com/office/drawing/2014/main" id="{B6EF56E7-1361-BB4E-F4D2-E28021C76A99}"/>
+                <a16:creationId xmlns:a16="http://schemas.microsoft.com/office/drawing/2014/main" id="{53AB34FE-2A84-272A-F5C8-CC8F34A4FEFE}"/>
               </a:ext>
             </a:extLst>
           </p:cNvPr>
@@ -6858,7 +9779,7 @@
           <a:p>
             <a:r>
               <a:rPr lang="en-IN" dirty="0"/>
-              <a:t>Exercise: Video Game NPC – Add Bribery Mechanism</a:t>
+              <a:t>Regular Expressions</a:t>
             </a:r>
             <a:endParaRPr lang="en-GB" dirty="0"/>
           </a:p>
@@ -6869,7 +9790,7 @@
           <p:cNvPr id="3" name="Content Placeholder 2">
             <a:extLst>
               <a:ext uri="{FF2B5EF4-FFF2-40B4-BE49-F238E27FC236}">
-                <a16:creationId xmlns:a16="http://schemas.microsoft.com/office/drawing/2014/main" id="{E33D70A1-221B-F82D-1BAB-599911A77732}"/>
+                <a16:creationId xmlns:a16="http://schemas.microsoft.com/office/drawing/2014/main" id="{CB36E37A-BB9F-1DF5-1143-297DB37E58E5}"/>
               </a:ext>
             </a:extLst>
           </p:cNvPr>
@@ -6885,14 +9806,51 @@
           <a:bodyPr/>
           <a:lstStyle/>
           <a:p>
-            <a:endParaRPr lang="en-GB"/>
+            <a:r>
+              <a:rPr lang="en-IN" dirty="0"/>
+              <a:t>An algebra for regular languages</a:t>
+            </a:r>
+          </a:p>
+          <a:p>
+            <a:r>
+              <a:rPr lang="en-IN" dirty="0"/>
+              <a:t>The regular operations –</a:t>
+            </a:r>
+          </a:p>
+          <a:p>
+            <a:pPr lvl="1"/>
+            <a:r>
+              <a:rPr lang="en-IN" dirty="0"/>
+              <a:t>Union</a:t>
+            </a:r>
+          </a:p>
+          <a:p>
+            <a:pPr lvl="1"/>
+            <a:r>
+              <a:rPr lang="en-IN" dirty="0"/>
+              <a:t>Kleene Star</a:t>
+            </a:r>
+          </a:p>
+          <a:p>
+            <a:pPr lvl="1"/>
+            <a:r>
+              <a:rPr lang="en-IN" dirty="0"/>
+              <a:t>Concatenation</a:t>
+            </a:r>
+          </a:p>
+          <a:p>
+            <a:r>
+              <a:rPr lang="en-IN" dirty="0"/>
+              <a:t>Construct bigger regular languages from smaller regular languages</a:t>
+            </a:r>
+            <a:endParaRPr lang="en-GB" dirty="0"/>
           </a:p>
         </p:txBody>
       </p:sp>
     </p:spTree>
     <p:extLst>
       <p:ext uri="{BB962C8B-B14F-4D97-AF65-F5344CB8AC3E}">
-        <p14:creationId xmlns:p14="http://schemas.microsoft.com/office/powerpoint/2010/main" val="1586064887"/>
+        <p14:creationId xmlns:p14="http://schemas.microsoft.com/office/powerpoint/2010/main" val="3304414771"/>
       </p:ext>
     </p:extLst>
   </p:cSld>
@@ -6969,7 +9927,59 @@
           <a:bodyPr/>
           <a:lstStyle/>
           <a:p>
-            <a:endParaRPr lang="en-GB" dirty="0"/>
+            <a:r>
+              <a:rPr lang="en-IN" dirty="0"/>
+              <a:t>What </a:t>
+            </a:r>
+            <a:r>
+              <a:rPr lang="en-IN" i="1" dirty="0"/>
+              <a:t>is</a:t>
+            </a:r>
+            <a:r>
+              <a:rPr lang="en-IN" dirty="0"/>
+              <a:t> a computer? What does it </a:t>
+            </a:r>
+            <a:r>
+              <a:rPr lang="en-IN" i="1" dirty="0"/>
+              <a:t>mean</a:t>
+            </a:r>
+            <a:r>
+              <a:rPr lang="en-IN" dirty="0"/>
+              <a:t> to compute?</a:t>
+            </a:r>
+          </a:p>
+          <a:p>
+            <a:r>
+              <a:rPr lang="en-IN" dirty="0"/>
+              <a:t>How do we talk about computation in a </a:t>
+            </a:r>
+            <a:r>
+              <a:rPr lang="en-IN" i="1" dirty="0"/>
+              <a:t>grounded</a:t>
+            </a:r>
+            <a:r>
+              <a:rPr lang="en-IN" dirty="0"/>
+              <a:t> manner</a:t>
+            </a:r>
+          </a:p>
+          <a:p>
+            <a:pPr lvl="1"/>
+            <a:r>
+              <a:rPr lang="en-IN" dirty="0"/>
+              <a:t>i.e., unambiguous and rigorously defined</a:t>
+            </a:r>
+          </a:p>
+          <a:p>
+            <a:r>
+              <a:rPr lang="en-GB" dirty="0"/>
+              <a:t>What is a model of a computer? What are the different models of 	computation</a:t>
+            </a:r>
+          </a:p>
+          <a:p>
+            <a:r>
+              <a:rPr lang="en-GB" dirty="0"/>
+              <a:t>Why would we choose one model of computation over another?</a:t>
+            </a:r>
           </a:p>
         </p:txBody>
       </p:sp>
@@ -6991,7 +10001,13 @@
   <p:cSld>
     <p:spTree>
       <p:nvGrpSpPr>
-        <p:cNvPr id="1" name=""/>
+        <p:cNvPr id="1" name="">
+          <a:extLst>
+            <a:ext uri="{FF2B5EF4-FFF2-40B4-BE49-F238E27FC236}">
+              <a16:creationId xmlns:a16="http://schemas.microsoft.com/office/drawing/2014/main" id="{1EC64833-3199-571D-F106-8DEB41FAB92C}"/>
+            </a:ext>
+          </a:extLst>
+        </p:cNvPr>
         <p:cNvGrpSpPr/>
         <p:nvPr/>
       </p:nvGrpSpPr>
@@ -7008,39 +10024,487 @@
           <p:cNvPr id="2" name="Title 1">
             <a:extLst>
               <a:ext uri="{FF2B5EF4-FFF2-40B4-BE49-F238E27FC236}">
-                <a16:creationId xmlns:a16="http://schemas.microsoft.com/office/drawing/2014/main" id="{14130E6E-682F-EA6D-3D0A-685BB25C4E88}"/>
-              </a:ext>
-            </a:extLst>
-          </p:cNvPr>
-          <p:cNvSpPr>
-            <a:spLocks noGrp="1"/>
-          </p:cNvSpPr>
-          <p:nvPr>
-            <p:ph type="ctrTitle"/>
-          </p:nvPr>
-        </p:nvSpPr>
-        <p:spPr>
-          <a:xfrm>
-            <a:off x="1524000" y="2235200"/>
-            <a:ext cx="9144000" cy="2387600"/>
-          </a:xfrm>
-        </p:spPr>
-        <p:txBody>
-          <a:bodyPr anchor="ctr"/>
+                <a16:creationId xmlns:a16="http://schemas.microsoft.com/office/drawing/2014/main" id="{CCC673AA-7AD9-24F4-F64D-A396AE776610}"/>
+              </a:ext>
+            </a:extLst>
+          </p:cNvPr>
+          <p:cNvSpPr>
+            <a:spLocks noGrp="1"/>
+          </p:cNvSpPr>
+          <p:nvPr>
+            <p:ph type="title"/>
+          </p:nvPr>
+        </p:nvSpPr>
+        <p:spPr/>
+        <p:txBody>
+          <a:bodyPr/>
           <a:lstStyle/>
           <a:p>
             <a:r>
               <a:rPr lang="en-IN" dirty="0"/>
-              <a:t>Applications</a:t>
+              <a:t>Regular Expression</a:t>
             </a:r>
             <a:endParaRPr lang="en-GB" dirty="0"/>
           </a:p>
         </p:txBody>
       </p:sp>
+      <mc:AlternateContent xmlns:mc="http://schemas.openxmlformats.org/markup-compatibility/2006">
+        <mc:Choice xmlns:a14="http://schemas.microsoft.com/office/drawing/2010/main" Requires="a14">
+          <p:sp>
+            <p:nvSpPr>
+              <p:cNvPr id="3" name="Content Placeholder 2">
+                <a:extLst>
+                  <a:ext uri="{FF2B5EF4-FFF2-40B4-BE49-F238E27FC236}">
+                    <a16:creationId xmlns:a16="http://schemas.microsoft.com/office/drawing/2014/main" id="{1C6ABB21-A3E4-4519-DF09-17AA0752B1E4}"/>
+                  </a:ext>
+                </a:extLst>
+              </p:cNvPr>
+              <p:cNvSpPr>
+                <a:spLocks noGrp="1"/>
+              </p:cNvSpPr>
+              <p:nvPr>
+                <p:ph idx="1"/>
+              </p:nvPr>
+            </p:nvSpPr>
+            <p:spPr/>
+            <p:txBody>
+              <a:bodyPr/>
+              <a:lstStyle/>
+              <a:p>
+                <a14:m>
+                  <m:oMath xmlns:m="http://schemas.openxmlformats.org/officeDocument/2006/math">
+                    <m:r>
+                      <a:rPr lang="en-IN" b="0" i="1" smtClean="0">
+                        <a:latin typeface="Cambria Math" panose="02040503050406030204" pitchFamily="18" charset="0"/>
+                      </a:rPr>
+                      <m:t>𝑅</m:t>
+                    </m:r>
+                  </m:oMath>
+                </a14:m>
+                <a:r>
+                  <a:rPr lang="en-GB" dirty="0"/>
+                  <a:t> is a regular expression if</a:t>
+                </a:r>
+                <a:r>
+                  <a:rPr lang="en-GB" i="1" dirty="0"/>
+                  <a:t> </a:t>
+                </a:r>
+                <a14:m>
+                  <m:oMath xmlns:m="http://schemas.openxmlformats.org/officeDocument/2006/math">
+                    <m:r>
+                      <a:rPr lang="en-IN" b="0" i="1" smtClean="0">
+                        <a:latin typeface="Cambria Math" panose="02040503050406030204" pitchFamily="18" charset="0"/>
+                      </a:rPr>
+                      <m:t>𝑅</m:t>
+                    </m:r>
+                  </m:oMath>
+                </a14:m>
+                <a:r>
+                  <a:rPr lang="en-GB" dirty="0"/>
+                  <a:t> is (</a:t>
+                </a:r>
+                <a14:m>
+                  <m:oMath xmlns:m="http://schemas.openxmlformats.org/officeDocument/2006/math">
+                    <m:sSub>
+                      <m:sSubPr>
+                        <m:ctrlPr>
+                          <a:rPr lang="en-IN" b="0" i="1" smtClean="0">
+                            <a:latin typeface="Cambria Math" panose="02040503050406030204" pitchFamily="18" charset="0"/>
+                          </a:rPr>
+                        </m:ctrlPr>
+                      </m:sSubPr>
+                      <m:e>
+                        <m:r>
+                          <a:rPr lang="en-IN" b="0" i="1" smtClean="0">
+                            <a:latin typeface="Cambria Math" panose="02040503050406030204" pitchFamily="18" charset="0"/>
+                          </a:rPr>
+                          <m:t>𝑅</m:t>
+                        </m:r>
+                      </m:e>
+                      <m:sub>
+                        <m:r>
+                          <a:rPr lang="en-IN" b="0" i="1" smtClean="0">
+                            <a:latin typeface="Cambria Math" panose="02040503050406030204" pitchFamily="18" charset="0"/>
+                          </a:rPr>
+                          <m:t>1</m:t>
+                        </m:r>
+                      </m:sub>
+                    </m:sSub>
+                  </m:oMath>
+                </a14:m>
+                <a:r>
+                  <a:rPr lang="en-GB" dirty="0"/>
+                  <a:t> and </a:t>
+                </a:r>
+                <a14:m>
+                  <m:oMath xmlns:m="http://schemas.openxmlformats.org/officeDocument/2006/math">
+                    <m:sSub>
+                      <m:sSubPr>
+                        <m:ctrlPr>
+                          <a:rPr lang="en-IN" b="0" i="1" smtClean="0">
+                            <a:latin typeface="Cambria Math" panose="02040503050406030204" pitchFamily="18" charset="0"/>
+                          </a:rPr>
+                        </m:ctrlPr>
+                      </m:sSubPr>
+                      <m:e>
+                        <m:r>
+                          <a:rPr lang="en-IN" b="0" i="1" smtClean="0">
+                            <a:latin typeface="Cambria Math" panose="02040503050406030204" pitchFamily="18" charset="0"/>
+                          </a:rPr>
+                          <m:t>𝑅</m:t>
+                        </m:r>
+                      </m:e>
+                      <m:sub>
+                        <m:r>
+                          <a:rPr lang="en-IN" b="0" i="1" smtClean="0">
+                            <a:latin typeface="Cambria Math" panose="02040503050406030204" pitchFamily="18" charset="0"/>
+                          </a:rPr>
+                          <m:t>2</m:t>
+                        </m:r>
+                      </m:sub>
+                    </m:sSub>
+                  </m:oMath>
+                </a14:m>
+                <a:r>
+                  <a:rPr lang="en-GB" dirty="0"/>
+                  <a:t> are other regular expressions)</a:t>
+                </a:r>
+              </a:p>
+              <a:p>
+                <a:pPr lvl="1"/>
+                <a14:m>
+                  <m:oMath xmlns:m="http://schemas.openxmlformats.org/officeDocument/2006/math">
+                    <m:r>
+                      <a:rPr lang="en-IN" b="0" i="1" smtClean="0">
+                        <a:latin typeface="Cambria Math" panose="02040503050406030204" pitchFamily="18" charset="0"/>
+                      </a:rPr>
+                      <m:t>𝑎</m:t>
+                    </m:r>
+                  </m:oMath>
+                </a14:m>
+                <a:r>
+                  <a:rPr lang="en-GB" dirty="0"/>
+                  <a:t> for some </a:t>
+                </a:r>
+                <a14:m>
+                  <m:oMath xmlns:m="http://schemas.openxmlformats.org/officeDocument/2006/math">
+                    <m:r>
+                      <a:rPr lang="en-IN" b="0" i="1" smtClean="0">
+                        <a:latin typeface="Cambria Math" panose="02040503050406030204" pitchFamily="18" charset="0"/>
+                      </a:rPr>
+                      <m:t>𝑎</m:t>
+                    </m:r>
+                    <m:r>
+                      <a:rPr lang="en-IN" b="0" i="1" smtClean="0">
+                        <a:latin typeface="Cambria Math" panose="02040503050406030204" pitchFamily="18" charset="0"/>
+                      </a:rPr>
+                      <m:t> ∈</m:t>
+                    </m:r>
+                    <m:r>
+                      <m:rPr>
+                        <m:sty m:val="p"/>
+                      </m:rPr>
+                      <a:rPr lang="en-IN" b="0" i="0" smtClean="0">
+                        <a:latin typeface="Cambria Math" panose="02040503050406030204" pitchFamily="18" charset="0"/>
+                        <a:ea typeface="Cambria Math" panose="02040503050406030204" pitchFamily="18" charset="0"/>
+                      </a:rPr>
+                      <m:t>Σ</m:t>
+                    </m:r>
+                  </m:oMath>
+                </a14:m>
+                <a:endParaRPr lang="en-IN" b="0" dirty="0">
+                  <a:ea typeface="Cambria Math" panose="02040503050406030204" pitchFamily="18" charset="0"/>
+                </a:endParaRPr>
+              </a:p>
+              <a:p>
+                <a:pPr lvl="1"/>
+                <a14:m>
+                  <m:oMath xmlns:m="http://schemas.openxmlformats.org/officeDocument/2006/math">
+                    <m:r>
+                      <a:rPr lang="en-GB" i="1" smtClean="0">
+                        <a:latin typeface="Cambria Math" panose="02040503050406030204" pitchFamily="18" charset="0"/>
+                        <a:ea typeface="Cambria Math" panose="02040503050406030204" pitchFamily="18" charset="0"/>
+                      </a:rPr>
+                      <m:t>𝜀</m:t>
+                    </m:r>
+                  </m:oMath>
+                </a14:m>
+                <a:endParaRPr lang="en-GB" dirty="0"/>
+              </a:p>
+              <a:p>
+                <a:pPr lvl="1"/>
+                <a14:m>
+                  <m:oMath xmlns:m="http://schemas.openxmlformats.org/officeDocument/2006/math">
+                    <m:r>
+                      <a:rPr lang="en-IN" i="1" smtClean="0">
+                        <a:latin typeface="Cambria Math" panose="02040503050406030204" pitchFamily="18" charset="0"/>
+                        <a:ea typeface="Cambria Math" panose="02040503050406030204" pitchFamily="18" charset="0"/>
+                      </a:rPr>
+                      <m:t>Ø</m:t>
+                    </m:r>
+                  </m:oMath>
+                </a14:m>
+                <a:endParaRPr lang="en-GB" dirty="0"/>
+              </a:p>
+              <a:p>
+                <a:pPr lvl="1"/>
+                <a14:m>
+                  <m:oMath xmlns:m="http://schemas.openxmlformats.org/officeDocument/2006/math">
+                    <m:r>
+                      <a:rPr lang="en-IN" b="0" i="1" smtClean="0">
+                        <a:latin typeface="Cambria Math" panose="02040503050406030204" pitchFamily="18" charset="0"/>
+                      </a:rPr>
+                      <m:t>(</m:t>
+                    </m:r>
+                    <m:sSub>
+                      <m:sSubPr>
+                        <m:ctrlPr>
+                          <a:rPr lang="en-IN" b="0" i="1" smtClean="0">
+                            <a:latin typeface="Cambria Math" panose="02040503050406030204" pitchFamily="18" charset="0"/>
+                          </a:rPr>
+                        </m:ctrlPr>
+                      </m:sSubPr>
+                      <m:e>
+                        <m:r>
+                          <a:rPr lang="en-IN" b="0" i="1" smtClean="0">
+                            <a:latin typeface="Cambria Math" panose="02040503050406030204" pitchFamily="18" charset="0"/>
+                          </a:rPr>
+                          <m:t>𝑅</m:t>
+                        </m:r>
+                      </m:e>
+                      <m:sub>
+                        <m:r>
+                          <a:rPr lang="en-IN" b="0" i="1" smtClean="0">
+                            <a:latin typeface="Cambria Math" panose="02040503050406030204" pitchFamily="18" charset="0"/>
+                          </a:rPr>
+                          <m:t>1</m:t>
+                        </m:r>
+                      </m:sub>
+                    </m:sSub>
+                    <m:r>
+                      <a:rPr lang="en-IN" i="1">
+                        <a:latin typeface="Cambria Math" panose="02040503050406030204" pitchFamily="18" charset="0"/>
+                        <a:ea typeface="Cambria Math" panose="02040503050406030204" pitchFamily="18" charset="0"/>
+                      </a:rPr>
+                      <m:t>∪</m:t>
+                    </m:r>
+                    <m:sSub>
+                      <m:sSubPr>
+                        <m:ctrlPr>
+                          <a:rPr lang="en-IN" b="0" i="1" smtClean="0">
+                            <a:latin typeface="Cambria Math" panose="02040503050406030204" pitchFamily="18" charset="0"/>
+                            <a:ea typeface="Cambria Math" panose="02040503050406030204" pitchFamily="18" charset="0"/>
+                          </a:rPr>
+                        </m:ctrlPr>
+                      </m:sSubPr>
+                      <m:e>
+                        <m:r>
+                          <a:rPr lang="en-IN" b="0" i="1" smtClean="0">
+                            <a:latin typeface="Cambria Math" panose="02040503050406030204" pitchFamily="18" charset="0"/>
+                            <a:ea typeface="Cambria Math" panose="02040503050406030204" pitchFamily="18" charset="0"/>
+                          </a:rPr>
+                          <m:t>𝑅</m:t>
+                        </m:r>
+                      </m:e>
+                      <m:sub>
+                        <m:r>
+                          <a:rPr lang="en-IN" b="0" i="1" smtClean="0">
+                            <a:latin typeface="Cambria Math" panose="02040503050406030204" pitchFamily="18" charset="0"/>
+                            <a:ea typeface="Cambria Math" panose="02040503050406030204" pitchFamily="18" charset="0"/>
+                          </a:rPr>
+                          <m:t>2</m:t>
+                        </m:r>
+                      </m:sub>
+                    </m:sSub>
+                    <m:r>
+                      <a:rPr lang="en-IN" b="0" i="1" smtClean="0">
+                        <a:latin typeface="Cambria Math" panose="02040503050406030204" pitchFamily="18" charset="0"/>
+                      </a:rPr>
+                      <m:t>)</m:t>
+                    </m:r>
+                  </m:oMath>
+                </a14:m>
+                <a:endParaRPr lang="en-GB" dirty="0"/>
+              </a:p>
+              <a:p>
+                <a:pPr lvl="1"/>
+                <a14:m>
+                  <m:oMath xmlns:m="http://schemas.openxmlformats.org/officeDocument/2006/math">
+                    <m:r>
+                      <a:rPr lang="en-IN" b="0" i="1" smtClean="0">
+                        <a:latin typeface="Cambria Math" panose="02040503050406030204" pitchFamily="18" charset="0"/>
+                      </a:rPr>
+                      <m:t>(</m:t>
+                    </m:r>
+                    <m:sSub>
+                      <m:sSubPr>
+                        <m:ctrlPr>
+                          <a:rPr lang="en-IN" b="0" i="1" smtClean="0">
+                            <a:latin typeface="Cambria Math" panose="02040503050406030204" pitchFamily="18" charset="0"/>
+                          </a:rPr>
+                        </m:ctrlPr>
+                      </m:sSubPr>
+                      <m:e>
+                        <m:r>
+                          <a:rPr lang="en-IN" b="0" i="1" smtClean="0">
+                            <a:latin typeface="Cambria Math" panose="02040503050406030204" pitchFamily="18" charset="0"/>
+                          </a:rPr>
+                          <m:t>𝑅</m:t>
+                        </m:r>
+                      </m:e>
+                      <m:sub>
+                        <m:r>
+                          <a:rPr lang="en-IN" b="0" i="1" smtClean="0">
+                            <a:latin typeface="Cambria Math" panose="02040503050406030204" pitchFamily="18" charset="0"/>
+                          </a:rPr>
+                          <m:t>1</m:t>
+                        </m:r>
+                      </m:sub>
+                    </m:sSub>
+                    <m:r>
+                      <a:rPr lang="en-IN" i="1" smtClean="0">
+                        <a:latin typeface="Cambria Math" panose="02040503050406030204" pitchFamily="18" charset="0"/>
+                        <a:ea typeface="Cambria Math" panose="02040503050406030204" pitchFamily="18" charset="0"/>
+                      </a:rPr>
+                      <m:t>∘</m:t>
+                    </m:r>
+                    <m:sSub>
+                      <m:sSubPr>
+                        <m:ctrlPr>
+                          <a:rPr lang="en-IN" b="0" i="1" smtClean="0">
+                            <a:latin typeface="Cambria Math" panose="02040503050406030204" pitchFamily="18" charset="0"/>
+                            <a:ea typeface="Cambria Math" panose="02040503050406030204" pitchFamily="18" charset="0"/>
+                          </a:rPr>
+                        </m:ctrlPr>
+                      </m:sSubPr>
+                      <m:e>
+                        <m:r>
+                          <a:rPr lang="en-IN" b="0" i="1" smtClean="0">
+                            <a:latin typeface="Cambria Math" panose="02040503050406030204" pitchFamily="18" charset="0"/>
+                            <a:ea typeface="Cambria Math" panose="02040503050406030204" pitchFamily="18" charset="0"/>
+                          </a:rPr>
+                          <m:t>𝑅</m:t>
+                        </m:r>
+                      </m:e>
+                      <m:sub>
+                        <m:r>
+                          <a:rPr lang="en-IN" b="0" i="1" smtClean="0">
+                            <a:latin typeface="Cambria Math" panose="02040503050406030204" pitchFamily="18" charset="0"/>
+                            <a:ea typeface="Cambria Math" panose="02040503050406030204" pitchFamily="18" charset="0"/>
+                          </a:rPr>
+                          <m:t>2</m:t>
+                        </m:r>
+                      </m:sub>
+                    </m:sSub>
+                    <m:r>
+                      <a:rPr lang="en-IN" b="0" i="1" smtClean="0">
+                        <a:latin typeface="Cambria Math" panose="02040503050406030204" pitchFamily="18" charset="0"/>
+                      </a:rPr>
+                      <m:t>)</m:t>
+                    </m:r>
+                  </m:oMath>
+                </a14:m>
+                <a:endParaRPr lang="en-GB" dirty="0"/>
+              </a:p>
+              <a:p>
+                <a:pPr lvl="1"/>
+                <a14:m>
+                  <m:oMath xmlns:m="http://schemas.openxmlformats.org/officeDocument/2006/math">
+                    <m:r>
+                      <a:rPr lang="en-IN" b="0" i="1" smtClean="0">
+                        <a:latin typeface="Cambria Math" panose="02040503050406030204" pitchFamily="18" charset="0"/>
+                      </a:rPr>
+                      <m:t>(</m:t>
+                    </m:r>
+                    <m:sSub>
+                      <m:sSubPr>
+                        <m:ctrlPr>
+                          <a:rPr lang="en-IN" b="0" i="1" smtClean="0">
+                            <a:latin typeface="Cambria Math" panose="02040503050406030204" pitchFamily="18" charset="0"/>
+                          </a:rPr>
+                        </m:ctrlPr>
+                      </m:sSubPr>
+                      <m:e>
+                        <m:r>
+                          <a:rPr lang="en-IN" b="0" i="1" smtClean="0">
+                            <a:latin typeface="Cambria Math" panose="02040503050406030204" pitchFamily="18" charset="0"/>
+                          </a:rPr>
+                          <m:t>𝑅</m:t>
+                        </m:r>
+                      </m:e>
+                      <m:sub>
+                        <m:r>
+                          <a:rPr lang="en-IN" b="0" i="1" smtClean="0">
+                            <a:latin typeface="Cambria Math" panose="02040503050406030204" pitchFamily="18" charset="0"/>
+                          </a:rPr>
+                          <m:t>1</m:t>
+                        </m:r>
+                      </m:sub>
+                    </m:sSub>
+                    <m:r>
+                      <a:rPr lang="en-IN" b="0" i="1" smtClean="0">
+                        <a:latin typeface="Cambria Math" panose="02040503050406030204" pitchFamily="18" charset="0"/>
+                        <a:ea typeface="Cambria Math" panose="02040503050406030204" pitchFamily="18" charset="0"/>
+                      </a:rPr>
+                      <m:t>∗</m:t>
+                    </m:r>
+                    <m:r>
+                      <a:rPr lang="en-IN" b="0" i="1" smtClean="0">
+                        <a:latin typeface="Cambria Math" panose="02040503050406030204" pitchFamily="18" charset="0"/>
+                      </a:rPr>
+                      <m:t>)</m:t>
+                    </m:r>
+                  </m:oMath>
+                </a14:m>
+                <a:endParaRPr lang="en-GB" dirty="0"/>
+              </a:p>
+            </p:txBody>
+          </p:sp>
+        </mc:Choice>
+        <mc:Fallback>
+          <p:sp>
+            <p:nvSpPr>
+              <p:cNvPr id="3" name="Content Placeholder 2">
+                <a:extLst>
+                  <a:ext uri="{FF2B5EF4-FFF2-40B4-BE49-F238E27FC236}">
+                    <a16:creationId xmlns:a16="http://schemas.microsoft.com/office/drawing/2014/main" id="{1C6ABB21-A3E4-4519-DF09-17AA0752B1E4}"/>
+                  </a:ext>
+                </a:extLst>
+              </p:cNvPr>
+              <p:cNvSpPr>
+                <a:spLocks noGrp="1" noRot="1" noChangeAspect="1" noMove="1" noResize="1" noEditPoints="1" noAdjustHandles="1" noChangeArrowheads="1" noChangeShapeType="1" noTextEdit="1"/>
+              </p:cNvSpPr>
+              <p:nvPr>
+                <p:ph idx="1"/>
+              </p:nvPr>
+            </p:nvSpPr>
+            <p:spPr>
+              <a:blipFill>
+                <a:blip r:embed="rId3"/>
+                <a:stretch>
+                  <a:fillRect/>
+                </a:stretch>
+              </a:blipFill>
+            </p:spPr>
+            <p:txBody>
+              <a:bodyPr/>
+              <a:lstStyle/>
+              <a:p>
+                <a:r>
+                  <a:rPr lang="en-GB">
+                    <a:noFill/>
+                  </a:rPr>
+                  <a:t> </a:t>
+                </a:r>
+              </a:p>
+            </p:txBody>
+          </p:sp>
+        </mc:Fallback>
+      </mc:AlternateContent>
     </p:spTree>
     <p:extLst>
       <p:ext uri="{BB962C8B-B14F-4D97-AF65-F5344CB8AC3E}">
-        <p14:creationId xmlns:p14="http://schemas.microsoft.com/office/powerpoint/2010/main" val="4000572613"/>
+        <p14:creationId xmlns:p14="http://schemas.microsoft.com/office/powerpoint/2010/main" val="660272963"/>
       </p:ext>
     </p:extLst>
   </p:cSld>
@@ -7072,59 +10536,39 @@
           <p:cNvPr id="2" name="Title 1">
             <a:extLst>
               <a:ext uri="{FF2B5EF4-FFF2-40B4-BE49-F238E27FC236}">
-                <a16:creationId xmlns:a16="http://schemas.microsoft.com/office/drawing/2014/main" id="{B6EF56E7-1361-BB4E-F4D2-E28021C76A99}"/>
-              </a:ext>
-            </a:extLst>
-          </p:cNvPr>
-          <p:cNvSpPr>
-            <a:spLocks noGrp="1"/>
-          </p:cNvSpPr>
-          <p:nvPr>
-            <p:ph type="title"/>
-          </p:nvPr>
-        </p:nvSpPr>
-        <p:spPr/>
-        <p:txBody>
-          <a:bodyPr/>
-          <a:lstStyle/>
-          <a:p>
-            <a:r>
-              <a:rPr lang="en-IN" dirty="0"/>
-              <a:t>Modelling State Machines in Python</a:t>
+                <a16:creationId xmlns:a16="http://schemas.microsoft.com/office/drawing/2014/main" id="{14130E6E-682F-EA6D-3D0A-685BB25C4E88}"/>
+              </a:ext>
+            </a:extLst>
+          </p:cNvPr>
+          <p:cNvSpPr>
+            <a:spLocks noGrp="1"/>
+          </p:cNvSpPr>
+          <p:nvPr>
+            <p:ph type="ctrTitle"/>
+          </p:nvPr>
+        </p:nvSpPr>
+        <p:spPr>
+          <a:xfrm>
+            <a:off x="1524000" y="2235200"/>
+            <a:ext cx="9144000" cy="2387600"/>
+          </a:xfrm>
+        </p:spPr>
+        <p:txBody>
+          <a:bodyPr anchor="ctr"/>
+          <a:lstStyle/>
+          <a:p>
+            <a:r>
+              <a:rPr lang="en-IN" dirty="0" err="1"/>
+              <a:t>RegEx</a:t>
             </a:r>
             <a:endParaRPr lang="en-GB" dirty="0"/>
-          </a:p>
-        </p:txBody>
-      </p:sp>
-      <p:sp>
-        <p:nvSpPr>
-          <p:cNvPr id="3" name="Content Placeholder 2">
-            <a:extLst>
-              <a:ext uri="{FF2B5EF4-FFF2-40B4-BE49-F238E27FC236}">
-                <a16:creationId xmlns:a16="http://schemas.microsoft.com/office/drawing/2014/main" id="{E33D70A1-221B-F82D-1BAB-599911A77732}"/>
-              </a:ext>
-            </a:extLst>
-          </p:cNvPr>
-          <p:cNvSpPr>
-            <a:spLocks noGrp="1"/>
-          </p:cNvSpPr>
-          <p:nvPr>
-            <p:ph idx="1"/>
-          </p:nvPr>
-        </p:nvSpPr>
-        <p:spPr/>
-        <p:txBody>
-          <a:bodyPr/>
-          <a:lstStyle/>
-          <a:p>
-            <a:endParaRPr lang="en-GB"/>
           </a:p>
         </p:txBody>
       </p:sp>
     </p:spTree>
     <p:extLst>
       <p:ext uri="{BB962C8B-B14F-4D97-AF65-F5344CB8AC3E}">
-        <p14:creationId xmlns:p14="http://schemas.microsoft.com/office/powerpoint/2010/main" val="2008741535"/>
+        <p14:creationId xmlns:p14="http://schemas.microsoft.com/office/powerpoint/2010/main" val="2324592577"/>
       </p:ext>
     </p:extLst>
   </p:cSld>
@@ -7156,7 +10600,7 @@
           <p:cNvPr id="2" name="Title 1">
             <a:extLst>
               <a:ext uri="{FF2B5EF4-FFF2-40B4-BE49-F238E27FC236}">
-                <a16:creationId xmlns:a16="http://schemas.microsoft.com/office/drawing/2014/main" id="{EFBAE648-D2A0-7C84-C483-77373AF1A326}"/>
+                <a16:creationId xmlns:a16="http://schemas.microsoft.com/office/drawing/2014/main" id="{C8FEB748-008B-781D-3512-4EDD2767E14D}"/>
               </a:ext>
             </a:extLst>
           </p:cNvPr>
@@ -7172,47 +10616,79 @@
           <a:bodyPr/>
           <a:lstStyle/>
           <a:p>
+            <a:r>
+              <a:rPr lang="en-IN" dirty="0"/>
+              <a:t>What is a </a:t>
+            </a:r>
             <a:r>
               <a:rPr lang="en-IN" dirty="0" err="1"/>
               <a:t>RegEx</a:t>
             </a:r>
+            <a:endParaRPr lang="en-GB" dirty="0"/>
+          </a:p>
+        </p:txBody>
+      </p:sp>
+      <p:sp>
+        <p:nvSpPr>
+          <p:cNvPr id="3" name="Content Placeholder 2">
+            <a:extLst>
+              <a:ext uri="{FF2B5EF4-FFF2-40B4-BE49-F238E27FC236}">
+                <a16:creationId xmlns:a16="http://schemas.microsoft.com/office/drawing/2014/main" id="{52ACDE86-DCE4-3487-E6AA-F9F4BED6E955}"/>
+              </a:ext>
+            </a:extLst>
+          </p:cNvPr>
+          <p:cNvSpPr>
+            <a:spLocks noGrp="1"/>
+          </p:cNvSpPr>
+          <p:nvPr>
+            <p:ph idx="1"/>
+          </p:nvPr>
+        </p:nvSpPr>
+        <p:spPr/>
+        <p:txBody>
+          <a:bodyPr/>
+          <a:lstStyle/>
+          <a:p>
             <a:r>
               <a:rPr lang="en-IN" dirty="0"/>
-              <a:t> in Python</a:t>
+              <a:t>One of the most useful things FSAs do is recognize patterns in strings</a:t>
+            </a:r>
+          </a:p>
+          <a:p>
+            <a:pPr lvl="1"/>
+            <a:r>
+              <a:rPr lang="en-IN" dirty="0"/>
+              <a:t>This is almost a literal programming equivalent of </a:t>
+            </a:r>
+            <a:r>
+              <a:rPr lang="en-IN" i="1" dirty="0"/>
+              <a:t>language recognition</a:t>
+            </a:r>
+          </a:p>
+          <a:p>
+            <a:r>
+              <a:rPr lang="en-IN" dirty="0" err="1"/>
+              <a:t>RegEx</a:t>
+            </a:r>
+            <a:r>
+              <a:rPr lang="en-IN" dirty="0"/>
+              <a:t> evolved out of regular expressions, but have diverged significantly since</a:t>
+            </a:r>
+          </a:p>
+          <a:p>
+            <a:pPr lvl="1"/>
+            <a:r>
+              <a:rPr lang="en-IN" dirty="0"/>
+              <a:t>Most common implementations can recognize more than just regular languages</a:t>
             </a:r>
             <a:endParaRPr lang="en-GB" dirty="0"/>
-          </a:p>
-        </p:txBody>
-      </p:sp>
-      <p:sp>
-        <p:nvSpPr>
-          <p:cNvPr id="3" name="Content Placeholder 2">
-            <a:extLst>
-              <a:ext uri="{FF2B5EF4-FFF2-40B4-BE49-F238E27FC236}">
-                <a16:creationId xmlns:a16="http://schemas.microsoft.com/office/drawing/2014/main" id="{22F5DB3B-0947-8E4D-7C11-5470199E1067}"/>
-              </a:ext>
-            </a:extLst>
-          </p:cNvPr>
-          <p:cNvSpPr>
-            <a:spLocks noGrp="1"/>
-          </p:cNvSpPr>
-          <p:nvPr>
-            <p:ph idx="1"/>
-          </p:nvPr>
-        </p:nvSpPr>
-        <p:spPr/>
-        <p:txBody>
-          <a:bodyPr/>
-          <a:lstStyle/>
-          <a:p>
-            <a:endParaRPr lang="en-GB"/>
           </a:p>
         </p:txBody>
       </p:sp>
     </p:spTree>
     <p:extLst>
       <p:ext uri="{BB962C8B-B14F-4D97-AF65-F5344CB8AC3E}">
-        <p14:creationId xmlns:p14="http://schemas.microsoft.com/office/powerpoint/2010/main" val="2569590476"/>
+        <p14:creationId xmlns:p14="http://schemas.microsoft.com/office/powerpoint/2010/main" val="534085924"/>
       </p:ext>
     </p:extLst>
   </p:cSld>
@@ -7244,31 +10720,99 @@
           <p:cNvPr id="2" name="Title 1">
             <a:extLst>
               <a:ext uri="{FF2B5EF4-FFF2-40B4-BE49-F238E27FC236}">
-                <a16:creationId xmlns:a16="http://schemas.microsoft.com/office/drawing/2014/main" id="{14130E6E-682F-EA6D-3D0A-685BB25C4E88}"/>
-              </a:ext>
-            </a:extLst>
-          </p:cNvPr>
-          <p:cNvSpPr>
-            <a:spLocks noGrp="1"/>
-          </p:cNvSpPr>
-          <p:nvPr>
-            <p:ph type="ctrTitle"/>
-          </p:nvPr>
-        </p:nvSpPr>
-        <p:spPr>
-          <a:xfrm>
-            <a:off x="1524000" y="2235200"/>
-            <a:ext cx="9144000" cy="2387600"/>
-          </a:xfrm>
-        </p:spPr>
-        <p:txBody>
-          <a:bodyPr anchor="ctr"/>
-          <a:lstStyle/>
-          <a:p>
+                <a16:creationId xmlns:a16="http://schemas.microsoft.com/office/drawing/2014/main" id="{B6EF56E7-1361-BB4E-F4D2-E28021C76A99}"/>
+              </a:ext>
+            </a:extLst>
+          </p:cNvPr>
+          <p:cNvSpPr>
+            <a:spLocks noGrp="1"/>
+          </p:cNvSpPr>
+          <p:nvPr>
+            <p:ph type="title"/>
+          </p:nvPr>
+        </p:nvSpPr>
+        <p:spPr/>
+        <p:txBody>
+          <a:bodyPr/>
+          <a:lstStyle/>
+          <a:p>
+            <a:r>
+              <a:rPr lang="en-IN" dirty="0" err="1"/>
+              <a:t>RegEx</a:t>
+            </a:r>
             <a:r>
               <a:rPr lang="en-IN" dirty="0"/>
-              <a:t>More Theory</a:t>
-            </a:r>
+              <a:t> Blitz</a:t>
+            </a:r>
+            <a:endParaRPr lang="en-GB" dirty="0"/>
+          </a:p>
+        </p:txBody>
+      </p:sp>
+      <p:sp>
+        <p:nvSpPr>
+          <p:cNvPr id="3" name="Content Placeholder 2">
+            <a:extLst>
+              <a:ext uri="{FF2B5EF4-FFF2-40B4-BE49-F238E27FC236}">
+                <a16:creationId xmlns:a16="http://schemas.microsoft.com/office/drawing/2014/main" id="{E33D70A1-221B-F82D-1BAB-599911A77732}"/>
+              </a:ext>
+            </a:extLst>
+          </p:cNvPr>
+          <p:cNvSpPr>
+            <a:spLocks noGrp="1"/>
+          </p:cNvSpPr>
+          <p:nvPr>
+            <p:ph idx="1"/>
+          </p:nvPr>
+        </p:nvSpPr>
+        <p:spPr/>
+        <p:txBody>
+          <a:bodyPr/>
+          <a:lstStyle/>
+          <a:p>
+            <a:r>
+              <a:rPr lang="en-GB" dirty="0"/>
+              <a:t>Strings (.)</a:t>
+            </a:r>
+          </a:p>
+          <a:p>
+            <a:r>
+              <a:rPr lang="en-GB" dirty="0"/>
+              <a:t>Character Classes ([], ^)</a:t>
+            </a:r>
+          </a:p>
+          <a:p>
+            <a:r>
+              <a:rPr lang="en-GB" dirty="0"/>
+              <a:t>Repetition (?, *, +, {n}, {n,},{,m},{</a:t>
+            </a:r>
+            <a:r>
+              <a:rPr lang="en-GB" dirty="0" err="1"/>
+              <a:t>n,m</a:t>
+            </a:r>
+            <a:r>
+              <a:rPr lang="en-GB" dirty="0"/>
+              <a:t>})</a:t>
+            </a:r>
+          </a:p>
+          <a:p>
+            <a:r>
+              <a:rPr lang="en-GB" dirty="0"/>
+              <a:t>Pre-defined character classes (\d, \D, \s, \S, \w, \W)</a:t>
+            </a:r>
+          </a:p>
+          <a:p>
+            <a:r>
+              <a:rPr lang="en-GB" dirty="0"/>
+              <a:t>The Regular Operations (concatenation, alternation)</a:t>
+            </a:r>
+          </a:p>
+          <a:p>
+            <a:r>
+              <a:rPr lang="en-GB" dirty="0"/>
+              <a:t>Anchors (^,$)</a:t>
+            </a:r>
+          </a:p>
+          <a:p>
             <a:endParaRPr lang="en-GB" dirty="0"/>
           </a:p>
         </p:txBody>
@@ -7276,7 +10820,7 @@
     </p:spTree>
     <p:extLst>
       <p:ext uri="{BB962C8B-B14F-4D97-AF65-F5344CB8AC3E}">
-        <p14:creationId xmlns:p14="http://schemas.microsoft.com/office/powerpoint/2010/main" val="489428916"/>
+        <p14:creationId xmlns:p14="http://schemas.microsoft.com/office/powerpoint/2010/main" val="4145818577"/>
       </p:ext>
     </p:extLst>
   </p:cSld>
@@ -7308,59 +10852,39 @@
           <p:cNvPr id="2" name="Title 1">
             <a:extLst>
               <a:ext uri="{FF2B5EF4-FFF2-40B4-BE49-F238E27FC236}">
-                <a16:creationId xmlns:a16="http://schemas.microsoft.com/office/drawing/2014/main" id="{59D885C9-431D-F4CE-D761-C21EB659220D}"/>
-              </a:ext>
-            </a:extLst>
-          </p:cNvPr>
-          <p:cNvSpPr>
-            <a:spLocks noGrp="1"/>
-          </p:cNvSpPr>
-          <p:nvPr>
-            <p:ph type="title"/>
-          </p:nvPr>
-        </p:nvSpPr>
-        <p:spPr/>
-        <p:txBody>
-          <a:bodyPr/>
+                <a16:creationId xmlns:a16="http://schemas.microsoft.com/office/drawing/2014/main" id="{14130E6E-682F-EA6D-3D0A-685BB25C4E88}"/>
+              </a:ext>
+            </a:extLst>
+          </p:cNvPr>
+          <p:cNvSpPr>
+            <a:spLocks noGrp="1"/>
+          </p:cNvSpPr>
+          <p:nvPr>
+            <p:ph type="ctrTitle"/>
+          </p:nvPr>
+        </p:nvSpPr>
+        <p:spPr>
+          <a:xfrm>
+            <a:off x="1524000" y="2235200"/>
+            <a:ext cx="9144000" cy="2387600"/>
+          </a:xfrm>
+        </p:spPr>
+        <p:txBody>
+          <a:bodyPr anchor="ctr"/>
           <a:lstStyle/>
           <a:p>
             <a:r>
               <a:rPr lang="en-IN" dirty="0"/>
-              <a:t>Non-Deterministic FSA</a:t>
+              <a:t>Finite State Transducers</a:t>
             </a:r>
             <a:endParaRPr lang="en-GB" dirty="0"/>
-          </a:p>
-        </p:txBody>
-      </p:sp>
-      <p:sp>
-        <p:nvSpPr>
-          <p:cNvPr id="3" name="Content Placeholder 2">
-            <a:extLst>
-              <a:ext uri="{FF2B5EF4-FFF2-40B4-BE49-F238E27FC236}">
-                <a16:creationId xmlns:a16="http://schemas.microsoft.com/office/drawing/2014/main" id="{57653743-165E-D35A-57B7-1FB61FFFC312}"/>
-              </a:ext>
-            </a:extLst>
-          </p:cNvPr>
-          <p:cNvSpPr>
-            <a:spLocks noGrp="1"/>
-          </p:cNvSpPr>
-          <p:nvPr>
-            <p:ph idx="1"/>
-          </p:nvPr>
-        </p:nvSpPr>
-        <p:spPr/>
-        <p:txBody>
-          <a:bodyPr/>
-          <a:lstStyle/>
-          <a:p>
-            <a:endParaRPr lang="en-GB"/>
           </a:p>
         </p:txBody>
       </p:sp>
     </p:spTree>
     <p:extLst>
       <p:ext uri="{BB962C8B-B14F-4D97-AF65-F5344CB8AC3E}">
-        <p14:creationId xmlns:p14="http://schemas.microsoft.com/office/powerpoint/2010/main" val="2815685982"/>
+        <p14:creationId xmlns:p14="http://schemas.microsoft.com/office/powerpoint/2010/main" val="2495390313"/>
       </p:ext>
     </p:extLst>
   </p:cSld>
@@ -7392,7 +10916,7 @@
           <p:cNvPr id="2" name="Title 1">
             <a:extLst>
               <a:ext uri="{FF2B5EF4-FFF2-40B4-BE49-F238E27FC236}">
-                <a16:creationId xmlns:a16="http://schemas.microsoft.com/office/drawing/2014/main" id="{C05D397C-EE24-C867-B791-0B4EA07DAF74}"/>
+                <a16:creationId xmlns:a16="http://schemas.microsoft.com/office/drawing/2014/main" id="{B6EF56E7-1361-BB4E-F4D2-E28021C76A99}"/>
               </a:ext>
             </a:extLst>
           </p:cNvPr>
@@ -7410,7 +10934,7 @@
           <a:p>
             <a:r>
               <a:rPr lang="en-IN" dirty="0"/>
-              <a:t>Equivalence of DFAs and NDFAs</a:t>
+              <a:t>Finite State Transducers</a:t>
             </a:r>
             <a:endParaRPr lang="en-GB" dirty="0"/>
           </a:p>
@@ -7421,7 +10945,7 @@
           <p:cNvPr id="3" name="Content Placeholder 2">
             <a:extLst>
               <a:ext uri="{FF2B5EF4-FFF2-40B4-BE49-F238E27FC236}">
-                <a16:creationId xmlns:a16="http://schemas.microsoft.com/office/drawing/2014/main" id="{1BDC10B1-D3AC-0E45-0F44-34ECDC2EE2F7}"/>
+                <a16:creationId xmlns:a16="http://schemas.microsoft.com/office/drawing/2014/main" id="{E33D70A1-221B-F82D-1BAB-599911A77732}"/>
               </a:ext>
             </a:extLst>
           </p:cNvPr>
@@ -7437,14 +10961,61 @@
           <a:bodyPr/>
           <a:lstStyle/>
           <a:p>
-            <a:endParaRPr lang="en-GB"/>
+            <a:r>
+              <a:rPr lang="en-US" dirty="0"/>
+              <a:t> Finite automata with a notion of "output"</a:t>
+            </a:r>
+          </a:p>
+          <a:p>
+            <a:r>
+              <a:rPr lang="en-US" dirty="0"/>
+              <a:t>What does it mean for a transducer to compute?</a:t>
+            </a:r>
+          </a:p>
+          <a:p>
+            <a:pPr lvl="1"/>
+            <a:r>
+              <a:rPr lang="en-US" dirty="0"/>
+              <a:t>Transducers establish relations between sets of strings (languages)</a:t>
+            </a:r>
+          </a:p>
+          <a:p>
+            <a:r>
+              <a:rPr lang="en-US" dirty="0"/>
+              <a:t> Formal definition</a:t>
+            </a:r>
+          </a:p>
+          <a:p>
+            <a:r>
+              <a:rPr lang="en-US" dirty="0"/>
+              <a:t> Applications</a:t>
+            </a:r>
+          </a:p>
+          <a:p>
+            <a:pPr lvl="1"/>
+            <a:r>
+              <a:rPr lang="en-US" dirty="0"/>
+              <a:t>Mostly computational linguistic</a:t>
+            </a:r>
+          </a:p>
+          <a:p>
+            <a:pPr lvl="1"/>
+            <a:r>
+              <a:rPr lang="en-US" dirty="0"/>
+              <a:t>Compilers - </a:t>
+            </a:r>
+            <a:r>
+              <a:rPr lang="en-US" dirty="0" err="1"/>
+              <a:t>lexing</a:t>
+            </a:r>
+            <a:endParaRPr lang="en-GB" dirty="0"/>
           </a:p>
         </p:txBody>
       </p:sp>
     </p:spTree>
     <p:extLst>
       <p:ext uri="{BB962C8B-B14F-4D97-AF65-F5344CB8AC3E}">
-        <p14:creationId xmlns:p14="http://schemas.microsoft.com/office/powerpoint/2010/main" val="3943896396"/>
+        <p14:creationId xmlns:p14="http://schemas.microsoft.com/office/powerpoint/2010/main" val="937855468"/>
       </p:ext>
     </p:extLst>
   </p:cSld>
@@ -7459,7 +11030,13 @@
   <p:cSld>
     <p:spTree>
       <p:nvGrpSpPr>
-        <p:cNvPr id="1" name=""/>
+        <p:cNvPr id="1" name="">
+          <a:extLst>
+            <a:ext uri="{FF2B5EF4-FFF2-40B4-BE49-F238E27FC236}">
+              <a16:creationId xmlns:a16="http://schemas.microsoft.com/office/drawing/2014/main" id="{1140C623-32D5-EF4A-55F8-D6FB96253FD1}"/>
+            </a:ext>
+          </a:extLst>
+        </p:cNvPr>
         <p:cNvGrpSpPr/>
         <p:nvPr/>
       </p:nvGrpSpPr>
@@ -7476,7 +11053,7 @@
           <p:cNvPr id="2" name="Title 1">
             <a:extLst>
               <a:ext uri="{FF2B5EF4-FFF2-40B4-BE49-F238E27FC236}">
-                <a16:creationId xmlns:a16="http://schemas.microsoft.com/office/drawing/2014/main" id="{03110A44-D228-835D-D686-1C0F6DA4E50F}"/>
+                <a16:creationId xmlns:a16="http://schemas.microsoft.com/office/drawing/2014/main" id="{21CFB272-EFE9-5144-7E58-0A69027D986F}"/>
               </a:ext>
             </a:extLst>
           </p:cNvPr>
@@ -7494,41 +11071,392 @@
           <a:p>
             <a:r>
               <a:rPr lang="en-IN" dirty="0"/>
-              <a:t>Closure of Regular Languages under the Regular Operations</a:t>
+              <a:t>Formal Definition</a:t>
             </a:r>
             <a:endParaRPr lang="en-GB" dirty="0"/>
           </a:p>
         </p:txBody>
       </p:sp>
-      <p:sp>
-        <p:nvSpPr>
-          <p:cNvPr id="3" name="Content Placeholder 2">
-            <a:extLst>
-              <a:ext uri="{FF2B5EF4-FFF2-40B4-BE49-F238E27FC236}">
-                <a16:creationId xmlns:a16="http://schemas.microsoft.com/office/drawing/2014/main" id="{A4038FC5-0AAB-BF1D-D731-DD04915E4CED}"/>
-              </a:ext>
-            </a:extLst>
-          </p:cNvPr>
-          <p:cNvSpPr>
-            <a:spLocks noGrp="1"/>
-          </p:cNvSpPr>
-          <p:nvPr>
-            <p:ph idx="1"/>
-          </p:nvPr>
-        </p:nvSpPr>
-        <p:spPr/>
-        <p:txBody>
-          <a:bodyPr/>
-          <a:lstStyle/>
-          <a:p>
-            <a:endParaRPr lang="en-GB"/>
-          </a:p>
-        </p:txBody>
-      </p:sp>
+      <mc:AlternateContent xmlns:mc="http://schemas.openxmlformats.org/markup-compatibility/2006" xmlns:a14="http://schemas.microsoft.com/office/drawing/2010/main">
+        <mc:Choice Requires="a14">
+          <p:sp>
+            <p:nvSpPr>
+              <p:cNvPr id="3" name="Content Placeholder 2">
+                <a:extLst>
+                  <a:ext uri="{FF2B5EF4-FFF2-40B4-BE49-F238E27FC236}">
+                    <a16:creationId xmlns:a16="http://schemas.microsoft.com/office/drawing/2014/main" id="{1E15F499-2560-3689-0FA6-69A0FCC511D1}"/>
+                  </a:ext>
+                </a:extLst>
+              </p:cNvPr>
+              <p:cNvSpPr>
+                <a:spLocks noGrp="1"/>
+              </p:cNvSpPr>
+              <p:nvPr>
+                <p:ph idx="1"/>
+              </p:nvPr>
+            </p:nvSpPr>
+            <p:spPr/>
+            <p:txBody>
+              <a:bodyPr/>
+              <a:lstStyle/>
+              <a:p>
+                <a14:m>
+                  <m:oMath xmlns:m="http://schemas.openxmlformats.org/officeDocument/2006/math">
+                    <m:r>
+                      <a:rPr lang="en-IN" b="0" i="1" smtClean="0">
+                        <a:latin typeface="Cambria Math" panose="02040503050406030204" pitchFamily="18" charset="0"/>
+                      </a:rPr>
+                      <m:t>𝑀</m:t>
+                    </m:r>
+                  </m:oMath>
+                </a14:m>
+                <a:r>
+                  <a:rPr lang="en-IN" dirty="0"/>
+                  <a:t>=</a:t>
+                </a:r>
+                <a14:m>
+                  <m:oMath xmlns:m="http://schemas.openxmlformats.org/officeDocument/2006/math">
+                    <m:r>
+                      <a:rPr lang="en-IN" b="0" i="1" dirty="0" smtClean="0">
+                        <a:latin typeface="Cambria Math" panose="02040503050406030204" pitchFamily="18" charset="0"/>
+                      </a:rPr>
+                      <m:t>(</m:t>
+                    </m:r>
+                    <m:r>
+                      <m:rPr>
+                        <m:sty m:val="p"/>
+                      </m:rPr>
+                      <a:rPr lang="en-IN" b="0" i="0" dirty="0" smtClean="0">
+                        <a:latin typeface="Cambria Math" panose="02040503050406030204" pitchFamily="18" charset="0"/>
+                      </a:rPr>
+                      <m:t>Σ</m:t>
+                    </m:r>
+                    <m:r>
+                      <a:rPr lang="en-IN" b="0" i="1" dirty="0" smtClean="0">
+                        <a:latin typeface="Cambria Math" panose="02040503050406030204" pitchFamily="18" charset="0"/>
+                      </a:rPr>
+                      <m:t>, </m:t>
+                    </m:r>
+                    <m:r>
+                      <m:rPr>
+                        <m:sty m:val="p"/>
+                      </m:rPr>
+                      <a:rPr lang="en-IN" b="0" i="0" dirty="0" smtClean="0">
+                        <a:latin typeface="Cambria Math" panose="02040503050406030204" pitchFamily="18" charset="0"/>
+                      </a:rPr>
+                      <m:t>Γ</m:t>
+                    </m:r>
+                    <m:r>
+                      <a:rPr lang="en-IN" b="0" i="1" dirty="0" smtClean="0">
+                        <a:latin typeface="Cambria Math" panose="02040503050406030204" pitchFamily="18" charset="0"/>
+                      </a:rPr>
+                      <m:t>, </m:t>
+                    </m:r>
+                    <m:r>
+                      <a:rPr lang="en-IN" b="0" i="1" dirty="0" smtClean="0">
+                        <a:latin typeface="Cambria Math" panose="02040503050406030204" pitchFamily="18" charset="0"/>
+                      </a:rPr>
+                      <m:t>𝑄</m:t>
+                    </m:r>
+                    <m:r>
+                      <a:rPr lang="en-IN" b="0" i="1" dirty="0" smtClean="0">
+                        <a:latin typeface="Cambria Math" panose="02040503050406030204" pitchFamily="18" charset="0"/>
+                      </a:rPr>
+                      <m:t>, </m:t>
+                    </m:r>
+                    <m:sSub>
+                      <m:sSubPr>
+                        <m:ctrlPr>
+                          <a:rPr lang="en-IN" b="0" i="1" dirty="0" smtClean="0">
+                            <a:latin typeface="Cambria Math" panose="02040503050406030204" pitchFamily="18" charset="0"/>
+                          </a:rPr>
+                        </m:ctrlPr>
+                      </m:sSubPr>
+                      <m:e>
+                        <m:r>
+                          <a:rPr lang="en-IN" b="0" i="1" dirty="0" smtClean="0">
+                            <a:latin typeface="Cambria Math" panose="02040503050406030204" pitchFamily="18" charset="0"/>
+                          </a:rPr>
+                          <m:t>𝑞</m:t>
+                        </m:r>
+                      </m:e>
+                      <m:sub>
+                        <m:r>
+                          <a:rPr lang="en-IN" b="0" i="1" dirty="0" smtClean="0">
+                            <a:latin typeface="Cambria Math" panose="02040503050406030204" pitchFamily="18" charset="0"/>
+                          </a:rPr>
+                          <m:t>0</m:t>
+                        </m:r>
+                      </m:sub>
+                    </m:sSub>
+                    <m:r>
+                      <a:rPr lang="en-IN" b="0" i="1" dirty="0" smtClean="0">
+                        <a:latin typeface="Cambria Math" panose="02040503050406030204" pitchFamily="18" charset="0"/>
+                      </a:rPr>
+                      <m:t>, </m:t>
+                    </m:r>
+                    <m:r>
+                      <a:rPr lang="en-IN" b="0" i="1" dirty="0" smtClean="0">
+                        <a:latin typeface="Cambria Math" panose="02040503050406030204" pitchFamily="18" charset="0"/>
+                      </a:rPr>
+                      <m:t>𝛿</m:t>
+                    </m:r>
+                    <m:r>
+                      <a:rPr lang="en-IN" b="0" i="1" dirty="0" smtClean="0">
+                        <a:latin typeface="Cambria Math" panose="02040503050406030204" pitchFamily="18" charset="0"/>
+                      </a:rPr>
+                      <m:t>)</m:t>
+                    </m:r>
+                  </m:oMath>
+                </a14:m>
+                <a:r>
+                  <a:rPr lang="en-GB" dirty="0"/>
+                  <a:t>, a finite state transducer</a:t>
+                </a:r>
+              </a:p>
+              <a:p>
+                <a:pPr lvl="1"/>
+                <a14:m>
+                  <m:oMath xmlns:m="http://schemas.openxmlformats.org/officeDocument/2006/math">
+                    <m:r>
+                      <m:rPr>
+                        <m:sty m:val="p"/>
+                      </m:rPr>
+                      <a:rPr lang="en-IN" b="0" i="0" smtClean="0">
+                        <a:latin typeface="Cambria Math" panose="02040503050406030204" pitchFamily="18" charset="0"/>
+                      </a:rPr>
+                      <m:t>Σ</m:t>
+                    </m:r>
+                  </m:oMath>
+                </a14:m>
+                <a:r>
+                  <a:rPr lang="en-GB" dirty="0"/>
+                  <a:t> – Alphabet</a:t>
+                </a:r>
+              </a:p>
+              <a:p>
+                <a:pPr lvl="1"/>
+                <a14:m>
+                  <m:oMath xmlns:m="http://schemas.openxmlformats.org/officeDocument/2006/math">
+                    <m:r>
+                      <m:rPr>
+                        <m:sty m:val="p"/>
+                      </m:rPr>
+                      <a:rPr lang="en-IN" b="0" i="0" smtClean="0">
+                        <a:latin typeface="Cambria Math" panose="02040503050406030204" pitchFamily="18" charset="0"/>
+                      </a:rPr>
+                      <m:t>Γ</m:t>
+                    </m:r>
+                  </m:oMath>
+                </a14:m>
+                <a:r>
+                  <a:rPr lang="en-GB" dirty="0"/>
+                  <a:t> – Output alphabet</a:t>
+                </a:r>
+              </a:p>
+              <a:p>
+                <a:pPr lvl="1"/>
+                <a14:m>
+                  <m:oMath xmlns:m="http://schemas.openxmlformats.org/officeDocument/2006/math">
+                    <m:r>
+                      <a:rPr lang="en-IN" b="0" i="1" smtClean="0">
+                        <a:latin typeface="Cambria Math" panose="02040503050406030204" pitchFamily="18" charset="0"/>
+                      </a:rPr>
+                      <m:t>𝑄</m:t>
+                    </m:r>
+                  </m:oMath>
+                </a14:m>
+                <a:r>
+                  <a:rPr lang="en-GB" dirty="0"/>
+                  <a:t> – (non-empty, finite) set of states</a:t>
+                </a:r>
+              </a:p>
+              <a:p>
+                <a:pPr lvl="1"/>
+                <a14:m>
+                  <m:oMath xmlns:m="http://schemas.openxmlformats.org/officeDocument/2006/math">
+                    <m:sSub>
+                      <m:sSubPr>
+                        <m:ctrlPr>
+                          <a:rPr lang="en-IN" b="0" i="1" smtClean="0">
+                            <a:latin typeface="Cambria Math" panose="02040503050406030204" pitchFamily="18" charset="0"/>
+                          </a:rPr>
+                        </m:ctrlPr>
+                      </m:sSubPr>
+                      <m:e>
+                        <m:r>
+                          <a:rPr lang="en-IN" b="0" i="1" smtClean="0">
+                            <a:latin typeface="Cambria Math" panose="02040503050406030204" pitchFamily="18" charset="0"/>
+                          </a:rPr>
+                          <m:t>𝑞</m:t>
+                        </m:r>
+                      </m:e>
+                      <m:sub>
+                        <m:r>
+                          <a:rPr lang="en-IN" b="0" i="1" smtClean="0">
+                            <a:latin typeface="Cambria Math" panose="02040503050406030204" pitchFamily="18" charset="0"/>
+                          </a:rPr>
+                          <m:t>0</m:t>
+                        </m:r>
+                      </m:sub>
+                    </m:sSub>
+                  </m:oMath>
+                </a14:m>
+                <a:r>
+                  <a:rPr lang="en-GB" dirty="0"/>
+                  <a:t> - start state</a:t>
+                </a:r>
+              </a:p>
+              <a:p>
+                <a:pPr lvl="1"/>
+                <a14:m>
+                  <m:oMath xmlns:m="http://schemas.openxmlformats.org/officeDocument/2006/math">
+                    <m:r>
+                      <a:rPr lang="en-IN" b="0" i="1" smtClean="0">
+                        <a:latin typeface="Cambria Math" panose="02040503050406030204" pitchFamily="18" charset="0"/>
+                      </a:rPr>
+                      <m:t>𝛿</m:t>
+                    </m:r>
+                    <m:r>
+                      <a:rPr lang="en-IN" b="0" i="1" smtClean="0">
+                        <a:latin typeface="Cambria Math" panose="02040503050406030204" pitchFamily="18" charset="0"/>
+                      </a:rPr>
+                      <m:t> :</m:t>
+                    </m:r>
+                    <m:r>
+                      <m:rPr>
+                        <m:sty m:val="p"/>
+                      </m:rPr>
+                      <a:rPr lang="en-IN" b="0" i="0" smtClean="0">
+                        <a:latin typeface="Cambria Math" panose="02040503050406030204" pitchFamily="18" charset="0"/>
+                      </a:rPr>
+                      <m:t>Σ</m:t>
+                    </m:r>
+                    <m:r>
+                      <a:rPr lang="en-IN" b="0" i="1" smtClean="0">
+                        <a:latin typeface="Cambria Math" panose="02040503050406030204" pitchFamily="18" charset="0"/>
+                      </a:rPr>
+                      <m:t> </m:t>
+                    </m:r>
+                    <m:r>
+                      <a:rPr lang="en-IN" b="0" i="1" smtClean="0">
+                        <a:latin typeface="Cambria Math" panose="02040503050406030204" pitchFamily="18" charset="0"/>
+                        <a:ea typeface="Cambria Math" panose="02040503050406030204" pitchFamily="18" charset="0"/>
+                      </a:rPr>
+                      <m:t>×</m:t>
+                    </m:r>
+                    <m:r>
+                      <a:rPr lang="en-IN" b="0" i="1" smtClean="0">
+                        <a:latin typeface="Cambria Math" panose="02040503050406030204" pitchFamily="18" charset="0"/>
+                        <a:ea typeface="Cambria Math" panose="02040503050406030204" pitchFamily="18" charset="0"/>
+                      </a:rPr>
+                      <m:t>𝑄</m:t>
+                    </m:r>
+                    <m:r>
+                      <a:rPr lang="en-IN" b="0" i="1" smtClean="0">
+                        <a:latin typeface="Cambria Math" panose="02040503050406030204" pitchFamily="18" charset="0"/>
+                        <a:ea typeface="Cambria Math" panose="02040503050406030204" pitchFamily="18" charset="0"/>
+                      </a:rPr>
+                      <m:t> →</m:t>
+                    </m:r>
+                    <m:r>
+                      <a:rPr lang="en-IN" b="0" i="1" smtClean="0">
+                        <a:latin typeface="Cambria Math" panose="02040503050406030204" pitchFamily="18" charset="0"/>
+                        <a:ea typeface="Cambria Math" panose="02040503050406030204" pitchFamily="18" charset="0"/>
+                      </a:rPr>
+                      <m:t>𝑄</m:t>
+                    </m:r>
+                    <m:r>
+                      <a:rPr lang="en-IN" b="0" i="1" smtClean="0">
+                        <a:latin typeface="Cambria Math" panose="02040503050406030204" pitchFamily="18" charset="0"/>
+                        <a:ea typeface="Cambria Math" panose="02040503050406030204" pitchFamily="18" charset="0"/>
+                      </a:rPr>
+                      <m:t> ×</m:t>
+                    </m:r>
+                    <m:r>
+                      <m:rPr>
+                        <m:sty m:val="p"/>
+                      </m:rPr>
+                      <a:rPr lang="en-IN" b="0" i="0" smtClean="0">
+                        <a:latin typeface="Cambria Math" panose="02040503050406030204" pitchFamily="18" charset="0"/>
+                        <a:ea typeface="Cambria Math" panose="02040503050406030204" pitchFamily="18" charset="0"/>
+                      </a:rPr>
+                      <m:t>Γ</m:t>
+                    </m:r>
+                  </m:oMath>
+                </a14:m>
+                <a:r>
+                  <a:rPr lang="en-GB" dirty="0"/>
+                  <a:t> – transition function</a:t>
+                </a:r>
+              </a:p>
+              <a:p>
+                <a:r>
+                  <a:rPr lang="en-GB" dirty="0"/>
+                  <a:t>Computation is repeated application of </a:t>
+                </a:r>
+                <a14:m>
+                  <m:oMath xmlns:m="http://schemas.openxmlformats.org/officeDocument/2006/math">
+                    <m:r>
+                      <a:rPr lang="en-IN" b="0" i="1" smtClean="0">
+                        <a:latin typeface="Cambria Math" panose="02040503050406030204" pitchFamily="18" charset="0"/>
+                      </a:rPr>
+                      <m:t>𝛿</m:t>
+                    </m:r>
+                  </m:oMath>
+                </a14:m>
+                <a:r>
+                  <a:rPr lang="en-GB" dirty="0"/>
+                  <a:t> to a sequence of symbols, from a starting state, to generate an output string</a:t>
+                </a:r>
+              </a:p>
+            </p:txBody>
+          </p:sp>
+        </mc:Choice>
+        <mc:Fallback xmlns="">
+          <p:sp>
+            <p:nvSpPr>
+              <p:cNvPr id="3" name="Content Placeholder 2">
+                <a:extLst>
+                  <a:ext uri="{FF2B5EF4-FFF2-40B4-BE49-F238E27FC236}">
+                    <a16:creationId xmlns:a16="http://schemas.microsoft.com/office/drawing/2014/main" id="{1E15F499-2560-3689-0FA6-69A0FCC511D1}"/>
+                  </a:ext>
+                </a:extLst>
+              </p:cNvPr>
+              <p:cNvSpPr>
+                <a:spLocks noGrp="1" noRot="1" noChangeAspect="1" noMove="1" noResize="1" noEditPoints="1" noAdjustHandles="1" noChangeArrowheads="1" noChangeShapeType="1" noTextEdit="1"/>
+              </p:cNvSpPr>
+              <p:nvPr>
+                <p:ph idx="1"/>
+              </p:nvPr>
+            </p:nvSpPr>
+            <p:spPr>
+              <a:blipFill>
+                <a:blip r:embed="rId3"/>
+                <a:stretch>
+                  <a:fillRect l="-1043" r="-1739"/>
+                </a:stretch>
+              </a:blipFill>
+            </p:spPr>
+            <p:txBody>
+              <a:bodyPr/>
+              <a:lstStyle/>
+              <a:p>
+                <a:r>
+                  <a:rPr lang="en-GB">
+                    <a:noFill/>
+                  </a:rPr>
+                  <a:t> </a:t>
+                </a:r>
+              </a:p>
+            </p:txBody>
+          </p:sp>
+        </mc:Fallback>
+      </mc:AlternateContent>
     </p:spTree>
     <p:extLst>
       <p:ext uri="{BB962C8B-B14F-4D97-AF65-F5344CB8AC3E}">
-        <p14:creationId xmlns:p14="http://schemas.microsoft.com/office/powerpoint/2010/main" val="1468997797"/>
+        <p14:creationId xmlns:p14="http://schemas.microsoft.com/office/powerpoint/2010/main" val="1733945761"/>
       </p:ext>
     </p:extLst>
   </p:cSld>
@@ -7543,7 +11471,13 @@
   <p:cSld>
     <p:spTree>
       <p:nvGrpSpPr>
-        <p:cNvPr id="1" name=""/>
+        <p:cNvPr id="1" name="">
+          <a:extLst>
+            <a:ext uri="{FF2B5EF4-FFF2-40B4-BE49-F238E27FC236}">
+              <a16:creationId xmlns:a16="http://schemas.microsoft.com/office/drawing/2014/main" id="{831ED85F-8719-9D5E-A8CD-EBA5442CF788}"/>
+            </a:ext>
+          </a:extLst>
+        </p:cNvPr>
         <p:cNvGrpSpPr/>
         <p:nvPr/>
       </p:nvGrpSpPr>
@@ -7560,7 +11494,7 @@
           <p:cNvPr id="2" name="Title 1">
             <a:extLst>
               <a:ext uri="{FF2B5EF4-FFF2-40B4-BE49-F238E27FC236}">
-                <a16:creationId xmlns:a16="http://schemas.microsoft.com/office/drawing/2014/main" id="{B518455F-3CFC-6EEF-6F36-E5A6129F734F}"/>
+                <a16:creationId xmlns:a16="http://schemas.microsoft.com/office/drawing/2014/main" id="{7ECDAFEC-7AC0-04E9-6D0C-07C535C568FA}"/>
               </a:ext>
             </a:extLst>
           </p:cNvPr>
@@ -7578,41 +11512,50 @@
           <a:p>
             <a:r>
               <a:rPr lang="en-IN" dirty="0"/>
-              <a:t>Markov Chains</a:t>
+              <a:t>What does this do?</a:t>
             </a:r>
             <a:endParaRPr lang="en-GB" dirty="0"/>
           </a:p>
         </p:txBody>
       </p:sp>
-      <p:sp>
-        <p:nvSpPr>
-          <p:cNvPr id="3" name="Content Placeholder 2">
-            <a:extLst>
-              <a:ext uri="{FF2B5EF4-FFF2-40B4-BE49-F238E27FC236}">
-                <a16:creationId xmlns:a16="http://schemas.microsoft.com/office/drawing/2014/main" id="{AE0FF999-404E-441F-21F2-295EFCC9DFC3}"/>
-              </a:ext>
-            </a:extLst>
-          </p:cNvPr>
-          <p:cNvSpPr>
-            <a:spLocks noGrp="1"/>
-          </p:cNvSpPr>
+      <p:pic>
+        <p:nvPicPr>
+          <p:cNvPr id="5" name="Content Placeholder 4" descr="A diagram of a diagram&#10;&#10;Description automatically generated">
+            <a:extLst>
+              <a:ext uri="{FF2B5EF4-FFF2-40B4-BE49-F238E27FC236}">
+                <a16:creationId xmlns:a16="http://schemas.microsoft.com/office/drawing/2014/main" id="{101A10D4-F7FF-86BA-78E1-B5A216C3082F}"/>
+              </a:ext>
+            </a:extLst>
+          </p:cNvPr>
+          <p:cNvPicPr>
+            <a:picLocks noGrp="1" noChangeAspect="1"/>
+          </p:cNvPicPr>
           <p:nvPr>
             <p:ph idx="1"/>
           </p:nvPr>
-        </p:nvSpPr>
-        <p:spPr/>
-        <p:txBody>
-          <a:bodyPr/>
-          <a:lstStyle/>
-          <a:p>
-            <a:endParaRPr lang="en-GB" dirty="0"/>
-          </a:p>
-        </p:txBody>
-      </p:sp>
+        </p:nvPicPr>
+        <p:blipFill rotWithShape="1">
+          <a:blip r:embed="rId3">
+            <a:extLst>
+              <a:ext uri="{28A0092B-C50C-407E-A947-70E740481C1C}">
+                <a14:useLocalDpi xmlns:a14="http://schemas.microsoft.com/office/drawing/2010/main" val="0"/>
+              </a:ext>
+            </a:extLst>
+          </a:blip>
+          <a:srcRect l="18300" t="20100" r="20100" b="18300"/>
+          <a:stretch/>
+        </p:blipFill>
+        <p:spPr>
+          <a:xfrm>
+            <a:off x="3076575" y="1865313"/>
+            <a:ext cx="5867400" cy="4400550"/>
+          </a:xfrm>
+        </p:spPr>
+      </p:pic>
     </p:spTree>
     <p:extLst>
       <p:ext uri="{BB962C8B-B14F-4D97-AF65-F5344CB8AC3E}">
-        <p14:creationId xmlns:p14="http://schemas.microsoft.com/office/powerpoint/2010/main" val="1154591072"/>
+        <p14:creationId xmlns:p14="http://schemas.microsoft.com/office/powerpoint/2010/main" val="2763776904"/>
       </p:ext>
     </p:extLst>
   </p:cSld>
@@ -7644,7 +11587,7 @@
           <p:cNvPr id="2" name="Title 1">
             <a:extLst>
               <a:ext uri="{FF2B5EF4-FFF2-40B4-BE49-F238E27FC236}">
-                <a16:creationId xmlns:a16="http://schemas.microsoft.com/office/drawing/2014/main" id="{694F43A7-0E1E-47C3-7333-EB9AEBADB1CC}"/>
+                <a16:creationId xmlns:a16="http://schemas.microsoft.com/office/drawing/2014/main" id="{B6EF56E7-1361-BB4E-F4D2-E28021C76A99}"/>
               </a:ext>
             </a:extLst>
           </p:cNvPr>
@@ -7662,41 +11605,198 @@
           <a:p>
             <a:r>
               <a:rPr lang="en-IN" dirty="0"/>
-              <a:t>Non-Regular Languages</a:t>
+              <a:t>Example: Video Game NPC</a:t>
             </a:r>
             <a:endParaRPr lang="en-GB" dirty="0"/>
           </a:p>
         </p:txBody>
       </p:sp>
-      <p:sp>
-        <p:nvSpPr>
-          <p:cNvPr id="3" name="Content Placeholder 2">
-            <a:extLst>
-              <a:ext uri="{FF2B5EF4-FFF2-40B4-BE49-F238E27FC236}">
-                <a16:creationId xmlns:a16="http://schemas.microsoft.com/office/drawing/2014/main" id="{60EC76CA-4320-559A-5841-CD4FBAF208ED}"/>
-              </a:ext>
-            </a:extLst>
-          </p:cNvPr>
-          <p:cNvSpPr>
-            <a:spLocks noGrp="1"/>
-          </p:cNvSpPr>
-          <p:nvPr>
-            <p:ph idx="1"/>
-          </p:nvPr>
-        </p:nvSpPr>
-        <p:spPr/>
-        <p:txBody>
-          <a:bodyPr/>
-          <a:lstStyle/>
-          <a:p>
-            <a:endParaRPr lang="en-GB"/>
-          </a:p>
-        </p:txBody>
-      </p:sp>
+      <mc:AlternateContent xmlns:mc="http://schemas.openxmlformats.org/markup-compatibility/2006" xmlns:a14="http://schemas.microsoft.com/office/drawing/2010/main">
+        <mc:Choice Requires="a14">
+          <p:sp>
+            <p:nvSpPr>
+              <p:cNvPr id="3" name="Content Placeholder 2">
+                <a:extLst>
+                  <a:ext uri="{FF2B5EF4-FFF2-40B4-BE49-F238E27FC236}">
+                    <a16:creationId xmlns:a16="http://schemas.microsoft.com/office/drawing/2014/main" id="{E33D70A1-221B-F82D-1BAB-599911A77732}"/>
+                  </a:ext>
+                </a:extLst>
+              </p:cNvPr>
+              <p:cNvSpPr>
+                <a:spLocks noGrp="1"/>
+              </p:cNvSpPr>
+              <p:nvPr>
+                <p:ph idx="1"/>
+              </p:nvPr>
+            </p:nvSpPr>
+            <p:spPr>
+              <a:xfrm>
+                <a:off x="838200" y="1825625"/>
+                <a:ext cx="10515600" cy="4351338"/>
+              </a:xfrm>
+            </p:spPr>
+            <p:txBody>
+              <a:bodyPr/>
+              <a:lstStyle/>
+              <a:p>
+                <a:r>
+                  <a:rPr lang="en-US" dirty="0"/>
+                  <a:t>A finite state transducer that models a video game NPC for a turn based game. The scenario - the player is an adventurer and the NPC is a castle guard.</a:t>
+                </a:r>
+              </a:p>
+              <a:p>
+                <a:endParaRPr lang="en-US" dirty="0"/>
+              </a:p>
+              <a:p>
+                <a14:m>
+                  <m:oMath xmlns:m="http://schemas.openxmlformats.org/officeDocument/2006/math">
+                    <m:r>
+                      <m:rPr>
+                        <m:sty m:val="p"/>
+                      </m:rPr>
+                      <a:rPr lang="en-IN" b="0" i="0" smtClean="0">
+                        <a:latin typeface="Cambria Math" panose="02040503050406030204" pitchFamily="18" charset="0"/>
+                      </a:rPr>
+                      <m:t>Σ</m:t>
+                    </m:r>
+                    <m:r>
+                      <a:rPr lang="en-IN" b="0" i="1" smtClean="0">
+                        <a:latin typeface="Cambria Math" panose="02040503050406030204" pitchFamily="18" charset="0"/>
+                      </a:rPr>
+                      <m:t>=</m:t>
+                    </m:r>
+                    <m:d>
+                      <m:dPr>
+                        <m:begChr m:val="{"/>
+                        <m:endChr m:val="}"/>
+                        <m:ctrlPr>
+                          <a:rPr lang="en-IN" b="0" i="1" smtClean="0">
+                            <a:latin typeface="Cambria Math" panose="02040503050406030204" pitchFamily="18" charset="0"/>
+                          </a:rPr>
+                        </m:ctrlPr>
+                      </m:dPr>
+                      <m:e>
+                        <m:r>
+                          <a:rPr lang="en-IN" b="0" i="1" smtClean="0">
+                            <a:latin typeface="Cambria Math" panose="02040503050406030204" pitchFamily="18" charset="0"/>
+                          </a:rPr>
+                          <m:t>𝑇𝐴𝐿𝐾</m:t>
+                        </m:r>
+                        <m:r>
+                          <a:rPr lang="en-IN" b="0" i="1" smtClean="0">
+                            <a:latin typeface="Cambria Math" panose="02040503050406030204" pitchFamily="18" charset="0"/>
+                          </a:rPr>
+                          <m:t>, </m:t>
+                        </m:r>
+                        <m:r>
+                          <a:rPr lang="en-IN" b="0" i="1" smtClean="0">
+                            <a:latin typeface="Cambria Math" panose="02040503050406030204" pitchFamily="18" charset="0"/>
+                          </a:rPr>
+                          <m:t>𝐴𝑇𝑇𝐴𝐶𝐾</m:t>
+                        </m:r>
+                      </m:e>
+                    </m:d>
+                  </m:oMath>
+                </a14:m>
+                <a:endParaRPr lang="en-IN" b="0" dirty="0"/>
+              </a:p>
+              <a:p>
+                <a14:m>
+                  <m:oMath xmlns:m="http://schemas.openxmlformats.org/officeDocument/2006/math">
+                    <m:r>
+                      <m:rPr>
+                        <m:sty m:val="p"/>
+                      </m:rPr>
+                      <a:rPr lang="en-IN" b="0" i="0" smtClean="0">
+                        <a:latin typeface="Cambria Math" panose="02040503050406030204" pitchFamily="18" charset="0"/>
+                      </a:rPr>
+                      <m:t>Γ</m:t>
+                    </m:r>
+                    <m:r>
+                      <a:rPr lang="en-IN" b="0" i="1" smtClean="0">
+                        <a:latin typeface="Cambria Math" panose="02040503050406030204" pitchFamily="18" charset="0"/>
+                      </a:rPr>
+                      <m:t>={</m:t>
+                    </m:r>
+                    <m:r>
+                      <a:rPr lang="en-IN" b="0" i="1" smtClean="0">
+                        <a:latin typeface="Cambria Math" panose="02040503050406030204" pitchFamily="18" charset="0"/>
+                      </a:rPr>
+                      <m:t>𝑇𝐴𝐿𝐾</m:t>
+                    </m:r>
+                    <m:r>
+                      <a:rPr lang="en-IN" b="0" i="1" smtClean="0">
+                        <a:latin typeface="Cambria Math" panose="02040503050406030204" pitchFamily="18" charset="0"/>
+                      </a:rPr>
+                      <m:t>, </m:t>
+                    </m:r>
+                    <m:r>
+                      <a:rPr lang="en-IN" b="0" i="1" smtClean="0">
+                        <a:latin typeface="Cambria Math" panose="02040503050406030204" pitchFamily="18" charset="0"/>
+                      </a:rPr>
+                      <m:t>𝐴𝑇𝑇𝐴𝐶𝐾</m:t>
+                    </m:r>
+                    <m:r>
+                      <a:rPr lang="en-IN" b="0" i="1" smtClean="0">
+                        <a:latin typeface="Cambria Math" panose="02040503050406030204" pitchFamily="18" charset="0"/>
+                      </a:rPr>
+                      <m:t>}</m:t>
+                    </m:r>
+                  </m:oMath>
+                </a14:m>
+                <a:endParaRPr lang="en-US" dirty="0"/>
+              </a:p>
+            </p:txBody>
+          </p:sp>
+        </mc:Choice>
+        <mc:Fallback xmlns="">
+          <p:sp>
+            <p:nvSpPr>
+              <p:cNvPr id="3" name="Content Placeholder 2">
+                <a:extLst>
+                  <a:ext uri="{FF2B5EF4-FFF2-40B4-BE49-F238E27FC236}">
+                    <a16:creationId xmlns:a16="http://schemas.microsoft.com/office/drawing/2014/main" id="{E33D70A1-221B-F82D-1BAB-599911A77732}"/>
+                  </a:ext>
+                </a:extLst>
+              </p:cNvPr>
+              <p:cNvSpPr>
+                <a:spLocks noGrp="1" noRot="1" noChangeAspect="1" noMove="1" noResize="1" noEditPoints="1" noAdjustHandles="1" noChangeArrowheads="1" noChangeShapeType="1" noTextEdit="1"/>
+              </p:cNvSpPr>
+              <p:nvPr>
+                <p:ph idx="1"/>
+              </p:nvPr>
+            </p:nvSpPr>
+            <p:spPr>
+              <a:xfrm>
+                <a:off x="838200" y="1825625"/>
+                <a:ext cx="10515600" cy="4351338"/>
+              </a:xfrm>
+              <a:blipFill>
+                <a:blip r:embed="rId3"/>
+                <a:stretch>
+                  <a:fillRect l="-1043"/>
+                </a:stretch>
+              </a:blipFill>
+            </p:spPr>
+            <p:txBody>
+              <a:bodyPr/>
+              <a:lstStyle/>
+              <a:p>
+                <a:r>
+                  <a:rPr lang="en-GB">
+                    <a:noFill/>
+                  </a:rPr>
+                  <a:t> </a:t>
+                </a:r>
+              </a:p>
+            </p:txBody>
+          </p:sp>
+        </mc:Fallback>
+      </mc:AlternateContent>
     </p:spTree>
     <p:extLst>
       <p:ext uri="{BB962C8B-B14F-4D97-AF65-F5344CB8AC3E}">
-        <p14:creationId xmlns:p14="http://schemas.microsoft.com/office/powerpoint/2010/main" val="4087634015"/>
+        <p14:creationId xmlns:p14="http://schemas.microsoft.com/office/powerpoint/2010/main" val="4129788088"/>
       </p:ext>
     </p:extLst>
   </p:cSld>
@@ -7728,39 +11828,287 @@
           <p:cNvPr id="2" name="Title 1">
             <a:extLst>
               <a:ext uri="{FF2B5EF4-FFF2-40B4-BE49-F238E27FC236}">
-                <a16:creationId xmlns:a16="http://schemas.microsoft.com/office/drawing/2014/main" id="{14130E6E-682F-EA6D-3D0A-685BB25C4E88}"/>
-              </a:ext>
-            </a:extLst>
-          </p:cNvPr>
-          <p:cNvSpPr>
-            <a:spLocks noGrp="1"/>
-          </p:cNvSpPr>
-          <p:nvPr>
-            <p:ph type="ctrTitle"/>
-          </p:nvPr>
-        </p:nvSpPr>
-        <p:spPr>
-          <a:xfrm>
-            <a:off x="1524000" y="2235200"/>
-            <a:ext cx="9144000" cy="2387600"/>
-          </a:xfrm>
-        </p:spPr>
-        <p:txBody>
-          <a:bodyPr anchor="ctr"/>
+                <a16:creationId xmlns:a16="http://schemas.microsoft.com/office/drawing/2014/main" id="{B6EF56E7-1361-BB4E-F4D2-E28021C76A99}"/>
+              </a:ext>
+            </a:extLst>
+          </p:cNvPr>
+          <p:cNvSpPr>
+            <a:spLocks noGrp="1"/>
+          </p:cNvSpPr>
+          <p:nvPr>
+            <p:ph type="title"/>
+          </p:nvPr>
+        </p:nvSpPr>
+        <p:spPr/>
+        <p:txBody>
+          <a:bodyPr/>
           <a:lstStyle/>
           <a:p>
             <a:r>
               <a:rPr lang="en-IN" dirty="0"/>
-              <a:t>Exercises</a:t>
+              <a:t>Exercise: Video Game NPC – Add Bribery Mechanism</a:t>
             </a:r>
             <a:endParaRPr lang="en-GB" dirty="0"/>
           </a:p>
         </p:txBody>
       </p:sp>
+      <mc:AlternateContent xmlns:mc="http://schemas.openxmlformats.org/markup-compatibility/2006" xmlns:a14="http://schemas.microsoft.com/office/drawing/2010/main">
+        <mc:Choice Requires="a14">
+          <p:sp>
+            <p:nvSpPr>
+              <p:cNvPr id="3" name="Content Placeholder 2">
+                <a:extLst>
+                  <a:ext uri="{FF2B5EF4-FFF2-40B4-BE49-F238E27FC236}">
+                    <a16:creationId xmlns:a16="http://schemas.microsoft.com/office/drawing/2014/main" id="{E33D70A1-221B-F82D-1BAB-599911A77732}"/>
+                  </a:ext>
+                </a:extLst>
+              </p:cNvPr>
+              <p:cNvSpPr>
+                <a:spLocks noGrp="1"/>
+              </p:cNvSpPr>
+              <p:nvPr>
+                <p:ph idx="1"/>
+              </p:nvPr>
+            </p:nvSpPr>
+            <p:spPr>
+              <a:xfrm>
+                <a:off x="850900" y="1825625"/>
+                <a:ext cx="10515600" cy="4351338"/>
+              </a:xfrm>
+            </p:spPr>
+            <p:txBody>
+              <a:bodyPr>
+                <a:normAutofit/>
+              </a:bodyPr>
+              <a:lstStyle/>
+              <a:p>
+                <a:r>
+                  <a:rPr lang="en-US" dirty="0"/>
+                  <a:t>Add a bribery mechanism to the guard –</a:t>
+                </a:r>
+              </a:p>
+              <a:p>
+                <a:r>
+                  <a:rPr lang="en-US" dirty="0"/>
+                  <a:t>When bribed, the guard should --</a:t>
+                </a:r>
+              </a:p>
+              <a:p>
+                <a:r>
+                  <a:rPr lang="en-US" dirty="0"/>
+                  <a:t>	Stop attacking, if currently attacking</a:t>
+                </a:r>
+              </a:p>
+              <a:p>
+                <a:r>
+                  <a:rPr lang="en-US" dirty="0"/>
+                  <a:t>	Open gate, if the player has </a:t>
+                </a:r>
+                <a:r>
+                  <a:rPr lang="en-US" i="1" dirty="0"/>
+                  <a:t>never</a:t>
+                </a:r>
+                <a:r>
+                  <a:rPr lang="en-US" dirty="0"/>
+                  <a:t> attacked the guard</a:t>
+                </a:r>
+              </a:p>
+              <a:p>
+                <a:r>
+                  <a:rPr lang="en-US" dirty="0"/>
+                  <a:t>	Talk, if the player has </a:t>
+                </a:r>
+                <a:r>
+                  <a:rPr lang="en-US" i="1" dirty="0"/>
+                  <a:t>ever</a:t>
+                </a:r>
+                <a:r>
+                  <a:rPr lang="en-US" dirty="0"/>
+                  <a:t> attacked the guard</a:t>
+                </a:r>
+              </a:p>
+              <a:p>
+                <a:endParaRPr lang="en-US" dirty="0"/>
+              </a:p>
+              <a:p>
+                <a14:m>
+                  <m:oMath xmlns:m="http://schemas.openxmlformats.org/officeDocument/2006/math">
+                    <m:r>
+                      <m:rPr>
+                        <m:sty m:val="p"/>
+                      </m:rPr>
+                      <a:rPr lang="en-IN" b="0" i="0" smtClean="0">
+                        <a:latin typeface="Cambria Math" panose="02040503050406030204" pitchFamily="18" charset="0"/>
+                      </a:rPr>
+                      <m:t>Σ</m:t>
+                    </m:r>
+                    <m:r>
+                      <a:rPr lang="en-IN" b="0" i="1" smtClean="0">
+                        <a:latin typeface="Cambria Math" panose="02040503050406030204" pitchFamily="18" charset="0"/>
+                      </a:rPr>
+                      <m:t>={</m:t>
+                    </m:r>
+                    <m:r>
+                      <a:rPr lang="en-IN" b="0" i="1" smtClean="0">
+                        <a:latin typeface="Cambria Math" panose="02040503050406030204" pitchFamily="18" charset="0"/>
+                      </a:rPr>
+                      <m:t>𝑇𝐴𝐿𝐾</m:t>
+                    </m:r>
+                    <m:r>
+                      <a:rPr lang="en-IN" b="0" i="1" smtClean="0">
+                        <a:latin typeface="Cambria Math" panose="02040503050406030204" pitchFamily="18" charset="0"/>
+                      </a:rPr>
+                      <m:t>, </m:t>
+                    </m:r>
+                    <m:r>
+                      <a:rPr lang="en-IN" b="0" i="1" smtClean="0">
+                        <a:latin typeface="Cambria Math" panose="02040503050406030204" pitchFamily="18" charset="0"/>
+                      </a:rPr>
+                      <m:t>𝐵𝑅𝐼𝐵𝐸</m:t>
+                    </m:r>
+                    <m:r>
+                      <a:rPr lang="en-IN" b="0" i="1" smtClean="0">
+                        <a:latin typeface="Cambria Math" panose="02040503050406030204" pitchFamily="18" charset="0"/>
+                      </a:rPr>
+                      <m:t>, </m:t>
+                    </m:r>
+                    <m:r>
+                      <a:rPr lang="en-IN" b="0" i="1" smtClean="0">
+                        <a:latin typeface="Cambria Math" panose="02040503050406030204" pitchFamily="18" charset="0"/>
+                      </a:rPr>
+                      <m:t>𝐴𝑇𝑇𝐴𝐶𝐾</m:t>
+                    </m:r>
+                    <m:r>
+                      <a:rPr lang="en-IN" b="0" i="1" smtClean="0">
+                        <a:latin typeface="Cambria Math" panose="02040503050406030204" pitchFamily="18" charset="0"/>
+                      </a:rPr>
+                      <m:t>}</m:t>
+                    </m:r>
+                  </m:oMath>
+                </a14:m>
+                <a:endParaRPr lang="en-US" dirty="0"/>
+              </a:p>
+              <a:p>
+                <a14:m>
+                  <m:oMath xmlns:m="http://schemas.openxmlformats.org/officeDocument/2006/math">
+                    <m:r>
+                      <m:rPr>
+                        <m:sty m:val="p"/>
+                      </m:rPr>
+                      <a:rPr lang="en-IN" b="0" i="0" smtClean="0">
+                        <a:latin typeface="Cambria Math" panose="02040503050406030204" pitchFamily="18" charset="0"/>
+                      </a:rPr>
+                      <m:t>Γ</m:t>
+                    </m:r>
+                    <m:r>
+                      <a:rPr lang="en-IN" b="0" i="1" smtClean="0">
+                        <a:latin typeface="Cambria Math" panose="02040503050406030204" pitchFamily="18" charset="0"/>
+                      </a:rPr>
+                      <m:t>={</m:t>
+                    </m:r>
+                    <m:r>
+                      <a:rPr lang="en-IN" b="0" i="1" smtClean="0">
+                        <a:latin typeface="Cambria Math" panose="02040503050406030204" pitchFamily="18" charset="0"/>
+                      </a:rPr>
+                      <m:t>𝑇𝐴𝐿𝐾</m:t>
+                    </m:r>
+                    <m:r>
+                      <a:rPr lang="en-IN" b="0" i="1" smtClean="0">
+                        <a:latin typeface="Cambria Math" panose="02040503050406030204" pitchFamily="18" charset="0"/>
+                      </a:rPr>
+                      <m:t>, </m:t>
+                    </m:r>
+                    <m:r>
+                      <a:rPr lang="en-IN" b="0" i="1" smtClean="0">
+                        <a:latin typeface="Cambria Math" panose="02040503050406030204" pitchFamily="18" charset="0"/>
+                      </a:rPr>
+                      <m:t>𝑂𝑃𝐸𝑁</m:t>
+                    </m:r>
+                    <m:r>
+                      <a:rPr lang="en-IN" b="0" i="1" smtClean="0">
+                        <a:latin typeface="Cambria Math" panose="02040503050406030204" pitchFamily="18" charset="0"/>
+                      </a:rPr>
+                      <m:t> </m:t>
+                    </m:r>
+                    <m:r>
+                      <a:rPr lang="en-IN" b="0" i="1" smtClean="0">
+                        <a:latin typeface="Cambria Math" panose="02040503050406030204" pitchFamily="18" charset="0"/>
+                      </a:rPr>
+                      <m:t>𝐺𝐴𝑇𝐸</m:t>
+                    </m:r>
+                    <m:r>
+                      <a:rPr lang="en-IN" b="0" i="1" smtClean="0">
+                        <a:latin typeface="Cambria Math" panose="02040503050406030204" pitchFamily="18" charset="0"/>
+                      </a:rPr>
+                      <m:t>, </m:t>
+                    </m:r>
+                    <m:r>
+                      <a:rPr lang="en-IN" b="0" i="1" smtClean="0">
+                        <a:latin typeface="Cambria Math" panose="02040503050406030204" pitchFamily="18" charset="0"/>
+                      </a:rPr>
+                      <m:t>𝐴𝑇𝑇𝐴𝐶𝐾</m:t>
+                    </m:r>
+                    <m:r>
+                      <a:rPr lang="en-IN" b="0" i="1" smtClean="0">
+                        <a:latin typeface="Cambria Math" panose="02040503050406030204" pitchFamily="18" charset="0"/>
+                      </a:rPr>
+                      <m:t>}</m:t>
+                    </m:r>
+                  </m:oMath>
+                </a14:m>
+                <a:endParaRPr lang="en-US" dirty="0"/>
+              </a:p>
+            </p:txBody>
+          </p:sp>
+        </mc:Choice>
+        <mc:Fallback xmlns="">
+          <p:sp>
+            <p:nvSpPr>
+              <p:cNvPr id="3" name="Content Placeholder 2">
+                <a:extLst>
+                  <a:ext uri="{FF2B5EF4-FFF2-40B4-BE49-F238E27FC236}">
+                    <a16:creationId xmlns:a16="http://schemas.microsoft.com/office/drawing/2014/main" id="{E33D70A1-221B-F82D-1BAB-599911A77732}"/>
+                  </a:ext>
+                </a:extLst>
+              </p:cNvPr>
+              <p:cNvSpPr>
+                <a:spLocks noGrp="1" noRot="1" noChangeAspect="1" noMove="1" noResize="1" noEditPoints="1" noAdjustHandles="1" noChangeArrowheads="1" noChangeShapeType="1" noTextEdit="1"/>
+              </p:cNvSpPr>
+              <p:nvPr>
+                <p:ph idx="1"/>
+              </p:nvPr>
+            </p:nvSpPr>
+            <p:spPr>
+              <a:xfrm>
+                <a:off x="850900" y="1825625"/>
+                <a:ext cx="10515600" cy="4351338"/>
+              </a:xfrm>
+              <a:blipFill>
+                <a:blip r:embed="rId3"/>
+                <a:stretch>
+                  <a:fillRect l="-1043"/>
+                </a:stretch>
+              </a:blipFill>
+            </p:spPr>
+            <p:txBody>
+              <a:bodyPr/>
+              <a:lstStyle/>
+              <a:p>
+                <a:r>
+                  <a:rPr lang="en-GB">
+                    <a:noFill/>
+                  </a:rPr>
+                  <a:t> </a:t>
+                </a:r>
+              </a:p>
+            </p:txBody>
+          </p:sp>
+        </mc:Fallback>
+      </mc:AlternateContent>
     </p:spTree>
     <p:extLst>
       <p:ext uri="{BB962C8B-B14F-4D97-AF65-F5344CB8AC3E}">
-        <p14:creationId xmlns:p14="http://schemas.microsoft.com/office/powerpoint/2010/main" val="3936091535"/>
+        <p14:creationId xmlns:p14="http://schemas.microsoft.com/office/powerpoint/2010/main" val="1586064887"/>
       </p:ext>
     </p:extLst>
   </p:cSld>
@@ -7834,7 +12182,9 @@
         </p:nvSpPr>
         <p:spPr/>
         <p:txBody>
-          <a:bodyPr/>
+          <a:bodyPr>
+            <a:normAutofit lnSpcReduction="10000"/>
+          </a:bodyPr>
           <a:lstStyle/>
           <a:p>
             <a:r>
@@ -7851,7 +12201,13 @@
           <a:p>
             <a:r>
               <a:rPr lang="en-IN" dirty="0"/>
-              <a:t>Finite Automata &amp; Regular Languages</a:t>
+              <a:t>Finite Automata</a:t>
+            </a:r>
+          </a:p>
+          <a:p>
+            <a:r>
+              <a:rPr lang="en-IN" dirty="0"/>
+              <a:t>Regular Languages</a:t>
             </a:r>
             <a:endParaRPr lang="en-GB" dirty="0"/>
           </a:p>
@@ -7896,6 +12252,1384 @@
     <p:extLst>
       <p:ext uri="{BB962C8B-B14F-4D97-AF65-F5344CB8AC3E}">
         <p14:creationId xmlns:p14="http://schemas.microsoft.com/office/powerpoint/2010/main" val="3964192544"/>
+      </p:ext>
+    </p:extLst>
+  </p:cSld>
+  <p:clrMapOvr>
+    <a:masterClrMapping/>
+  </p:clrMapOvr>
+</p:sld>
+</file>
+
+<file path=ppt/slides/slide30.xml><?xml version="1.0" encoding="utf-8"?>
+<p:sld xmlns:a="http://schemas.openxmlformats.org/drawingml/2006/main" xmlns:r="http://schemas.openxmlformats.org/officeDocument/2006/relationships" xmlns:p="http://schemas.openxmlformats.org/presentationml/2006/main">
+  <p:cSld>
+    <p:spTree>
+      <p:nvGrpSpPr>
+        <p:cNvPr id="1" name=""/>
+        <p:cNvGrpSpPr/>
+        <p:nvPr/>
+      </p:nvGrpSpPr>
+      <p:grpSpPr>
+        <a:xfrm>
+          <a:off x="0" y="0"/>
+          <a:ext cx="0" cy="0"/>
+          <a:chOff x="0" y="0"/>
+          <a:chExt cx="0" cy="0"/>
+        </a:xfrm>
+      </p:grpSpPr>
+      <p:sp>
+        <p:nvSpPr>
+          <p:cNvPr id="2" name="Title 1">
+            <a:extLst>
+              <a:ext uri="{FF2B5EF4-FFF2-40B4-BE49-F238E27FC236}">
+                <a16:creationId xmlns:a16="http://schemas.microsoft.com/office/drawing/2014/main" id="{14130E6E-682F-EA6D-3D0A-685BB25C4E88}"/>
+              </a:ext>
+            </a:extLst>
+          </p:cNvPr>
+          <p:cNvSpPr>
+            <a:spLocks noGrp="1"/>
+          </p:cNvSpPr>
+          <p:nvPr>
+            <p:ph type="ctrTitle"/>
+          </p:nvPr>
+        </p:nvSpPr>
+        <p:spPr>
+          <a:xfrm>
+            <a:off x="1524000" y="2235200"/>
+            <a:ext cx="9144000" cy="2387600"/>
+          </a:xfrm>
+        </p:spPr>
+        <p:txBody>
+          <a:bodyPr anchor="ctr"/>
+          <a:lstStyle/>
+          <a:p>
+            <a:r>
+              <a:rPr lang="en-IN" dirty="0"/>
+              <a:t>Applications</a:t>
+            </a:r>
+            <a:endParaRPr lang="en-GB" dirty="0"/>
+          </a:p>
+        </p:txBody>
+      </p:sp>
+    </p:spTree>
+    <p:extLst>
+      <p:ext uri="{BB962C8B-B14F-4D97-AF65-F5344CB8AC3E}">
+        <p14:creationId xmlns:p14="http://schemas.microsoft.com/office/powerpoint/2010/main" val="4000572613"/>
+      </p:ext>
+    </p:extLst>
+  </p:cSld>
+  <p:clrMapOvr>
+    <a:masterClrMapping/>
+  </p:clrMapOvr>
+</p:sld>
+</file>
+
+<file path=ppt/slides/slide31.xml><?xml version="1.0" encoding="utf-8"?>
+<p:sld xmlns:a="http://schemas.openxmlformats.org/drawingml/2006/main" xmlns:r="http://schemas.openxmlformats.org/officeDocument/2006/relationships" xmlns:p="http://schemas.openxmlformats.org/presentationml/2006/main">
+  <p:cSld>
+    <p:spTree>
+      <p:nvGrpSpPr>
+        <p:cNvPr id="1" name=""/>
+        <p:cNvGrpSpPr/>
+        <p:nvPr/>
+      </p:nvGrpSpPr>
+      <p:grpSpPr>
+        <a:xfrm>
+          <a:off x="0" y="0"/>
+          <a:ext cx="0" cy="0"/>
+          <a:chOff x="0" y="0"/>
+          <a:chExt cx="0" cy="0"/>
+        </a:xfrm>
+      </p:grpSpPr>
+      <p:sp>
+        <p:nvSpPr>
+          <p:cNvPr id="2" name="Title 1">
+            <a:extLst>
+              <a:ext uri="{FF2B5EF4-FFF2-40B4-BE49-F238E27FC236}">
+                <a16:creationId xmlns:a16="http://schemas.microsoft.com/office/drawing/2014/main" id="{B6EF56E7-1361-BB4E-F4D2-E28021C76A99}"/>
+              </a:ext>
+            </a:extLst>
+          </p:cNvPr>
+          <p:cNvSpPr>
+            <a:spLocks noGrp="1"/>
+          </p:cNvSpPr>
+          <p:nvPr>
+            <p:ph type="title"/>
+          </p:nvPr>
+        </p:nvSpPr>
+        <p:spPr/>
+        <p:txBody>
+          <a:bodyPr/>
+          <a:lstStyle/>
+          <a:p>
+            <a:r>
+              <a:rPr lang="en-IN" dirty="0"/>
+              <a:t>Modelling State Machines in Python</a:t>
+            </a:r>
+            <a:endParaRPr lang="en-GB" dirty="0"/>
+          </a:p>
+        </p:txBody>
+      </p:sp>
+      <p:sp>
+        <p:nvSpPr>
+          <p:cNvPr id="3" name="Content Placeholder 2">
+            <a:extLst>
+              <a:ext uri="{FF2B5EF4-FFF2-40B4-BE49-F238E27FC236}">
+                <a16:creationId xmlns:a16="http://schemas.microsoft.com/office/drawing/2014/main" id="{E33D70A1-221B-F82D-1BAB-599911A77732}"/>
+              </a:ext>
+            </a:extLst>
+          </p:cNvPr>
+          <p:cNvSpPr>
+            <a:spLocks noGrp="1"/>
+          </p:cNvSpPr>
+          <p:nvPr>
+            <p:ph idx="1"/>
+          </p:nvPr>
+        </p:nvSpPr>
+        <p:spPr/>
+        <p:txBody>
+          <a:bodyPr/>
+          <a:lstStyle/>
+          <a:p>
+            <a:r>
+              <a:rPr lang="en-US" dirty="0"/>
+              <a:t>Five iterations, each demonstrating a general software design principle</a:t>
+            </a:r>
+          </a:p>
+          <a:p>
+            <a:pPr lvl="1"/>
+            <a:r>
+              <a:rPr lang="en-US" dirty="0"/>
+              <a:t>1 is the basic implementation</a:t>
+            </a:r>
+          </a:p>
+          <a:p>
+            <a:pPr lvl="1"/>
+            <a:r>
+              <a:rPr lang="en-US" dirty="0"/>
+              <a:t>2 gives us encapsulation</a:t>
+            </a:r>
+          </a:p>
+          <a:p>
+            <a:pPr lvl="1"/>
+            <a:r>
+              <a:rPr lang="en-US" dirty="0"/>
+              <a:t>3 gives us more structure</a:t>
+            </a:r>
+          </a:p>
+          <a:p>
+            <a:pPr lvl="1"/>
+            <a:r>
+              <a:rPr lang="en-US" dirty="0"/>
+              <a:t>4 gives us reusability</a:t>
+            </a:r>
+          </a:p>
+          <a:p>
+            <a:pPr lvl="1"/>
+            <a:r>
+              <a:rPr lang="en-US" dirty="0"/>
+              <a:t>5 gives us "type safety" and error handling</a:t>
+            </a:r>
+            <a:endParaRPr lang="en-GB" dirty="0"/>
+          </a:p>
+        </p:txBody>
+      </p:sp>
+    </p:spTree>
+    <p:extLst>
+      <p:ext uri="{BB962C8B-B14F-4D97-AF65-F5344CB8AC3E}">
+        <p14:creationId xmlns:p14="http://schemas.microsoft.com/office/powerpoint/2010/main" val="2008741535"/>
+      </p:ext>
+    </p:extLst>
+  </p:cSld>
+  <p:clrMapOvr>
+    <a:masterClrMapping/>
+  </p:clrMapOvr>
+</p:sld>
+</file>
+
+<file path=ppt/slides/slide32.xml><?xml version="1.0" encoding="utf-8"?>
+<p:sld xmlns:a="http://schemas.openxmlformats.org/drawingml/2006/main" xmlns:r="http://schemas.openxmlformats.org/officeDocument/2006/relationships" xmlns:p="http://schemas.openxmlformats.org/presentationml/2006/main">
+  <p:cSld>
+    <p:spTree>
+      <p:nvGrpSpPr>
+        <p:cNvPr id="1" name=""/>
+        <p:cNvGrpSpPr/>
+        <p:nvPr/>
+      </p:nvGrpSpPr>
+      <p:grpSpPr>
+        <a:xfrm>
+          <a:off x="0" y="0"/>
+          <a:ext cx="0" cy="0"/>
+          <a:chOff x="0" y="0"/>
+          <a:chExt cx="0" cy="0"/>
+        </a:xfrm>
+      </p:grpSpPr>
+      <p:sp>
+        <p:nvSpPr>
+          <p:cNvPr id="2" name="Title 1">
+            <a:extLst>
+              <a:ext uri="{FF2B5EF4-FFF2-40B4-BE49-F238E27FC236}">
+                <a16:creationId xmlns:a16="http://schemas.microsoft.com/office/drawing/2014/main" id="{EFBAE648-D2A0-7C84-C483-77373AF1A326}"/>
+              </a:ext>
+            </a:extLst>
+          </p:cNvPr>
+          <p:cNvSpPr>
+            <a:spLocks noGrp="1"/>
+          </p:cNvSpPr>
+          <p:nvPr>
+            <p:ph type="title"/>
+          </p:nvPr>
+        </p:nvSpPr>
+        <p:spPr/>
+        <p:txBody>
+          <a:bodyPr/>
+          <a:lstStyle/>
+          <a:p>
+            <a:r>
+              <a:rPr lang="en-IN" dirty="0"/>
+              <a:t>Exercise: Video Game NPC</a:t>
+            </a:r>
+            <a:endParaRPr lang="en-GB" dirty="0"/>
+          </a:p>
+        </p:txBody>
+      </p:sp>
+      <p:sp>
+        <p:nvSpPr>
+          <p:cNvPr id="3" name="Content Placeholder 2">
+            <a:extLst>
+              <a:ext uri="{FF2B5EF4-FFF2-40B4-BE49-F238E27FC236}">
+                <a16:creationId xmlns:a16="http://schemas.microsoft.com/office/drawing/2014/main" id="{22F5DB3B-0947-8E4D-7C11-5470199E1067}"/>
+              </a:ext>
+            </a:extLst>
+          </p:cNvPr>
+          <p:cNvSpPr>
+            <a:spLocks noGrp="1"/>
+          </p:cNvSpPr>
+          <p:nvPr>
+            <p:ph idx="1"/>
+          </p:nvPr>
+        </p:nvSpPr>
+        <p:spPr/>
+        <p:txBody>
+          <a:bodyPr/>
+          <a:lstStyle/>
+          <a:p>
+            <a:r>
+              <a:rPr lang="en-IN" dirty="0"/>
+              <a:t>Using what we learned, implement a finite state transducer that models the video game NPC (either version).</a:t>
+            </a:r>
+            <a:endParaRPr lang="en-GB" dirty="0"/>
+          </a:p>
+        </p:txBody>
+      </p:sp>
+    </p:spTree>
+    <p:extLst>
+      <p:ext uri="{BB962C8B-B14F-4D97-AF65-F5344CB8AC3E}">
+        <p14:creationId xmlns:p14="http://schemas.microsoft.com/office/powerpoint/2010/main" val="2569590476"/>
+      </p:ext>
+    </p:extLst>
+  </p:cSld>
+  <p:clrMapOvr>
+    <a:masterClrMapping/>
+  </p:clrMapOvr>
+</p:sld>
+</file>
+
+<file path=ppt/slides/slide33.xml><?xml version="1.0" encoding="utf-8"?>
+<p:sld xmlns:a="http://schemas.openxmlformats.org/drawingml/2006/main" xmlns:r="http://schemas.openxmlformats.org/officeDocument/2006/relationships" xmlns:p="http://schemas.openxmlformats.org/presentationml/2006/main">
+  <p:cSld>
+    <p:spTree>
+      <p:nvGrpSpPr>
+        <p:cNvPr id="1" name="">
+          <a:extLst>
+            <a:ext uri="{FF2B5EF4-FFF2-40B4-BE49-F238E27FC236}">
+              <a16:creationId xmlns:a16="http://schemas.microsoft.com/office/drawing/2014/main" id="{DA1AC3EA-CC6B-A81A-C09D-7C575A950C44}"/>
+            </a:ext>
+          </a:extLst>
+        </p:cNvPr>
+        <p:cNvGrpSpPr/>
+        <p:nvPr/>
+      </p:nvGrpSpPr>
+      <p:grpSpPr>
+        <a:xfrm>
+          <a:off x="0" y="0"/>
+          <a:ext cx="0" cy="0"/>
+          <a:chOff x="0" y="0"/>
+          <a:chExt cx="0" cy="0"/>
+        </a:xfrm>
+      </p:grpSpPr>
+      <p:sp>
+        <p:nvSpPr>
+          <p:cNvPr id="2" name="Title 1">
+            <a:extLst>
+              <a:ext uri="{FF2B5EF4-FFF2-40B4-BE49-F238E27FC236}">
+                <a16:creationId xmlns:a16="http://schemas.microsoft.com/office/drawing/2014/main" id="{74907A25-EDDC-D660-4A44-0B00BA228D46}"/>
+              </a:ext>
+            </a:extLst>
+          </p:cNvPr>
+          <p:cNvSpPr>
+            <a:spLocks noGrp="1"/>
+          </p:cNvSpPr>
+          <p:nvPr>
+            <p:ph type="title"/>
+          </p:nvPr>
+        </p:nvSpPr>
+        <p:spPr/>
+        <p:txBody>
+          <a:bodyPr/>
+          <a:lstStyle/>
+          <a:p>
+            <a:r>
+              <a:rPr lang="en-IN" dirty="0" err="1"/>
+              <a:t>RegEx</a:t>
+            </a:r>
+            <a:r>
+              <a:rPr lang="en-IN" dirty="0"/>
+              <a:t> in Python</a:t>
+            </a:r>
+            <a:endParaRPr lang="en-GB" dirty="0"/>
+          </a:p>
+        </p:txBody>
+      </p:sp>
+      <p:sp>
+        <p:nvSpPr>
+          <p:cNvPr id="3" name="Content Placeholder 2">
+            <a:extLst>
+              <a:ext uri="{FF2B5EF4-FFF2-40B4-BE49-F238E27FC236}">
+                <a16:creationId xmlns:a16="http://schemas.microsoft.com/office/drawing/2014/main" id="{498F750E-DD3E-2003-C736-4BF956970A99}"/>
+              </a:ext>
+            </a:extLst>
+          </p:cNvPr>
+          <p:cNvSpPr>
+            <a:spLocks noGrp="1"/>
+          </p:cNvSpPr>
+          <p:nvPr>
+            <p:ph idx="1"/>
+          </p:nvPr>
+        </p:nvSpPr>
+        <p:spPr/>
+        <p:txBody>
+          <a:bodyPr/>
+          <a:lstStyle/>
+          <a:p>
+            <a:r>
+              <a:rPr lang="en-IN" dirty="0"/>
+              <a:t>Python’s standard library has the module </a:t>
+            </a:r>
+            <a:r>
+              <a:rPr lang="en-IN" dirty="0">
+                <a:latin typeface="Inconsolata SemiBold" panose="00000509000000000000" pitchFamily="49" charset="0"/>
+                <a:ea typeface="Inconsolata SemiBold" panose="00000509000000000000" pitchFamily="49" charset="0"/>
+              </a:rPr>
+              <a:t>re</a:t>
+            </a:r>
+            <a:r>
+              <a:rPr lang="en-IN" dirty="0"/>
+              <a:t> which provides </a:t>
+            </a:r>
+            <a:r>
+              <a:rPr lang="en-IN" dirty="0" err="1"/>
+              <a:t>RegEx</a:t>
+            </a:r>
+            <a:r>
+              <a:rPr lang="en-IN" dirty="0"/>
+              <a:t> functionality</a:t>
+            </a:r>
+          </a:p>
+          <a:p>
+            <a:r>
+              <a:rPr lang="en-IN" dirty="0"/>
+              <a:t>Basic workflow</a:t>
+            </a:r>
+          </a:p>
+          <a:p>
+            <a:pPr lvl="1"/>
+            <a:r>
+              <a:rPr lang="en-IN" dirty="0">
+                <a:latin typeface="Inconsolata" panose="00000509000000000000" pitchFamily="49" charset="0"/>
+                <a:ea typeface="Inconsolata" panose="00000509000000000000" pitchFamily="49" charset="0"/>
+              </a:rPr>
+              <a:t>import re</a:t>
+            </a:r>
+          </a:p>
+          <a:p>
+            <a:pPr lvl="1"/>
+            <a:r>
+              <a:rPr lang="en-IN" dirty="0">
+                <a:latin typeface="Inconsolata" panose="00000509000000000000" pitchFamily="49" charset="0"/>
+                <a:ea typeface="Inconsolata" panose="00000509000000000000" pitchFamily="49" charset="0"/>
+              </a:rPr>
+              <a:t>compile</a:t>
+            </a:r>
+            <a:endParaRPr lang="en-IN" dirty="0"/>
+          </a:p>
+          <a:p>
+            <a:pPr lvl="1"/>
+            <a:r>
+              <a:rPr lang="en-IN" dirty="0">
+                <a:latin typeface="Inconsolata" panose="00000509000000000000" pitchFamily="49" charset="0"/>
+                <a:ea typeface="Inconsolata" panose="00000509000000000000" pitchFamily="49" charset="0"/>
+              </a:rPr>
+              <a:t>match/search/</a:t>
+            </a:r>
+            <a:r>
+              <a:rPr lang="en-IN" dirty="0" err="1">
+                <a:latin typeface="Inconsolata" panose="00000509000000000000" pitchFamily="49" charset="0"/>
+                <a:ea typeface="Inconsolata" panose="00000509000000000000" pitchFamily="49" charset="0"/>
+              </a:rPr>
+              <a:t>findall</a:t>
+            </a:r>
+            <a:r>
+              <a:rPr lang="en-IN" dirty="0">
+                <a:latin typeface="Inconsolata" panose="00000509000000000000" pitchFamily="49" charset="0"/>
+                <a:ea typeface="Inconsolata" panose="00000509000000000000" pitchFamily="49" charset="0"/>
+              </a:rPr>
+              <a:t>/</a:t>
+            </a:r>
+            <a:r>
+              <a:rPr lang="en-IN" dirty="0" err="1">
+                <a:latin typeface="Inconsolata" panose="00000509000000000000" pitchFamily="49" charset="0"/>
+                <a:ea typeface="Inconsolata" panose="00000509000000000000" pitchFamily="49" charset="0"/>
+              </a:rPr>
+              <a:t>finditer</a:t>
+            </a:r>
+            <a:endParaRPr lang="en-GB" dirty="0">
+              <a:latin typeface="Inconsolata" panose="00000509000000000000" pitchFamily="49" charset="0"/>
+              <a:ea typeface="Inconsolata" panose="00000509000000000000" pitchFamily="49" charset="0"/>
+            </a:endParaRPr>
+          </a:p>
+          <a:p>
+            <a:pPr lvl="1"/>
+            <a:r>
+              <a:rPr lang="en-GB" dirty="0"/>
+              <a:t>Match Objects</a:t>
+            </a:r>
+          </a:p>
+          <a:p>
+            <a:pPr lvl="2"/>
+            <a:r>
+              <a:rPr lang="en-GB" dirty="0">
+                <a:latin typeface="Inconsolata" panose="00000509000000000000" pitchFamily="49" charset="0"/>
+                <a:ea typeface="Inconsolata" panose="00000509000000000000" pitchFamily="49" charset="0"/>
+              </a:rPr>
+              <a:t>group/start/end/span</a:t>
+            </a:r>
+            <a:endParaRPr lang="en-IN" dirty="0">
+              <a:latin typeface="Inconsolata" panose="00000509000000000000" pitchFamily="49" charset="0"/>
+              <a:ea typeface="Inconsolata" panose="00000509000000000000" pitchFamily="49" charset="0"/>
+            </a:endParaRPr>
+          </a:p>
+        </p:txBody>
+      </p:sp>
+    </p:spTree>
+    <p:extLst>
+      <p:ext uri="{BB962C8B-B14F-4D97-AF65-F5344CB8AC3E}">
+        <p14:creationId xmlns:p14="http://schemas.microsoft.com/office/powerpoint/2010/main" val="318389734"/>
+      </p:ext>
+    </p:extLst>
+  </p:cSld>
+  <p:clrMapOvr>
+    <a:masterClrMapping/>
+  </p:clrMapOvr>
+</p:sld>
+</file>
+
+<file path=ppt/slides/slide34.xml><?xml version="1.0" encoding="utf-8"?>
+<p:sld xmlns:a="http://schemas.openxmlformats.org/drawingml/2006/main" xmlns:r="http://schemas.openxmlformats.org/officeDocument/2006/relationships" xmlns:p="http://schemas.openxmlformats.org/presentationml/2006/main">
+  <p:cSld>
+    <p:spTree>
+      <p:nvGrpSpPr>
+        <p:cNvPr id="1" name=""/>
+        <p:cNvGrpSpPr/>
+        <p:nvPr/>
+      </p:nvGrpSpPr>
+      <p:grpSpPr>
+        <a:xfrm>
+          <a:off x="0" y="0"/>
+          <a:ext cx="0" cy="0"/>
+          <a:chOff x="0" y="0"/>
+          <a:chExt cx="0" cy="0"/>
+        </a:xfrm>
+      </p:grpSpPr>
+      <p:sp>
+        <p:nvSpPr>
+          <p:cNvPr id="2" name="Title 1">
+            <a:extLst>
+              <a:ext uri="{FF2B5EF4-FFF2-40B4-BE49-F238E27FC236}">
+                <a16:creationId xmlns:a16="http://schemas.microsoft.com/office/drawing/2014/main" id="{14130E6E-682F-EA6D-3D0A-685BB25C4E88}"/>
+              </a:ext>
+            </a:extLst>
+          </p:cNvPr>
+          <p:cNvSpPr>
+            <a:spLocks noGrp="1"/>
+          </p:cNvSpPr>
+          <p:nvPr>
+            <p:ph type="ctrTitle"/>
+          </p:nvPr>
+        </p:nvSpPr>
+        <p:spPr>
+          <a:xfrm>
+            <a:off x="1524000" y="2235200"/>
+            <a:ext cx="9144000" cy="2387600"/>
+          </a:xfrm>
+        </p:spPr>
+        <p:txBody>
+          <a:bodyPr anchor="ctr"/>
+          <a:lstStyle/>
+          <a:p>
+            <a:r>
+              <a:rPr lang="en-IN" dirty="0"/>
+              <a:t>More Theory</a:t>
+            </a:r>
+            <a:endParaRPr lang="en-GB" dirty="0"/>
+          </a:p>
+        </p:txBody>
+      </p:sp>
+    </p:spTree>
+    <p:extLst>
+      <p:ext uri="{BB962C8B-B14F-4D97-AF65-F5344CB8AC3E}">
+        <p14:creationId xmlns:p14="http://schemas.microsoft.com/office/powerpoint/2010/main" val="489428916"/>
+      </p:ext>
+    </p:extLst>
+  </p:cSld>
+  <p:clrMapOvr>
+    <a:masterClrMapping/>
+  </p:clrMapOvr>
+</p:sld>
+</file>
+
+<file path=ppt/slides/slide35.xml><?xml version="1.0" encoding="utf-8"?>
+<p:sld xmlns:a="http://schemas.openxmlformats.org/drawingml/2006/main" xmlns:r="http://schemas.openxmlformats.org/officeDocument/2006/relationships" xmlns:p="http://schemas.openxmlformats.org/presentationml/2006/main">
+  <p:cSld>
+    <p:spTree>
+      <p:nvGrpSpPr>
+        <p:cNvPr id="1" name=""/>
+        <p:cNvGrpSpPr/>
+        <p:nvPr/>
+      </p:nvGrpSpPr>
+      <p:grpSpPr>
+        <a:xfrm>
+          <a:off x="0" y="0"/>
+          <a:ext cx="0" cy="0"/>
+          <a:chOff x="0" y="0"/>
+          <a:chExt cx="0" cy="0"/>
+        </a:xfrm>
+      </p:grpSpPr>
+      <p:sp>
+        <p:nvSpPr>
+          <p:cNvPr id="2" name="Title 1">
+            <a:extLst>
+              <a:ext uri="{FF2B5EF4-FFF2-40B4-BE49-F238E27FC236}">
+                <a16:creationId xmlns:a16="http://schemas.microsoft.com/office/drawing/2014/main" id="{59D885C9-431D-F4CE-D761-C21EB659220D}"/>
+              </a:ext>
+            </a:extLst>
+          </p:cNvPr>
+          <p:cNvSpPr>
+            <a:spLocks noGrp="1"/>
+          </p:cNvSpPr>
+          <p:nvPr>
+            <p:ph type="title"/>
+          </p:nvPr>
+        </p:nvSpPr>
+        <p:spPr/>
+        <p:txBody>
+          <a:bodyPr/>
+          <a:lstStyle/>
+          <a:p>
+            <a:r>
+              <a:rPr lang="en-IN" dirty="0"/>
+              <a:t>Non-Deterministic FSA</a:t>
+            </a:r>
+            <a:endParaRPr lang="en-GB" dirty="0"/>
+          </a:p>
+        </p:txBody>
+      </p:sp>
+      <p:sp>
+        <p:nvSpPr>
+          <p:cNvPr id="3" name="Content Placeholder 2">
+            <a:extLst>
+              <a:ext uri="{FF2B5EF4-FFF2-40B4-BE49-F238E27FC236}">
+                <a16:creationId xmlns:a16="http://schemas.microsoft.com/office/drawing/2014/main" id="{57653743-165E-D35A-57B7-1FB61FFFC312}"/>
+              </a:ext>
+            </a:extLst>
+          </p:cNvPr>
+          <p:cNvSpPr>
+            <a:spLocks noGrp="1"/>
+          </p:cNvSpPr>
+          <p:nvPr>
+            <p:ph idx="1"/>
+          </p:nvPr>
+        </p:nvSpPr>
+        <p:spPr/>
+        <p:txBody>
+          <a:bodyPr/>
+          <a:lstStyle/>
+          <a:p>
+            <a:r>
+              <a:rPr lang="en-IN" dirty="0"/>
+              <a:t>Jump to many states “at once” while consuming a single symbol</a:t>
+            </a:r>
+          </a:p>
+          <a:p>
+            <a:r>
+              <a:rPr lang="en-IN" dirty="0"/>
+              <a:t>Makes many state machines simpler to design (but more complex to implement)</a:t>
+            </a:r>
+          </a:p>
+          <a:p>
+            <a:r>
+              <a:rPr lang="en-IN" dirty="0"/>
+              <a:t>Equivalent to (i.e., no more powerful than a deterministic FSA) </a:t>
+            </a:r>
+            <a:endParaRPr lang="en-GB" dirty="0"/>
+          </a:p>
+        </p:txBody>
+      </p:sp>
+    </p:spTree>
+    <p:extLst>
+      <p:ext uri="{BB962C8B-B14F-4D97-AF65-F5344CB8AC3E}">
+        <p14:creationId xmlns:p14="http://schemas.microsoft.com/office/powerpoint/2010/main" val="2815685982"/>
+      </p:ext>
+    </p:extLst>
+  </p:cSld>
+  <p:clrMapOvr>
+    <a:masterClrMapping/>
+  </p:clrMapOvr>
+</p:sld>
+</file>
+
+<file path=ppt/slides/slide36.xml><?xml version="1.0" encoding="utf-8"?>
+<p:sld xmlns:a="http://schemas.openxmlformats.org/drawingml/2006/main" xmlns:r="http://schemas.openxmlformats.org/officeDocument/2006/relationships" xmlns:p="http://schemas.openxmlformats.org/presentationml/2006/main">
+  <p:cSld>
+    <p:spTree>
+      <p:nvGrpSpPr>
+        <p:cNvPr id="1" name=""/>
+        <p:cNvGrpSpPr/>
+        <p:nvPr/>
+      </p:nvGrpSpPr>
+      <p:grpSpPr>
+        <a:xfrm>
+          <a:off x="0" y="0"/>
+          <a:ext cx="0" cy="0"/>
+          <a:chOff x="0" y="0"/>
+          <a:chExt cx="0" cy="0"/>
+        </a:xfrm>
+      </p:grpSpPr>
+      <p:sp>
+        <p:nvSpPr>
+          <p:cNvPr id="2" name="Title 1">
+            <a:extLst>
+              <a:ext uri="{FF2B5EF4-FFF2-40B4-BE49-F238E27FC236}">
+                <a16:creationId xmlns:a16="http://schemas.microsoft.com/office/drawing/2014/main" id="{03110A44-D228-835D-D686-1C0F6DA4E50F}"/>
+              </a:ext>
+            </a:extLst>
+          </p:cNvPr>
+          <p:cNvSpPr>
+            <a:spLocks noGrp="1"/>
+          </p:cNvSpPr>
+          <p:nvPr>
+            <p:ph type="title"/>
+          </p:nvPr>
+        </p:nvSpPr>
+        <p:spPr/>
+        <p:txBody>
+          <a:bodyPr/>
+          <a:lstStyle/>
+          <a:p>
+            <a:r>
+              <a:rPr lang="en-IN" dirty="0"/>
+              <a:t>Closure of Regular Languages under the Regular Operations</a:t>
+            </a:r>
+            <a:endParaRPr lang="en-GB" dirty="0"/>
+          </a:p>
+        </p:txBody>
+      </p:sp>
+      <p:sp>
+        <p:nvSpPr>
+          <p:cNvPr id="3" name="Content Placeholder 2">
+            <a:extLst>
+              <a:ext uri="{FF2B5EF4-FFF2-40B4-BE49-F238E27FC236}">
+                <a16:creationId xmlns:a16="http://schemas.microsoft.com/office/drawing/2014/main" id="{A4038FC5-0AAB-BF1D-D731-DD04915E4CED}"/>
+              </a:ext>
+            </a:extLst>
+          </p:cNvPr>
+          <p:cNvSpPr>
+            <a:spLocks noGrp="1"/>
+          </p:cNvSpPr>
+          <p:nvPr>
+            <p:ph idx="1"/>
+          </p:nvPr>
+        </p:nvSpPr>
+        <p:spPr/>
+        <p:txBody>
+          <a:bodyPr/>
+          <a:lstStyle/>
+          <a:p>
+            <a:r>
+              <a:rPr lang="en-IN" dirty="0"/>
+              <a:t>Non-Deterministic FSAs lead to elegant proofs of the closure of regular languages under the regular operations</a:t>
+            </a:r>
+          </a:p>
+        </p:txBody>
+      </p:sp>
+    </p:spTree>
+    <p:extLst>
+      <p:ext uri="{BB962C8B-B14F-4D97-AF65-F5344CB8AC3E}">
+        <p14:creationId xmlns:p14="http://schemas.microsoft.com/office/powerpoint/2010/main" val="1468997797"/>
+      </p:ext>
+    </p:extLst>
+  </p:cSld>
+  <p:clrMapOvr>
+    <a:masterClrMapping/>
+  </p:clrMapOvr>
+</p:sld>
+</file>
+
+<file path=ppt/slides/slide37.xml><?xml version="1.0" encoding="utf-8"?>
+<p:sld xmlns:a="http://schemas.openxmlformats.org/drawingml/2006/main" xmlns:r="http://schemas.openxmlformats.org/officeDocument/2006/relationships" xmlns:p="http://schemas.openxmlformats.org/presentationml/2006/main">
+  <p:cSld>
+    <p:spTree>
+      <p:nvGrpSpPr>
+        <p:cNvPr id="1" name="">
+          <a:extLst>
+            <a:ext uri="{FF2B5EF4-FFF2-40B4-BE49-F238E27FC236}">
+              <a16:creationId xmlns:a16="http://schemas.microsoft.com/office/drawing/2014/main" id="{D5DE2905-9B6E-7056-035F-05B1C4340F22}"/>
+            </a:ext>
+          </a:extLst>
+        </p:cNvPr>
+        <p:cNvGrpSpPr/>
+        <p:nvPr/>
+      </p:nvGrpSpPr>
+      <p:grpSpPr>
+        <a:xfrm>
+          <a:off x="0" y="0"/>
+          <a:ext cx="0" cy="0"/>
+          <a:chOff x="0" y="0"/>
+          <a:chExt cx="0" cy="0"/>
+        </a:xfrm>
+      </p:grpSpPr>
+      <p:pic>
+        <p:nvPicPr>
+          <p:cNvPr id="9" name="Picture 8">
+            <a:extLst>
+              <a:ext uri="{FF2B5EF4-FFF2-40B4-BE49-F238E27FC236}">
+                <a16:creationId xmlns:a16="http://schemas.microsoft.com/office/drawing/2014/main" id="{C7069DB4-441B-E5EF-BA4F-78C5A443ED53}"/>
+              </a:ext>
+            </a:extLst>
+          </p:cNvPr>
+          <p:cNvPicPr>
+            <a:picLocks noChangeAspect="1"/>
+          </p:cNvPicPr>
+          <p:nvPr/>
+        </p:nvPicPr>
+        <p:blipFill rotWithShape="1">
+          <a:blip r:embed="rId3"/>
+          <a:srcRect l="16440" r="18115"/>
+          <a:stretch/>
+        </p:blipFill>
+        <p:spPr>
+          <a:xfrm>
+            <a:off x="4060722" y="688258"/>
+            <a:ext cx="4070556" cy="3810000"/>
+          </a:xfrm>
+          <a:prstGeom prst="rect">
+            <a:avLst/>
+          </a:prstGeom>
+        </p:spPr>
+      </p:pic>
+      <mc:AlternateContent xmlns:mc="http://schemas.openxmlformats.org/markup-compatibility/2006" xmlns:a14="http://schemas.microsoft.com/office/drawing/2010/main">
+        <mc:Choice Requires="a14">
+          <p:sp>
+            <p:nvSpPr>
+              <p:cNvPr id="14" name="TextBox 13">
+                <a:extLst>
+                  <a:ext uri="{FF2B5EF4-FFF2-40B4-BE49-F238E27FC236}">
+                    <a16:creationId xmlns:a16="http://schemas.microsoft.com/office/drawing/2014/main" id="{872374BD-52BE-156F-B388-693E368B7A5B}"/>
+                  </a:ext>
+                </a:extLst>
+              </p:cNvPr>
+              <p:cNvSpPr txBox="1"/>
+              <p:nvPr/>
+            </p:nvSpPr>
+            <p:spPr>
+              <a:xfrm>
+                <a:off x="4060722" y="4798142"/>
+                <a:ext cx="4070556" cy="923330"/>
+              </a:xfrm>
+              <a:prstGeom prst="rect">
+                <a:avLst/>
+              </a:prstGeom>
+              <a:noFill/>
+            </p:spPr>
+            <p:txBody>
+              <a:bodyPr wrap="square" rtlCol="0">
+                <a:spAutoFit/>
+              </a:bodyPr>
+              <a:lstStyle/>
+              <a:p>
+                <a:pPr/>
+                <a14:m>
+                  <m:oMathPara xmlns:m="http://schemas.openxmlformats.org/officeDocument/2006/math">
+                    <m:oMathParaPr>
+                      <m:jc m:val="centerGroup"/>
+                    </m:oMathParaPr>
+                    <m:oMath xmlns:m="http://schemas.openxmlformats.org/officeDocument/2006/math">
+                      <m:r>
+                        <a:rPr lang="en-IN" sz="5400" b="0" i="1" smtClean="0">
+                          <a:latin typeface="Cambria Math" panose="02040503050406030204" pitchFamily="18" charset="0"/>
+                        </a:rPr>
+                        <m:t>𝑁</m:t>
+                      </m:r>
+                      <m:r>
+                        <a:rPr lang="en-IN" sz="5400" b="0" i="1" smtClean="0">
+                          <a:latin typeface="Cambria Math" panose="02040503050406030204" pitchFamily="18" charset="0"/>
+                        </a:rPr>
+                        <m:t>=</m:t>
+                      </m:r>
+                      <m:sSub>
+                        <m:sSubPr>
+                          <m:ctrlPr>
+                            <a:rPr lang="en-IN" sz="5400" b="0" i="1" smtClean="0">
+                              <a:latin typeface="Cambria Math" panose="02040503050406030204" pitchFamily="18" charset="0"/>
+                            </a:rPr>
+                          </m:ctrlPr>
+                        </m:sSubPr>
+                        <m:e>
+                          <m:r>
+                            <a:rPr lang="en-IN" sz="5400" b="0" i="1" smtClean="0">
+                              <a:latin typeface="Cambria Math" panose="02040503050406030204" pitchFamily="18" charset="0"/>
+                            </a:rPr>
+                            <m:t>𝑁</m:t>
+                          </m:r>
+                        </m:e>
+                        <m:sub>
+                          <m:r>
+                            <a:rPr lang="en-IN" sz="5400" b="0" i="1" smtClean="0">
+                              <a:latin typeface="Cambria Math" panose="02040503050406030204" pitchFamily="18" charset="0"/>
+                            </a:rPr>
+                            <m:t>1</m:t>
+                          </m:r>
+                        </m:sub>
+                      </m:sSub>
+                      <m:r>
+                        <a:rPr lang="en-IN" sz="5400" b="0" i="1" smtClean="0">
+                          <a:latin typeface="Cambria Math" panose="02040503050406030204" pitchFamily="18" charset="0"/>
+                          <a:ea typeface="Cambria Math" panose="02040503050406030204" pitchFamily="18" charset="0"/>
+                        </a:rPr>
+                        <m:t>∪</m:t>
+                      </m:r>
+                      <m:sSub>
+                        <m:sSubPr>
+                          <m:ctrlPr>
+                            <a:rPr lang="en-IN" sz="5400" b="0" i="1" smtClean="0">
+                              <a:latin typeface="Cambria Math" panose="02040503050406030204" pitchFamily="18" charset="0"/>
+                              <a:ea typeface="Cambria Math" panose="02040503050406030204" pitchFamily="18" charset="0"/>
+                            </a:rPr>
+                          </m:ctrlPr>
+                        </m:sSubPr>
+                        <m:e>
+                          <m:r>
+                            <a:rPr lang="en-IN" sz="5400" b="0" i="1" smtClean="0">
+                              <a:latin typeface="Cambria Math" panose="02040503050406030204" pitchFamily="18" charset="0"/>
+                              <a:ea typeface="Cambria Math" panose="02040503050406030204" pitchFamily="18" charset="0"/>
+                            </a:rPr>
+                            <m:t>𝑁</m:t>
+                          </m:r>
+                        </m:e>
+                        <m:sub>
+                          <m:r>
+                            <a:rPr lang="en-IN" sz="5400" b="0" i="1" smtClean="0">
+                              <a:latin typeface="Cambria Math" panose="02040503050406030204" pitchFamily="18" charset="0"/>
+                              <a:ea typeface="Cambria Math" panose="02040503050406030204" pitchFamily="18" charset="0"/>
+                            </a:rPr>
+                            <m:t>2</m:t>
+                          </m:r>
+                        </m:sub>
+                      </m:sSub>
+                    </m:oMath>
+                  </m:oMathPara>
+                </a14:m>
+                <a:endParaRPr lang="en-GB" sz="5400" dirty="0"/>
+              </a:p>
+            </p:txBody>
+          </p:sp>
+        </mc:Choice>
+        <mc:Fallback xmlns="">
+          <p:sp>
+            <p:nvSpPr>
+              <p:cNvPr id="14" name="TextBox 13">
+                <a:extLst>
+                  <a:ext uri="{FF2B5EF4-FFF2-40B4-BE49-F238E27FC236}">
+                    <a16:creationId xmlns:a16="http://schemas.microsoft.com/office/drawing/2014/main" id="{872374BD-52BE-156F-B388-693E368B7A5B}"/>
+                  </a:ext>
+                </a:extLst>
+              </p:cNvPr>
+              <p:cNvSpPr txBox="1">
+                <a:spLocks noRot="1" noChangeAspect="1" noMove="1" noResize="1" noEditPoints="1" noAdjustHandles="1" noChangeArrowheads="1" noChangeShapeType="1" noTextEdit="1"/>
+              </p:cNvSpPr>
+              <p:nvPr/>
+            </p:nvSpPr>
+            <p:spPr>
+              <a:xfrm>
+                <a:off x="4060722" y="4798142"/>
+                <a:ext cx="4070556" cy="923330"/>
+              </a:xfrm>
+              <a:prstGeom prst="rect">
+                <a:avLst/>
+              </a:prstGeom>
+              <a:blipFill>
+                <a:blip r:embed="rId4"/>
+                <a:stretch>
+                  <a:fillRect/>
+                </a:stretch>
+              </a:blipFill>
+            </p:spPr>
+            <p:txBody>
+              <a:bodyPr/>
+              <a:lstStyle/>
+              <a:p>
+                <a:r>
+                  <a:rPr lang="en-GB">
+                    <a:noFill/>
+                  </a:rPr>
+                  <a:t> </a:t>
+                </a:r>
+              </a:p>
+            </p:txBody>
+          </p:sp>
+        </mc:Fallback>
+      </mc:AlternateContent>
+    </p:spTree>
+    <p:extLst>
+      <p:ext uri="{BB962C8B-B14F-4D97-AF65-F5344CB8AC3E}">
+        <p14:creationId xmlns:p14="http://schemas.microsoft.com/office/powerpoint/2010/main" val="3927275861"/>
+      </p:ext>
+    </p:extLst>
+  </p:cSld>
+  <p:clrMapOvr>
+    <a:masterClrMapping/>
+  </p:clrMapOvr>
+</p:sld>
+</file>
+
+<file path=ppt/slides/slide38.xml><?xml version="1.0" encoding="utf-8"?>
+<p:sld xmlns:a="http://schemas.openxmlformats.org/drawingml/2006/main" xmlns:r="http://schemas.openxmlformats.org/officeDocument/2006/relationships" xmlns:p="http://schemas.openxmlformats.org/presentationml/2006/main">
+  <p:cSld>
+    <p:spTree>
+      <p:nvGrpSpPr>
+        <p:cNvPr id="1" name="">
+          <a:extLst>
+            <a:ext uri="{FF2B5EF4-FFF2-40B4-BE49-F238E27FC236}">
+              <a16:creationId xmlns:a16="http://schemas.microsoft.com/office/drawing/2014/main" id="{5BFB1BB2-16D5-6C80-5453-D831B612FD0F}"/>
+            </a:ext>
+          </a:extLst>
+        </p:cNvPr>
+        <p:cNvGrpSpPr/>
+        <p:nvPr/>
+      </p:nvGrpSpPr>
+      <p:grpSpPr>
+        <a:xfrm>
+          <a:off x="0" y="0"/>
+          <a:ext cx="0" cy="0"/>
+          <a:chOff x="0" y="0"/>
+          <a:chExt cx="0" cy="0"/>
+        </a:xfrm>
+      </p:grpSpPr>
+      <p:pic>
+        <p:nvPicPr>
+          <p:cNvPr id="11" name="Picture 10">
+            <a:extLst>
+              <a:ext uri="{FF2B5EF4-FFF2-40B4-BE49-F238E27FC236}">
+                <a16:creationId xmlns:a16="http://schemas.microsoft.com/office/drawing/2014/main" id="{BE4187C7-E1AD-1054-6489-911D4172EF5C}"/>
+              </a:ext>
+            </a:extLst>
+          </p:cNvPr>
+          <p:cNvPicPr>
+            <a:picLocks noChangeAspect="1"/>
+          </p:cNvPicPr>
+          <p:nvPr/>
+        </p:nvPicPr>
+        <p:blipFill rotWithShape="1">
+          <a:blip r:embed="rId3"/>
+          <a:srcRect l="12109" r="12818"/>
+          <a:stretch/>
+        </p:blipFill>
+        <p:spPr>
+          <a:xfrm>
+            <a:off x="3657600" y="1061882"/>
+            <a:ext cx="4876800" cy="3533775"/>
+          </a:xfrm>
+          <a:prstGeom prst="rect">
+            <a:avLst/>
+          </a:prstGeom>
+        </p:spPr>
+      </p:pic>
+      <mc:AlternateContent xmlns:mc="http://schemas.openxmlformats.org/markup-compatibility/2006" xmlns:a14="http://schemas.microsoft.com/office/drawing/2010/main">
+        <mc:Choice Requires="a14">
+          <p:sp>
+            <p:nvSpPr>
+              <p:cNvPr id="2" name="TextBox 1">
+                <a:extLst>
+                  <a:ext uri="{FF2B5EF4-FFF2-40B4-BE49-F238E27FC236}">
+                    <a16:creationId xmlns:a16="http://schemas.microsoft.com/office/drawing/2014/main" id="{AD2D5DFF-98ED-B20D-4352-6E4D232FF4F6}"/>
+                  </a:ext>
+                </a:extLst>
+              </p:cNvPr>
+              <p:cNvSpPr txBox="1"/>
+              <p:nvPr/>
+            </p:nvSpPr>
+            <p:spPr>
+              <a:xfrm>
+                <a:off x="4060722" y="4798142"/>
+                <a:ext cx="4070556" cy="923330"/>
+              </a:xfrm>
+              <a:prstGeom prst="rect">
+                <a:avLst/>
+              </a:prstGeom>
+              <a:noFill/>
+            </p:spPr>
+            <p:txBody>
+              <a:bodyPr wrap="square" rtlCol="0">
+                <a:spAutoFit/>
+              </a:bodyPr>
+              <a:lstStyle/>
+              <a:p>
+                <a:pPr/>
+                <a14:m>
+                  <m:oMathPara xmlns:m="http://schemas.openxmlformats.org/officeDocument/2006/math">
+                    <m:oMathParaPr>
+                      <m:jc m:val="centerGroup"/>
+                    </m:oMathParaPr>
+                    <m:oMath xmlns:m="http://schemas.openxmlformats.org/officeDocument/2006/math">
+                      <m:r>
+                        <a:rPr lang="en-IN" sz="5400" b="0" i="1" smtClean="0">
+                          <a:latin typeface="Cambria Math" panose="02040503050406030204" pitchFamily="18" charset="0"/>
+                        </a:rPr>
+                        <m:t>𝑁</m:t>
+                      </m:r>
+                      <m:r>
+                        <a:rPr lang="en-IN" sz="5400" b="0" i="1" smtClean="0">
+                          <a:latin typeface="Cambria Math" panose="02040503050406030204" pitchFamily="18" charset="0"/>
+                        </a:rPr>
+                        <m:t>=</m:t>
+                      </m:r>
+                      <m:sSub>
+                        <m:sSubPr>
+                          <m:ctrlPr>
+                            <a:rPr lang="en-IN" sz="5400" b="0" i="1" smtClean="0">
+                              <a:latin typeface="Cambria Math" panose="02040503050406030204" pitchFamily="18" charset="0"/>
+                            </a:rPr>
+                          </m:ctrlPr>
+                        </m:sSubPr>
+                        <m:e>
+                          <m:r>
+                            <a:rPr lang="en-IN" sz="5400" b="0" i="1" smtClean="0">
+                              <a:latin typeface="Cambria Math" panose="02040503050406030204" pitchFamily="18" charset="0"/>
+                            </a:rPr>
+                            <m:t>𝑁</m:t>
+                          </m:r>
+                        </m:e>
+                        <m:sub>
+                          <m:r>
+                            <a:rPr lang="en-IN" sz="5400" b="0" i="1" smtClean="0">
+                              <a:latin typeface="Cambria Math" panose="02040503050406030204" pitchFamily="18" charset="0"/>
+                            </a:rPr>
+                            <m:t>1</m:t>
+                          </m:r>
+                        </m:sub>
+                      </m:sSub>
+                      <m:r>
+                        <a:rPr lang="en-IN" sz="5400" i="1">
+                          <a:latin typeface="Cambria Math" panose="02040503050406030204" pitchFamily="18" charset="0"/>
+                          <a:ea typeface="Cambria Math" panose="02040503050406030204" pitchFamily="18" charset="0"/>
+                        </a:rPr>
+                        <m:t>∘</m:t>
+                      </m:r>
+                      <m:sSub>
+                        <m:sSubPr>
+                          <m:ctrlPr>
+                            <a:rPr lang="en-IN" sz="5400" b="0" i="1" smtClean="0">
+                              <a:latin typeface="Cambria Math" panose="02040503050406030204" pitchFamily="18" charset="0"/>
+                              <a:ea typeface="Cambria Math" panose="02040503050406030204" pitchFamily="18" charset="0"/>
+                            </a:rPr>
+                          </m:ctrlPr>
+                        </m:sSubPr>
+                        <m:e>
+                          <m:r>
+                            <a:rPr lang="en-IN" sz="5400" b="0" i="1" smtClean="0">
+                              <a:latin typeface="Cambria Math" panose="02040503050406030204" pitchFamily="18" charset="0"/>
+                              <a:ea typeface="Cambria Math" panose="02040503050406030204" pitchFamily="18" charset="0"/>
+                            </a:rPr>
+                            <m:t>𝑁</m:t>
+                          </m:r>
+                        </m:e>
+                        <m:sub>
+                          <m:r>
+                            <a:rPr lang="en-IN" sz="5400" b="0" i="1" smtClean="0">
+                              <a:latin typeface="Cambria Math" panose="02040503050406030204" pitchFamily="18" charset="0"/>
+                              <a:ea typeface="Cambria Math" panose="02040503050406030204" pitchFamily="18" charset="0"/>
+                            </a:rPr>
+                            <m:t>2</m:t>
+                          </m:r>
+                        </m:sub>
+                      </m:sSub>
+                    </m:oMath>
+                  </m:oMathPara>
+                </a14:m>
+                <a:endParaRPr lang="en-GB" sz="5400" dirty="0"/>
+              </a:p>
+            </p:txBody>
+          </p:sp>
+        </mc:Choice>
+        <mc:Fallback xmlns="">
+          <p:sp>
+            <p:nvSpPr>
+              <p:cNvPr id="2" name="TextBox 1">
+                <a:extLst>
+                  <a:ext uri="{FF2B5EF4-FFF2-40B4-BE49-F238E27FC236}">
+                    <a16:creationId xmlns:a16="http://schemas.microsoft.com/office/drawing/2014/main" id="{AD2D5DFF-98ED-B20D-4352-6E4D232FF4F6}"/>
+                  </a:ext>
+                </a:extLst>
+              </p:cNvPr>
+              <p:cNvSpPr txBox="1">
+                <a:spLocks noRot="1" noChangeAspect="1" noMove="1" noResize="1" noEditPoints="1" noAdjustHandles="1" noChangeArrowheads="1" noChangeShapeType="1" noTextEdit="1"/>
+              </p:cNvSpPr>
+              <p:nvPr/>
+            </p:nvSpPr>
+            <p:spPr>
+              <a:xfrm>
+                <a:off x="4060722" y="4798142"/>
+                <a:ext cx="4070556" cy="923330"/>
+              </a:xfrm>
+              <a:prstGeom prst="rect">
+                <a:avLst/>
+              </a:prstGeom>
+              <a:blipFill>
+                <a:blip r:embed="rId4"/>
+                <a:stretch>
+                  <a:fillRect/>
+                </a:stretch>
+              </a:blipFill>
+            </p:spPr>
+            <p:txBody>
+              <a:bodyPr/>
+              <a:lstStyle/>
+              <a:p>
+                <a:r>
+                  <a:rPr lang="en-GB">
+                    <a:noFill/>
+                  </a:rPr>
+                  <a:t> </a:t>
+                </a:r>
+              </a:p>
+            </p:txBody>
+          </p:sp>
+        </mc:Fallback>
+      </mc:AlternateContent>
+    </p:spTree>
+    <p:extLst>
+      <p:ext uri="{BB962C8B-B14F-4D97-AF65-F5344CB8AC3E}">
+        <p14:creationId xmlns:p14="http://schemas.microsoft.com/office/powerpoint/2010/main" val="3177001330"/>
+      </p:ext>
+    </p:extLst>
+  </p:cSld>
+  <p:clrMapOvr>
+    <a:masterClrMapping/>
+  </p:clrMapOvr>
+</p:sld>
+</file>
+
+<file path=ppt/slides/slide39.xml><?xml version="1.0" encoding="utf-8"?>
+<p:sld xmlns:a="http://schemas.openxmlformats.org/drawingml/2006/main" xmlns:r="http://schemas.openxmlformats.org/officeDocument/2006/relationships" xmlns:p="http://schemas.openxmlformats.org/presentationml/2006/main">
+  <p:cSld>
+    <p:spTree>
+      <p:nvGrpSpPr>
+        <p:cNvPr id="1" name="">
+          <a:extLst>
+            <a:ext uri="{FF2B5EF4-FFF2-40B4-BE49-F238E27FC236}">
+              <a16:creationId xmlns:a16="http://schemas.microsoft.com/office/drawing/2014/main" id="{903BA76C-2A46-486C-5597-CF8A26DFC2DE}"/>
+            </a:ext>
+          </a:extLst>
+        </p:cNvPr>
+        <p:cNvGrpSpPr/>
+        <p:nvPr/>
+      </p:nvGrpSpPr>
+      <p:grpSpPr>
+        <a:xfrm>
+          <a:off x="0" y="0"/>
+          <a:ext cx="0" cy="0"/>
+          <a:chOff x="0" y="0"/>
+          <a:chExt cx="0" cy="0"/>
+        </a:xfrm>
+      </p:grpSpPr>
+      <p:pic>
+        <p:nvPicPr>
+          <p:cNvPr id="13" name="Picture 12">
+            <a:extLst>
+              <a:ext uri="{FF2B5EF4-FFF2-40B4-BE49-F238E27FC236}">
+                <a16:creationId xmlns:a16="http://schemas.microsoft.com/office/drawing/2014/main" id="{D15743FF-5A1E-A3AF-0363-651187AE6951}"/>
+              </a:ext>
+            </a:extLst>
+          </p:cNvPr>
+          <p:cNvPicPr>
+            <a:picLocks noChangeAspect="1"/>
+          </p:cNvPicPr>
+          <p:nvPr/>
+        </p:nvPicPr>
+        <p:blipFill rotWithShape="1">
+          <a:blip r:embed="rId3"/>
+          <a:srcRect l="8188" r="7691"/>
+          <a:stretch/>
+        </p:blipFill>
+        <p:spPr>
+          <a:xfrm>
+            <a:off x="3519948" y="1779945"/>
+            <a:ext cx="5152104" cy="2295525"/>
+          </a:xfrm>
+          <a:prstGeom prst="rect">
+            <a:avLst/>
+          </a:prstGeom>
+        </p:spPr>
+      </p:pic>
+      <mc:AlternateContent xmlns:mc="http://schemas.openxmlformats.org/markup-compatibility/2006" xmlns:a14="http://schemas.microsoft.com/office/drawing/2010/main">
+        <mc:Choice Requires="a14">
+          <p:sp>
+            <p:nvSpPr>
+              <p:cNvPr id="2" name="TextBox 1">
+                <a:extLst>
+                  <a:ext uri="{FF2B5EF4-FFF2-40B4-BE49-F238E27FC236}">
+                    <a16:creationId xmlns:a16="http://schemas.microsoft.com/office/drawing/2014/main" id="{316D1846-93EC-3112-ACDB-B8854C647786}"/>
+                  </a:ext>
+                </a:extLst>
+              </p:cNvPr>
+              <p:cNvSpPr txBox="1"/>
+              <p:nvPr/>
+            </p:nvSpPr>
+            <p:spPr>
+              <a:xfrm>
+                <a:off x="4060722" y="4798142"/>
+                <a:ext cx="4070556" cy="923330"/>
+              </a:xfrm>
+              <a:prstGeom prst="rect">
+                <a:avLst/>
+              </a:prstGeom>
+              <a:noFill/>
+            </p:spPr>
+            <p:txBody>
+              <a:bodyPr wrap="square" rtlCol="0">
+                <a:spAutoFit/>
+              </a:bodyPr>
+              <a:lstStyle/>
+              <a:p>
+                <a:pPr/>
+                <a14:m>
+                  <m:oMathPara xmlns:m="http://schemas.openxmlformats.org/officeDocument/2006/math">
+                    <m:oMathParaPr>
+                      <m:jc m:val="centerGroup"/>
+                    </m:oMathParaPr>
+                    <m:oMath xmlns:m="http://schemas.openxmlformats.org/officeDocument/2006/math">
+                      <m:r>
+                        <a:rPr lang="en-IN" sz="5400" b="0" i="1" smtClean="0">
+                          <a:latin typeface="Cambria Math" panose="02040503050406030204" pitchFamily="18" charset="0"/>
+                        </a:rPr>
+                        <m:t>𝑁</m:t>
+                      </m:r>
+                      <m:r>
+                        <a:rPr lang="en-IN" sz="5400" b="0" i="1" smtClean="0">
+                          <a:latin typeface="Cambria Math" panose="02040503050406030204" pitchFamily="18" charset="0"/>
+                        </a:rPr>
+                        <m:t>=</m:t>
+                      </m:r>
+                      <m:sSub>
+                        <m:sSubPr>
+                          <m:ctrlPr>
+                            <a:rPr lang="en-IN" sz="5400" b="0" i="1" smtClean="0">
+                              <a:latin typeface="Cambria Math" panose="02040503050406030204" pitchFamily="18" charset="0"/>
+                            </a:rPr>
+                          </m:ctrlPr>
+                        </m:sSubPr>
+                        <m:e>
+                          <m:r>
+                            <a:rPr lang="en-IN" sz="5400" b="0" i="1" smtClean="0">
+                              <a:latin typeface="Cambria Math" panose="02040503050406030204" pitchFamily="18" charset="0"/>
+                            </a:rPr>
+                            <m:t>𝑁</m:t>
+                          </m:r>
+                        </m:e>
+                        <m:sub>
+                          <m:r>
+                            <a:rPr lang="en-IN" sz="5400" b="0" i="1" smtClean="0">
+                              <a:latin typeface="Cambria Math" panose="02040503050406030204" pitchFamily="18" charset="0"/>
+                            </a:rPr>
+                            <m:t>1</m:t>
+                          </m:r>
+                        </m:sub>
+                      </m:sSub>
+                      <m:r>
+                        <a:rPr lang="en-IN" sz="5400" b="0" i="1" smtClean="0">
+                          <a:latin typeface="Cambria Math" panose="02040503050406030204" pitchFamily="18" charset="0"/>
+                          <a:ea typeface="Cambria Math" panose="02040503050406030204" pitchFamily="18" charset="0"/>
+                        </a:rPr>
+                        <m:t>∗</m:t>
+                      </m:r>
+                    </m:oMath>
+                  </m:oMathPara>
+                </a14:m>
+                <a:endParaRPr lang="en-GB" sz="5400" dirty="0"/>
+              </a:p>
+            </p:txBody>
+          </p:sp>
+        </mc:Choice>
+        <mc:Fallback xmlns="">
+          <p:sp>
+            <p:nvSpPr>
+              <p:cNvPr id="2" name="TextBox 1">
+                <a:extLst>
+                  <a:ext uri="{FF2B5EF4-FFF2-40B4-BE49-F238E27FC236}">
+                    <a16:creationId xmlns:a16="http://schemas.microsoft.com/office/drawing/2014/main" id="{316D1846-93EC-3112-ACDB-B8854C647786}"/>
+                  </a:ext>
+                </a:extLst>
+              </p:cNvPr>
+              <p:cNvSpPr txBox="1">
+                <a:spLocks noRot="1" noChangeAspect="1" noMove="1" noResize="1" noEditPoints="1" noAdjustHandles="1" noChangeArrowheads="1" noChangeShapeType="1" noTextEdit="1"/>
+              </p:cNvSpPr>
+              <p:nvPr/>
+            </p:nvSpPr>
+            <p:spPr>
+              <a:xfrm>
+                <a:off x="4060722" y="4798142"/>
+                <a:ext cx="4070556" cy="923330"/>
+              </a:xfrm>
+              <a:prstGeom prst="rect">
+                <a:avLst/>
+              </a:prstGeom>
+              <a:blipFill>
+                <a:blip r:embed="rId4"/>
+                <a:stretch>
+                  <a:fillRect/>
+                </a:stretch>
+              </a:blipFill>
+            </p:spPr>
+            <p:txBody>
+              <a:bodyPr/>
+              <a:lstStyle/>
+              <a:p>
+                <a:r>
+                  <a:rPr lang="en-GB">
+                    <a:noFill/>
+                  </a:rPr>
+                  <a:t> </a:t>
+                </a:r>
+              </a:p>
+            </p:txBody>
+          </p:sp>
+        </mc:Fallback>
+      </mc:AlternateContent>
+    </p:spTree>
+    <p:extLst>
+      <p:ext uri="{BB962C8B-B14F-4D97-AF65-F5344CB8AC3E}">
+        <p14:creationId xmlns:p14="http://schemas.microsoft.com/office/powerpoint/2010/main" val="3859133706"/>
       </p:ext>
     </p:extLst>
   </p:cSld>
@@ -8017,6 +13751,642 @@
     <p:extLst>
       <p:ext uri="{BB962C8B-B14F-4D97-AF65-F5344CB8AC3E}">
         <p14:creationId xmlns:p14="http://schemas.microsoft.com/office/powerpoint/2010/main" val="524667504"/>
+      </p:ext>
+    </p:extLst>
+  </p:cSld>
+  <p:clrMapOvr>
+    <a:masterClrMapping/>
+  </p:clrMapOvr>
+</p:sld>
+</file>
+
+<file path=ppt/slides/slide40.xml><?xml version="1.0" encoding="utf-8"?>
+<p:sld xmlns:a="http://schemas.openxmlformats.org/drawingml/2006/main" xmlns:r="http://schemas.openxmlformats.org/officeDocument/2006/relationships" xmlns:p="http://schemas.openxmlformats.org/presentationml/2006/main">
+  <p:cSld>
+    <p:spTree>
+      <p:nvGrpSpPr>
+        <p:cNvPr id="1" name=""/>
+        <p:cNvGrpSpPr/>
+        <p:nvPr/>
+      </p:nvGrpSpPr>
+      <p:grpSpPr>
+        <a:xfrm>
+          <a:off x="0" y="0"/>
+          <a:ext cx="0" cy="0"/>
+          <a:chOff x="0" y="0"/>
+          <a:chExt cx="0" cy="0"/>
+        </a:xfrm>
+      </p:grpSpPr>
+      <p:sp>
+        <p:nvSpPr>
+          <p:cNvPr id="2" name="Title 1">
+            <a:extLst>
+              <a:ext uri="{FF2B5EF4-FFF2-40B4-BE49-F238E27FC236}">
+                <a16:creationId xmlns:a16="http://schemas.microsoft.com/office/drawing/2014/main" id="{B518455F-3CFC-6EEF-6F36-E5A6129F734F}"/>
+              </a:ext>
+            </a:extLst>
+          </p:cNvPr>
+          <p:cNvSpPr>
+            <a:spLocks noGrp="1"/>
+          </p:cNvSpPr>
+          <p:nvPr>
+            <p:ph type="title"/>
+          </p:nvPr>
+        </p:nvSpPr>
+        <p:spPr/>
+        <p:txBody>
+          <a:bodyPr/>
+          <a:lstStyle/>
+          <a:p>
+            <a:r>
+              <a:rPr lang="en-IN" dirty="0"/>
+              <a:t>Markov Chains</a:t>
+            </a:r>
+            <a:endParaRPr lang="en-GB" dirty="0"/>
+          </a:p>
+        </p:txBody>
+      </p:sp>
+      <p:sp>
+        <p:nvSpPr>
+          <p:cNvPr id="3" name="Content Placeholder 2">
+            <a:extLst>
+              <a:ext uri="{FF2B5EF4-FFF2-40B4-BE49-F238E27FC236}">
+                <a16:creationId xmlns:a16="http://schemas.microsoft.com/office/drawing/2014/main" id="{AE0FF999-404E-441F-21F2-295EFCC9DFC3}"/>
+              </a:ext>
+            </a:extLst>
+          </p:cNvPr>
+          <p:cNvSpPr>
+            <a:spLocks noGrp="1"/>
+          </p:cNvSpPr>
+          <p:nvPr>
+            <p:ph idx="1"/>
+          </p:nvPr>
+        </p:nvSpPr>
+        <p:spPr/>
+        <p:txBody>
+          <a:bodyPr/>
+          <a:lstStyle/>
+          <a:p>
+            <a:r>
+              <a:rPr lang="en-IN" i="1" dirty="0"/>
+              <a:t>Weighted</a:t>
+            </a:r>
+            <a:r>
+              <a:rPr lang="en-IN" dirty="0"/>
+              <a:t> FSA</a:t>
+            </a:r>
+          </a:p>
+          <a:p>
+            <a:r>
+              <a:rPr lang="en-IN" dirty="0"/>
+              <a:t>Transitions are tagged with probabilities</a:t>
+            </a:r>
+          </a:p>
+          <a:p>
+            <a:r>
+              <a:rPr lang="en-IN" dirty="0"/>
+              <a:t>Primitive text generation</a:t>
+            </a:r>
+          </a:p>
+          <a:p>
+            <a:r>
+              <a:rPr lang="en-IN" dirty="0"/>
+              <a:t>Google’s PageRank</a:t>
+            </a:r>
+            <a:endParaRPr lang="en-GB" dirty="0"/>
+          </a:p>
+        </p:txBody>
+      </p:sp>
+    </p:spTree>
+    <p:extLst>
+      <p:ext uri="{BB962C8B-B14F-4D97-AF65-F5344CB8AC3E}">
+        <p14:creationId xmlns:p14="http://schemas.microsoft.com/office/powerpoint/2010/main" val="1154591072"/>
+      </p:ext>
+    </p:extLst>
+  </p:cSld>
+  <p:clrMapOvr>
+    <a:masterClrMapping/>
+  </p:clrMapOvr>
+</p:sld>
+</file>
+
+<file path=ppt/slides/slide41.xml><?xml version="1.0" encoding="utf-8"?>
+<p:sld xmlns:a="http://schemas.openxmlformats.org/drawingml/2006/main" xmlns:r="http://schemas.openxmlformats.org/officeDocument/2006/relationships" xmlns:p="http://schemas.openxmlformats.org/presentationml/2006/main">
+  <p:cSld>
+    <p:spTree>
+      <p:nvGrpSpPr>
+        <p:cNvPr id="1" name=""/>
+        <p:cNvGrpSpPr/>
+        <p:nvPr/>
+      </p:nvGrpSpPr>
+      <p:grpSpPr>
+        <a:xfrm>
+          <a:off x="0" y="0"/>
+          <a:ext cx="0" cy="0"/>
+          <a:chOff x="0" y="0"/>
+          <a:chExt cx="0" cy="0"/>
+        </a:xfrm>
+      </p:grpSpPr>
+      <p:sp>
+        <p:nvSpPr>
+          <p:cNvPr id="2" name="Title 1">
+            <a:extLst>
+              <a:ext uri="{FF2B5EF4-FFF2-40B4-BE49-F238E27FC236}">
+                <a16:creationId xmlns:a16="http://schemas.microsoft.com/office/drawing/2014/main" id="{694F43A7-0E1E-47C3-7333-EB9AEBADB1CC}"/>
+              </a:ext>
+            </a:extLst>
+          </p:cNvPr>
+          <p:cNvSpPr>
+            <a:spLocks noGrp="1"/>
+          </p:cNvSpPr>
+          <p:nvPr>
+            <p:ph type="title"/>
+          </p:nvPr>
+        </p:nvSpPr>
+        <p:spPr/>
+        <p:txBody>
+          <a:bodyPr/>
+          <a:lstStyle/>
+          <a:p>
+            <a:r>
+              <a:rPr lang="en-IN" dirty="0"/>
+              <a:t>Non-Regular Languages</a:t>
+            </a:r>
+            <a:endParaRPr lang="en-GB" dirty="0"/>
+          </a:p>
+        </p:txBody>
+      </p:sp>
+      <p:sp>
+        <p:nvSpPr>
+          <p:cNvPr id="3" name="Content Placeholder 2">
+            <a:extLst>
+              <a:ext uri="{FF2B5EF4-FFF2-40B4-BE49-F238E27FC236}">
+                <a16:creationId xmlns:a16="http://schemas.microsoft.com/office/drawing/2014/main" id="{60EC76CA-4320-559A-5841-CD4FBAF208ED}"/>
+              </a:ext>
+            </a:extLst>
+          </p:cNvPr>
+          <p:cNvSpPr>
+            <a:spLocks noGrp="1"/>
+          </p:cNvSpPr>
+          <p:nvPr>
+            <p:ph idx="1"/>
+          </p:nvPr>
+        </p:nvSpPr>
+        <p:spPr>
+          <a:xfrm>
+            <a:off x="838200" y="1558925"/>
+            <a:ext cx="10515600" cy="930275"/>
+          </a:xfrm>
+        </p:spPr>
+        <p:txBody>
+          <a:bodyPr/>
+          <a:lstStyle/>
+          <a:p>
+            <a:r>
+              <a:rPr lang="en-IN" dirty="0"/>
+              <a:t>Some languages cannot be recognized by FSA (non-deterministic or otherwise)</a:t>
+            </a:r>
+            <a:endParaRPr lang="en-GB" dirty="0"/>
+          </a:p>
+        </p:txBody>
+      </p:sp>
+      <p:pic>
+        <p:nvPicPr>
+          <p:cNvPr id="5" name="Picture 4" descr="A diagram of different languages&#10;&#10;Description automatically generated">
+            <a:extLst>
+              <a:ext uri="{FF2B5EF4-FFF2-40B4-BE49-F238E27FC236}">
+                <a16:creationId xmlns:a16="http://schemas.microsoft.com/office/drawing/2014/main" id="{56B60566-FFAC-EA97-9D1D-D29E8E4B85B3}"/>
+              </a:ext>
+            </a:extLst>
+          </p:cNvPr>
+          <p:cNvPicPr>
+            <a:picLocks noChangeAspect="1"/>
+          </p:cNvPicPr>
+          <p:nvPr/>
+        </p:nvPicPr>
+        <p:blipFill>
+          <a:blip r:embed="rId2">
+            <a:extLst>
+              <a:ext uri="{28A0092B-C50C-407E-A947-70E740481C1C}">
+                <a14:useLocalDpi xmlns:a14="http://schemas.microsoft.com/office/drawing/2010/main" val="0"/>
+              </a:ext>
+            </a:extLst>
+          </a:blip>
+          <a:stretch>
+            <a:fillRect/>
+          </a:stretch>
+        </p:blipFill>
+        <p:spPr>
+          <a:xfrm>
+            <a:off x="3039017" y="2571030"/>
+            <a:ext cx="6113966" cy="4185369"/>
+          </a:xfrm>
+          <a:prstGeom prst="rect">
+            <a:avLst/>
+          </a:prstGeom>
+        </p:spPr>
+      </p:pic>
+    </p:spTree>
+    <p:extLst>
+      <p:ext uri="{BB962C8B-B14F-4D97-AF65-F5344CB8AC3E}">
+        <p14:creationId xmlns:p14="http://schemas.microsoft.com/office/powerpoint/2010/main" val="4087634015"/>
+      </p:ext>
+    </p:extLst>
+  </p:cSld>
+  <p:clrMapOvr>
+    <a:masterClrMapping/>
+  </p:clrMapOvr>
+</p:sld>
+</file>
+
+<file path=ppt/slides/slide42.xml><?xml version="1.0" encoding="utf-8"?>
+<p:sld xmlns:a="http://schemas.openxmlformats.org/drawingml/2006/main" xmlns:r="http://schemas.openxmlformats.org/officeDocument/2006/relationships" xmlns:p="http://schemas.openxmlformats.org/presentationml/2006/main">
+  <p:cSld>
+    <p:spTree>
+      <p:nvGrpSpPr>
+        <p:cNvPr id="1" name="">
+          <a:extLst>
+            <a:ext uri="{FF2B5EF4-FFF2-40B4-BE49-F238E27FC236}">
+              <a16:creationId xmlns:a16="http://schemas.microsoft.com/office/drawing/2014/main" id="{50092D66-A851-9C5E-87EF-7E9D263D328E}"/>
+            </a:ext>
+          </a:extLst>
+        </p:cNvPr>
+        <p:cNvGrpSpPr/>
+        <p:nvPr/>
+      </p:nvGrpSpPr>
+      <p:grpSpPr>
+        <a:xfrm>
+          <a:off x="0" y="0"/>
+          <a:ext cx="0" cy="0"/>
+          <a:chOff x="0" y="0"/>
+          <a:chExt cx="0" cy="0"/>
+        </a:xfrm>
+      </p:grpSpPr>
+      <p:sp>
+        <p:nvSpPr>
+          <p:cNvPr id="2" name="Title 1">
+            <a:extLst>
+              <a:ext uri="{FF2B5EF4-FFF2-40B4-BE49-F238E27FC236}">
+                <a16:creationId xmlns:a16="http://schemas.microsoft.com/office/drawing/2014/main" id="{6EAAA80E-F9D5-53B1-E255-D2B01847F5ED}"/>
+              </a:ext>
+            </a:extLst>
+          </p:cNvPr>
+          <p:cNvSpPr>
+            <a:spLocks noGrp="1"/>
+          </p:cNvSpPr>
+          <p:nvPr>
+            <p:ph type="title"/>
+          </p:nvPr>
+        </p:nvSpPr>
+        <p:spPr/>
+        <p:txBody>
+          <a:bodyPr/>
+          <a:lstStyle/>
+          <a:p>
+            <a:r>
+              <a:rPr lang="en-IN" dirty="0"/>
+              <a:t>Other Models of Computation</a:t>
+            </a:r>
+            <a:endParaRPr lang="en-GB" dirty="0"/>
+          </a:p>
+        </p:txBody>
+      </p:sp>
+      <p:sp>
+        <p:nvSpPr>
+          <p:cNvPr id="3" name="Content Placeholder 2">
+            <a:extLst>
+              <a:ext uri="{FF2B5EF4-FFF2-40B4-BE49-F238E27FC236}">
+                <a16:creationId xmlns:a16="http://schemas.microsoft.com/office/drawing/2014/main" id="{EC0C1142-DCE6-8A7A-EF33-091DA0B15432}"/>
+              </a:ext>
+            </a:extLst>
+          </p:cNvPr>
+          <p:cNvSpPr>
+            <a:spLocks noGrp="1"/>
+          </p:cNvSpPr>
+          <p:nvPr>
+            <p:ph idx="1"/>
+          </p:nvPr>
+        </p:nvSpPr>
+        <p:spPr>
+          <a:xfrm>
+            <a:off x="838200" y="1690688"/>
+            <a:ext cx="10515600" cy="930275"/>
+          </a:xfrm>
+        </p:spPr>
+        <p:txBody>
+          <a:bodyPr/>
+          <a:lstStyle/>
+          <a:p>
+            <a:r>
+              <a:rPr lang="en-IN" dirty="0"/>
+              <a:t>Pushdown Automata (Recognizes context-free languages)</a:t>
+            </a:r>
+            <a:endParaRPr lang="en-GB" dirty="0"/>
+          </a:p>
+        </p:txBody>
+      </p:sp>
+      <p:pic>
+        <p:nvPicPr>
+          <p:cNvPr id="6" name="Picture 5" descr="A diagram of a diagram&#10;&#10;Description automatically generated">
+            <a:extLst>
+              <a:ext uri="{FF2B5EF4-FFF2-40B4-BE49-F238E27FC236}">
+                <a16:creationId xmlns:a16="http://schemas.microsoft.com/office/drawing/2014/main" id="{7088E21E-6C77-A053-F37C-D9D4D9BEC7FF}"/>
+              </a:ext>
+            </a:extLst>
+          </p:cNvPr>
+          <p:cNvPicPr>
+            <a:picLocks noChangeAspect="1"/>
+          </p:cNvPicPr>
+          <p:nvPr/>
+        </p:nvPicPr>
+        <p:blipFill>
+          <a:blip r:embed="rId2">
+            <a:extLst>
+              <a:ext uri="{28A0092B-C50C-407E-A947-70E740481C1C}">
+                <a14:useLocalDpi xmlns:a14="http://schemas.microsoft.com/office/drawing/2010/main" val="0"/>
+              </a:ext>
+            </a:extLst>
+          </a:blip>
+          <a:stretch>
+            <a:fillRect/>
+          </a:stretch>
+        </p:blipFill>
+        <p:spPr>
+          <a:xfrm>
+            <a:off x="3537270" y="3016251"/>
+            <a:ext cx="5117460" cy="2882540"/>
+          </a:xfrm>
+          <a:prstGeom prst="rect">
+            <a:avLst/>
+          </a:prstGeom>
+        </p:spPr>
+      </p:pic>
+    </p:spTree>
+    <p:extLst>
+      <p:ext uri="{BB962C8B-B14F-4D97-AF65-F5344CB8AC3E}">
+        <p14:creationId xmlns:p14="http://schemas.microsoft.com/office/powerpoint/2010/main" val="2125903165"/>
+      </p:ext>
+    </p:extLst>
+  </p:cSld>
+  <p:clrMapOvr>
+    <a:masterClrMapping/>
+  </p:clrMapOvr>
+</p:sld>
+</file>
+
+<file path=ppt/slides/slide43.xml><?xml version="1.0" encoding="utf-8"?>
+<p:sld xmlns:a="http://schemas.openxmlformats.org/drawingml/2006/main" xmlns:r="http://schemas.openxmlformats.org/officeDocument/2006/relationships" xmlns:p="http://schemas.openxmlformats.org/presentationml/2006/main">
+  <p:cSld>
+    <p:spTree>
+      <p:nvGrpSpPr>
+        <p:cNvPr id="1" name="">
+          <a:extLst>
+            <a:ext uri="{FF2B5EF4-FFF2-40B4-BE49-F238E27FC236}">
+              <a16:creationId xmlns:a16="http://schemas.microsoft.com/office/drawing/2014/main" id="{DAEE9C6E-DDFF-FC2B-8109-B91A02142F22}"/>
+            </a:ext>
+          </a:extLst>
+        </p:cNvPr>
+        <p:cNvGrpSpPr/>
+        <p:nvPr/>
+      </p:nvGrpSpPr>
+      <p:grpSpPr>
+        <a:xfrm>
+          <a:off x="0" y="0"/>
+          <a:ext cx="0" cy="0"/>
+          <a:chOff x="0" y="0"/>
+          <a:chExt cx="0" cy="0"/>
+        </a:xfrm>
+      </p:grpSpPr>
+      <p:sp>
+        <p:nvSpPr>
+          <p:cNvPr id="2" name="Title 1">
+            <a:extLst>
+              <a:ext uri="{FF2B5EF4-FFF2-40B4-BE49-F238E27FC236}">
+                <a16:creationId xmlns:a16="http://schemas.microsoft.com/office/drawing/2014/main" id="{8FCF895A-8EBF-CC59-6F66-AC4855A4DD2A}"/>
+              </a:ext>
+            </a:extLst>
+          </p:cNvPr>
+          <p:cNvSpPr>
+            <a:spLocks noGrp="1"/>
+          </p:cNvSpPr>
+          <p:nvPr>
+            <p:ph type="title"/>
+          </p:nvPr>
+        </p:nvSpPr>
+        <p:spPr/>
+        <p:txBody>
+          <a:bodyPr/>
+          <a:lstStyle/>
+          <a:p>
+            <a:r>
+              <a:rPr lang="en-IN" dirty="0"/>
+              <a:t>Other Models of Computation</a:t>
+            </a:r>
+            <a:endParaRPr lang="en-GB" dirty="0"/>
+          </a:p>
+        </p:txBody>
+      </p:sp>
+      <p:sp>
+        <p:nvSpPr>
+          <p:cNvPr id="3" name="Content Placeholder 2">
+            <a:extLst>
+              <a:ext uri="{FF2B5EF4-FFF2-40B4-BE49-F238E27FC236}">
+                <a16:creationId xmlns:a16="http://schemas.microsoft.com/office/drawing/2014/main" id="{1D4A1E23-09BA-D6A2-DD14-1759B717CAB9}"/>
+              </a:ext>
+            </a:extLst>
+          </p:cNvPr>
+          <p:cNvSpPr>
+            <a:spLocks noGrp="1"/>
+          </p:cNvSpPr>
+          <p:nvPr>
+            <p:ph idx="1"/>
+          </p:nvPr>
+        </p:nvSpPr>
+        <p:spPr>
+          <a:xfrm>
+            <a:off x="838200" y="1690688"/>
+            <a:ext cx="10515600" cy="930275"/>
+          </a:xfrm>
+        </p:spPr>
+        <p:txBody>
+          <a:bodyPr/>
+          <a:lstStyle/>
+          <a:p>
+            <a:r>
+              <a:rPr lang="en-IN" dirty="0"/>
+              <a:t>Turing Machine (Recognizes recursively enumerable languages)</a:t>
+            </a:r>
+            <a:endParaRPr lang="en-GB" dirty="0"/>
+          </a:p>
+        </p:txBody>
+      </p:sp>
+      <p:pic>
+        <p:nvPicPr>
+          <p:cNvPr id="5" name="Graphic 4">
+            <a:extLst>
+              <a:ext uri="{FF2B5EF4-FFF2-40B4-BE49-F238E27FC236}">
+                <a16:creationId xmlns:a16="http://schemas.microsoft.com/office/drawing/2014/main" id="{F807F83A-8EDC-AAD4-8392-2B6A508F62E6}"/>
+              </a:ext>
+            </a:extLst>
+          </p:cNvPr>
+          <p:cNvPicPr>
+            <a:picLocks noChangeAspect="1"/>
+          </p:cNvPicPr>
+          <p:nvPr/>
+        </p:nvPicPr>
+        <p:blipFill>
+          <a:blip r:embed="rId2">
+            <a:extLst>
+              <a:ext uri="{28A0092B-C50C-407E-A947-70E740481C1C}">
+                <a14:useLocalDpi xmlns:a14="http://schemas.microsoft.com/office/drawing/2010/main" val="0"/>
+              </a:ext>
+              <a:ext uri="{96DAC541-7B7A-43D3-8B79-37D633B846F1}">
+                <asvg:svgBlip xmlns:asvg="http://schemas.microsoft.com/office/drawing/2016/SVG/main" r:embed="rId3"/>
+              </a:ext>
+            </a:extLst>
+          </a:blip>
+          <a:stretch>
+            <a:fillRect/>
+          </a:stretch>
+        </p:blipFill>
+        <p:spPr>
+          <a:xfrm>
+            <a:off x="2658396" y="3036835"/>
+            <a:ext cx="6412571" cy="2757949"/>
+          </a:xfrm>
+          <a:prstGeom prst="rect">
+            <a:avLst/>
+          </a:prstGeom>
+        </p:spPr>
+      </p:pic>
+    </p:spTree>
+    <p:extLst>
+      <p:ext uri="{BB962C8B-B14F-4D97-AF65-F5344CB8AC3E}">
+        <p14:creationId xmlns:p14="http://schemas.microsoft.com/office/powerpoint/2010/main" val="1102620838"/>
+      </p:ext>
+    </p:extLst>
+  </p:cSld>
+  <p:clrMapOvr>
+    <a:masterClrMapping/>
+  </p:clrMapOvr>
+</p:sld>
+</file>
+
+<file path=ppt/slides/slide44.xml><?xml version="1.0" encoding="utf-8"?>
+<p:sld xmlns:a="http://schemas.openxmlformats.org/drawingml/2006/main" xmlns:r="http://schemas.openxmlformats.org/officeDocument/2006/relationships" xmlns:p="http://schemas.openxmlformats.org/presentationml/2006/main">
+  <p:cSld>
+    <p:spTree>
+      <p:nvGrpSpPr>
+        <p:cNvPr id="1" name="">
+          <a:extLst>
+            <a:ext uri="{FF2B5EF4-FFF2-40B4-BE49-F238E27FC236}">
+              <a16:creationId xmlns:a16="http://schemas.microsoft.com/office/drawing/2014/main" id="{5662C018-10D1-1F75-B92E-882F4844F75B}"/>
+            </a:ext>
+          </a:extLst>
+        </p:cNvPr>
+        <p:cNvGrpSpPr/>
+        <p:nvPr/>
+      </p:nvGrpSpPr>
+      <p:grpSpPr>
+        <a:xfrm>
+          <a:off x="0" y="0"/>
+          <a:ext cx="0" cy="0"/>
+          <a:chOff x="0" y="0"/>
+          <a:chExt cx="0" cy="0"/>
+        </a:xfrm>
+      </p:grpSpPr>
+      <p:sp>
+        <p:nvSpPr>
+          <p:cNvPr id="3" name="Content Placeholder 2">
+            <a:extLst>
+              <a:ext uri="{FF2B5EF4-FFF2-40B4-BE49-F238E27FC236}">
+                <a16:creationId xmlns:a16="http://schemas.microsoft.com/office/drawing/2014/main" id="{BC4AF7AA-EB82-AC2B-5A68-5C0EC014C6E0}"/>
+              </a:ext>
+            </a:extLst>
+          </p:cNvPr>
+          <p:cNvSpPr>
+            <a:spLocks noGrp="1"/>
+          </p:cNvSpPr>
+          <p:nvPr>
+            <p:ph idx="1"/>
+          </p:nvPr>
+        </p:nvSpPr>
+        <p:spPr>
+          <a:xfrm>
+            <a:off x="838200" y="875071"/>
+            <a:ext cx="10515600" cy="5301892"/>
+          </a:xfrm>
+        </p:spPr>
+        <p:txBody>
+          <a:bodyPr>
+            <a:noAutofit/>
+          </a:bodyPr>
+          <a:lstStyle/>
+          <a:p>
+            <a:r>
+              <a:rPr lang="en-US" dirty="0"/>
+              <a:t>web.stanford.edu/class/archive/cs/cs103/cs103.1142/button-fsm/</a:t>
+            </a:r>
+          </a:p>
+          <a:p>
+            <a:r>
+              <a:rPr lang="en-US" dirty="0"/>
+              <a:t>raganwald.com/2018/02/23/forde.html</a:t>
+            </a:r>
+          </a:p>
+          <a:p>
+            <a:r>
+              <a:rPr lang="en-US" dirty="0"/>
+              <a:t>"Introduction to the Theory of Computation“, Part 1, Chapter 1, </a:t>
+            </a:r>
+            <a:r>
+              <a:rPr lang="en-US" dirty="0" err="1"/>
+              <a:t>Sipser</a:t>
+            </a:r>
+            <a:r>
+              <a:rPr lang="en-US" dirty="0"/>
+              <a:t>.</a:t>
+            </a:r>
+          </a:p>
+          <a:p>
+            <a:r>
+              <a:rPr lang="en-US" dirty="0"/>
+              <a:t>regexr.com</a:t>
+            </a:r>
+          </a:p>
+          <a:p>
+            <a:r>
+              <a:rPr lang="en-US" dirty="0"/>
+              <a:t>docs.python.org/3/library/re.html</a:t>
+            </a:r>
+          </a:p>
+          <a:p>
+            <a:r>
+              <a:rPr lang="en-US" dirty="0"/>
+              <a:t>www.regular-expressions.info/</a:t>
+            </a:r>
+          </a:p>
+          <a:p>
+            <a:r>
+              <a:rPr lang="en-US" dirty="0">
+                <a:hlinkClick r:id="rId3"/>
+              </a:rPr>
+              <a:t>https://cstheory.stackexchange.com/a/14818</a:t>
+            </a:r>
+            <a:endParaRPr lang="en-US" dirty="0"/>
+          </a:p>
+          <a:p>
+            <a:r>
+              <a:rPr lang="en-US" dirty="0"/>
+              <a:t>inst.eecs.berkeley.edu//~cs150/fa05/CLD_Supplement/chapter11/chapter11.doc3.html</a:t>
+            </a:r>
+          </a:p>
+        </p:txBody>
+      </p:sp>
+    </p:spTree>
+    <p:extLst>
+      <p:ext uri="{BB962C8B-B14F-4D97-AF65-F5344CB8AC3E}">
+        <p14:creationId xmlns:p14="http://schemas.microsoft.com/office/powerpoint/2010/main" val="4283640844"/>
       </p:ext>
     </p:extLst>
   </p:cSld>
@@ -8927,7 +15297,7 @@
               <a:p>
                 <a:r>
                   <a:rPr lang="en-IN" dirty="0"/>
-                  <a:t>String: Any sequence of characters drawn from a set of symbols (conventionally </a:t>
+                  <a:t>String: Any sequence of characters drawn from a set of symbols, or alphabet, conventionally denoted </a:t>
                 </a:r>
                 <a14:m>
                   <m:oMath xmlns:m="http://schemas.openxmlformats.org/officeDocument/2006/math">
@@ -8943,10 +15313,7 @@
                     </m:r>
                   </m:oMath>
                 </a14:m>
-                <a:r>
-                  <a:rPr lang="en-IN" dirty="0"/>
-                  <a:t>)</a:t>
-                </a:r>
+                <a:endParaRPr lang="en-IN" dirty="0"/>
               </a:p>
               <a:p>
                 <a:r>
@@ -9098,7 +15465,43 @@
                 </a14:m>
                 <a:r>
                   <a:rPr lang="en-IN" dirty="0"/>
-                  <a:t> is the empty string</a:t>
+                  <a:t> is the empty string (Note </a:t>
+                </a:r>
+                <a14:m>
+                  <m:oMath xmlns:m="http://schemas.openxmlformats.org/officeDocument/2006/math">
+                    <m:r>
+                      <a:rPr lang="en-IN" i="1">
+                        <a:latin typeface="Cambria Math" panose="02040503050406030204" pitchFamily="18" charset="0"/>
+                        <a:ea typeface="Cambria Math" panose="02040503050406030204" pitchFamily="18" charset="0"/>
+                      </a:rPr>
+                      <m:t>Ø</m:t>
+                    </m:r>
+                    <m:r>
+                      <a:rPr lang="en-IN" b="0" i="1" smtClean="0">
+                        <a:latin typeface="Cambria Math" panose="02040503050406030204" pitchFamily="18" charset="0"/>
+                        <a:ea typeface="Cambria Math" panose="02040503050406030204" pitchFamily="18" charset="0"/>
+                      </a:rPr>
+                      <m:t>≠{</m:t>
+                    </m:r>
+                    <m:r>
+                      <a:rPr lang="en-IN" b="0" i="1" smtClean="0">
+                        <a:latin typeface="Cambria Math" panose="02040503050406030204" pitchFamily="18" charset="0"/>
+                        <a:ea typeface="Cambria Math" panose="02040503050406030204" pitchFamily="18" charset="0"/>
+                      </a:rPr>
+                      <m:t>𝜀</m:t>
+                    </m:r>
+                    <m:r>
+                      <a:rPr lang="en-IN" b="0" i="1" smtClean="0">
+                        <a:latin typeface="Cambria Math" panose="02040503050406030204" pitchFamily="18" charset="0"/>
+                        <a:ea typeface="Cambria Math" panose="02040503050406030204" pitchFamily="18" charset="0"/>
+                      </a:rPr>
+                      <m:t>}</m:t>
+                    </m:r>
+                  </m:oMath>
+                </a14:m>
+                <a:r>
+                  <a:rPr lang="en-IN" dirty="0"/>
+                  <a:t>)</a:t>
                 </a:r>
               </a:p>
               <a:p>
@@ -9376,7 +15779,7 @@
               <a:blipFill>
                 <a:blip r:embed="rId3"/>
                 <a:stretch>
-                  <a:fillRect l="-1043" t="-2381"/>
+                  <a:fillRect l="-1043"/>
                 </a:stretch>
               </a:blipFill>
             </p:spPr>
